--- a/강의교재/패턴기반SW개발_Ch13_JSTL.pptx
+++ b/강의교재/패턴기반SW개발_Ch13_JSTL.pptx
@@ -14,28 +14,29 @@
     <p:sldId id="391" r:id="rId8"/>
     <p:sldId id="398" r:id="rId9"/>
     <p:sldId id="396" r:id="rId10"/>
-    <p:sldId id="397" r:id="rId11"/>
-    <p:sldId id="399" r:id="rId12"/>
-    <p:sldId id="400" r:id="rId13"/>
-    <p:sldId id="401" r:id="rId14"/>
-    <p:sldId id="402" r:id="rId15"/>
-    <p:sldId id="403" r:id="rId16"/>
-    <p:sldId id="404" r:id="rId17"/>
-    <p:sldId id="406" r:id="rId18"/>
-    <p:sldId id="405" r:id="rId19"/>
-    <p:sldId id="407" r:id="rId20"/>
-    <p:sldId id="408" r:id="rId21"/>
-    <p:sldId id="409" r:id="rId22"/>
-    <p:sldId id="410" r:id="rId23"/>
-    <p:sldId id="411" r:id="rId24"/>
-    <p:sldId id="412" r:id="rId25"/>
-    <p:sldId id="413" r:id="rId26"/>
-    <p:sldId id="415" r:id="rId27"/>
-    <p:sldId id="416" r:id="rId28"/>
-    <p:sldId id="417" r:id="rId29"/>
-    <p:sldId id="418" r:id="rId30"/>
-    <p:sldId id="419" r:id="rId31"/>
-    <p:sldId id="420" r:id="rId32"/>
+    <p:sldId id="421" r:id="rId11"/>
+    <p:sldId id="397" r:id="rId12"/>
+    <p:sldId id="399" r:id="rId13"/>
+    <p:sldId id="400" r:id="rId14"/>
+    <p:sldId id="401" r:id="rId15"/>
+    <p:sldId id="402" r:id="rId16"/>
+    <p:sldId id="403" r:id="rId17"/>
+    <p:sldId id="404" r:id="rId18"/>
+    <p:sldId id="406" r:id="rId19"/>
+    <p:sldId id="405" r:id="rId20"/>
+    <p:sldId id="407" r:id="rId21"/>
+    <p:sldId id="408" r:id="rId22"/>
+    <p:sldId id="409" r:id="rId23"/>
+    <p:sldId id="410" r:id="rId24"/>
+    <p:sldId id="411" r:id="rId25"/>
+    <p:sldId id="412" r:id="rId26"/>
+    <p:sldId id="413" r:id="rId27"/>
+    <p:sldId id="415" r:id="rId28"/>
+    <p:sldId id="416" r:id="rId29"/>
+    <p:sldId id="417" r:id="rId30"/>
+    <p:sldId id="418" r:id="rId31"/>
+    <p:sldId id="419" r:id="rId32"/>
+    <p:sldId id="420" r:id="rId33"/>
   </p:sldIdLst>
   <p:sldSz cx="9144000" cy="6858000" type="screen4x3"/>
   <p:notesSz cx="6858000" cy="9144000"/>
@@ -280,7 +281,7 @@
           <a:p>
             <a:fld id="{EA0CB012-16AF-421D-A601-2FA5C86F673F}" type="datetimeFigureOut">
               <a:rPr lang="ko-KR" altLang="en-US" smtClean="0"/>
-              <a:t>2017-04-18</a:t>
+              <a:t>2017-04-20</a:t>
             </a:fld>
             <a:endParaRPr lang="ko-KR" altLang="en-US"/>
           </a:p>
@@ -639,7 +640,7 @@
           <a:p>
             <a:fld id="{EA0CB012-16AF-421D-A601-2FA5C86F673F}" type="datetimeFigureOut">
               <a:rPr lang="ko-KR" altLang="en-US" smtClean="0"/>
-              <a:t>2017-04-18</a:t>
+              <a:t>2017-04-20</a:t>
             </a:fld>
             <a:endParaRPr lang="ko-KR" altLang="en-US"/>
           </a:p>
@@ -814,7 +815,7 @@
           <a:p>
             <a:fld id="{EA0CB012-16AF-421D-A601-2FA5C86F673F}" type="datetimeFigureOut">
               <a:rPr lang="ko-KR" altLang="en-US" smtClean="0"/>
-              <a:t>2017-04-18</a:t>
+              <a:t>2017-04-20</a:t>
             </a:fld>
             <a:endParaRPr lang="ko-KR" altLang="en-US"/>
           </a:p>
@@ -1061,7 +1062,7 @@
           <a:p>
             <a:fld id="{EA0CB012-16AF-421D-A601-2FA5C86F673F}" type="datetimeFigureOut">
               <a:rPr lang="ko-KR" altLang="en-US" smtClean="0"/>
-              <a:t>2017-04-18</a:t>
+              <a:t>2017-04-20</a:t>
             </a:fld>
             <a:endParaRPr lang="ko-KR" altLang="en-US"/>
           </a:p>
@@ -1390,7 +1391,7 @@
           <a:p>
             <a:fld id="{EA0CB012-16AF-421D-A601-2FA5C86F673F}" type="datetimeFigureOut">
               <a:rPr lang="ko-KR" altLang="en-US" smtClean="0"/>
-              <a:t>2017-04-18</a:t>
+              <a:t>2017-04-20</a:t>
             </a:fld>
             <a:endParaRPr lang="ko-KR" altLang="en-US"/>
           </a:p>
@@ -1610,7 +1611,7 @@
           <a:p>
             <a:fld id="{EA0CB012-16AF-421D-A601-2FA5C86F673F}" type="datetimeFigureOut">
               <a:rPr lang="ko-KR" altLang="en-US" smtClean="0"/>
-              <a:t>2017-04-18</a:t>
+              <a:t>2017-04-20</a:t>
             </a:fld>
             <a:endParaRPr lang="ko-KR" altLang="en-US"/>
           </a:p>
@@ -1962,7 +1963,7 @@
           <a:p>
             <a:fld id="{EA0CB012-16AF-421D-A601-2FA5C86F673F}" type="datetimeFigureOut">
               <a:rPr lang="ko-KR" altLang="en-US" smtClean="0"/>
-              <a:t>2017-04-18</a:t>
+              <a:t>2017-04-20</a:t>
             </a:fld>
             <a:endParaRPr lang="ko-KR" altLang="en-US"/>
           </a:p>
@@ -2194,7 +2195,7 @@
           <a:p>
             <a:fld id="{EA0CB012-16AF-421D-A601-2FA5C86F673F}" type="datetimeFigureOut">
               <a:rPr lang="ko-KR" altLang="en-US" smtClean="0"/>
-              <a:t>2017-04-18</a:t>
+              <a:t>2017-04-20</a:t>
             </a:fld>
             <a:endParaRPr lang="ko-KR" altLang="en-US"/>
           </a:p>
@@ -2334,7 +2335,7 @@
           <a:p>
             <a:fld id="{EA0CB012-16AF-421D-A601-2FA5C86F673F}" type="datetimeFigureOut">
               <a:rPr lang="ko-KR" altLang="en-US" smtClean="0"/>
-              <a:t>2017-04-18</a:t>
+              <a:t>2017-04-20</a:t>
             </a:fld>
             <a:endParaRPr lang="ko-KR" altLang="en-US"/>
           </a:p>
@@ -2611,7 +2612,7 @@
           <a:p>
             <a:fld id="{EA0CB012-16AF-421D-A601-2FA5C86F673F}" type="datetimeFigureOut">
               <a:rPr lang="ko-KR" altLang="en-US" smtClean="0"/>
-              <a:t>2017-04-18</a:t>
+              <a:t>2017-04-20</a:t>
             </a:fld>
             <a:endParaRPr lang="ko-KR" altLang="en-US"/>
           </a:p>
@@ -3018,7 +3019,7 @@
           <a:p>
             <a:fld id="{EA0CB012-16AF-421D-A601-2FA5C86F673F}" type="datetimeFigureOut">
               <a:rPr lang="ko-KR" altLang="en-US" smtClean="0"/>
-              <a:t>2017-04-18</a:t>
+              <a:t>2017-04-20</a:t>
             </a:fld>
             <a:endParaRPr lang="ko-KR" altLang="en-US"/>
           </a:p>
@@ -3356,7 +3357,7 @@
           <a:p>
             <a:fld id="{EA0CB012-16AF-421D-A601-2FA5C86F673F}" type="datetimeFigureOut">
               <a:rPr lang="ko-KR" altLang="en-US" smtClean="0"/>
-              <a:t>2017-04-18</a:t>
+              <a:t>2017-04-20</a:t>
             </a:fld>
             <a:endParaRPr lang="ko-KR" altLang="en-US"/>
           </a:p>
@@ -4066,6 +4067,844 @@
         </p:nvSpPr>
         <p:spPr/>
         <p:txBody>
+          <a:bodyPr>
+            <a:normAutofit/>
+          </a:bodyPr>
+          <a:lstStyle/>
+          <a:p>
+            <a:r>
+              <a:rPr lang="en-US" altLang="ko-KR" dirty="0" err="1"/>
+              <a:t>JSTL</a:t>
+            </a:r>
+            <a:r>
+              <a:rPr lang="en-US" altLang="ko-KR" dirty="0"/>
+              <a:t> Core </a:t>
+            </a:r>
+            <a:r>
+              <a:rPr lang="ko-KR" altLang="en-US" dirty="0"/>
+              <a:t>태그 </a:t>
+            </a:r>
+            <a:r>
+              <a:rPr lang="ko-KR" altLang="en-US" dirty="0" smtClean="0"/>
+              <a:t>라이브러리</a:t>
+            </a:r>
+            <a:endParaRPr lang="ko-KR" altLang="en-US" dirty="0"/>
+          </a:p>
+        </p:txBody>
+      </p:sp>
+      <p:sp>
+        <p:nvSpPr>
+          <p:cNvPr id="3" name="내용 개체 틀 2"/>
+          <p:cNvSpPr>
+            <a:spLocks noGrp="1"/>
+          </p:cNvSpPr>
+          <p:nvPr>
+            <p:ph sz="quarter" idx="1"/>
+          </p:nvPr>
+        </p:nvSpPr>
+        <p:spPr/>
+        <p:txBody>
+          <a:bodyPr/>
+          <a:lstStyle/>
+          <a:p>
+            <a:r>
+              <a:rPr lang="en-US" altLang="ko-KR" dirty="0"/>
+              <a:t>&lt;</a:t>
+            </a:r>
+            <a:r>
+              <a:rPr lang="en-US" altLang="ko-KR" dirty="0" err="1"/>
+              <a:t>c:set</a:t>
+            </a:r>
+            <a:r>
+              <a:rPr lang="en-US" altLang="ko-KR" dirty="0"/>
+              <a:t>&gt; </a:t>
+            </a:r>
+            <a:r>
+              <a:rPr lang="ko-KR" altLang="en-US" dirty="0"/>
+              <a:t>태그 </a:t>
+            </a:r>
+            <a:endParaRPr lang="en-US" altLang="ko-KR" dirty="0" smtClean="0"/>
+          </a:p>
+          <a:p>
+            <a:pPr lvl="1"/>
+            <a:r>
+              <a:rPr lang="ko-KR" altLang="en-US" dirty="0" smtClean="0"/>
+              <a:t>기본 형식</a:t>
+            </a:r>
+            <a:endParaRPr lang="en-US" altLang="ko-KR" dirty="0" smtClean="0"/>
+          </a:p>
+          <a:p>
+            <a:pPr lvl="1"/>
+            <a:endParaRPr lang="en-US" altLang="ko-KR" dirty="0" smtClean="0"/>
+          </a:p>
+          <a:p>
+            <a:pPr lvl="1"/>
+            <a:endParaRPr lang="en-US" altLang="ko-KR" dirty="0" smtClean="0"/>
+          </a:p>
+          <a:p>
+            <a:pPr lvl="1"/>
+            <a:r>
+              <a:rPr lang="ko-KR" altLang="en-US" dirty="0" smtClean="0"/>
+              <a:t>속성</a:t>
+            </a:r>
+            <a:endParaRPr lang="en-US" altLang="ko-KR" dirty="0" smtClean="0"/>
+          </a:p>
+          <a:p>
+            <a:pPr lvl="1"/>
+            <a:endParaRPr lang="en-US" altLang="ko-KR" dirty="0"/>
+          </a:p>
+          <a:p>
+            <a:pPr lvl="1"/>
+            <a:endParaRPr lang="en-US" altLang="ko-KR" dirty="0" smtClean="0"/>
+          </a:p>
+          <a:p>
+            <a:pPr lvl="1"/>
+            <a:endParaRPr lang="en-US" altLang="ko-KR" dirty="0"/>
+          </a:p>
+          <a:p>
+            <a:pPr lvl="1"/>
+            <a:endParaRPr lang="en-US" altLang="ko-KR" dirty="0" smtClean="0"/>
+          </a:p>
+          <a:p>
+            <a:pPr lvl="1"/>
+            <a:endParaRPr lang="en-US" altLang="ko-KR" dirty="0"/>
+          </a:p>
+          <a:p>
+            <a:pPr lvl="1"/>
+            <a:r>
+              <a:rPr lang="ko-KR" altLang="en-US" dirty="0" smtClean="0"/>
+              <a:t>예시</a:t>
+            </a:r>
+            <a:endParaRPr lang="nn-NO" altLang="ko-KR" dirty="0" smtClean="0"/>
+          </a:p>
+          <a:p>
+            <a:pPr marL="594360" lvl="2" indent="0">
+              <a:buNone/>
+            </a:pPr>
+            <a:r>
+              <a:rPr lang="en-US" altLang="ko-KR" dirty="0" smtClean="0"/>
+              <a:t> &lt;</a:t>
+            </a:r>
+            <a:r>
+              <a:rPr lang="en-US" altLang="ko-KR" dirty="0" err="1"/>
+              <a:t>c:set</a:t>
+            </a:r>
+            <a:r>
+              <a:rPr lang="en-US" altLang="ko-KR" dirty="0"/>
+              <a:t> </a:t>
+            </a:r>
+            <a:r>
+              <a:rPr lang="en-US" altLang="ko-KR" dirty="0" err="1"/>
+              <a:t>var</a:t>
+            </a:r>
+            <a:r>
+              <a:rPr lang="en-US" altLang="ko-KR" dirty="0"/>
+              <a:t>="msg2" value="Hello2" scope="request</a:t>
+            </a:r>
+            <a:r>
+              <a:rPr lang="en-US" altLang="ko-KR" dirty="0" smtClean="0"/>
+              <a:t>"/&gt;</a:t>
+            </a:r>
+            <a:r>
+              <a:rPr lang="nn-NO" altLang="ko-KR" dirty="0" smtClean="0"/>
+              <a:t> </a:t>
+            </a:r>
+            <a:endParaRPr lang="nn-NO" altLang="ko-KR" dirty="0"/>
+          </a:p>
+        </p:txBody>
+      </p:sp>
+      <p:graphicFrame>
+        <p:nvGraphicFramePr>
+          <p:cNvPr id="8" name="Table 397"/>
+          <p:cNvGraphicFramePr/>
+          <p:nvPr>
+            <p:extLst>
+              <p:ext uri="{D42A27DB-BD31-4B8C-83A1-F6EECF244321}">
+                <p14:modId xmlns:p14="http://schemas.microsoft.com/office/powerpoint/2010/main" val="3961287525"/>
+              </p:ext>
+            </p:extLst>
+          </p:nvPr>
+        </p:nvGraphicFramePr>
+        <p:xfrm>
+          <a:off x="899592" y="3068960"/>
+          <a:ext cx="7632848" cy="1381760"/>
+        </p:xfrm>
+        <a:graphic>
+          <a:graphicData uri="http://schemas.openxmlformats.org/drawingml/2006/table">
+            <a:tbl>
+              <a:tblPr bandRow="1">
+                <a:tableStyleId>{3B4B98B0-60AC-42C2-AFA5-B58CD77FA1E5}</a:tableStyleId>
+              </a:tblPr>
+              <a:tblGrid>
+                <a:gridCol w="986204"/>
+                <a:gridCol w="6646644"/>
+              </a:tblGrid>
+              <a:tr h="330200">
+                <a:tc>
+                  <a:txBody>
+                    <a:bodyPr/>
+                    <a:lstStyle/>
+                    <a:p>
+                      <a:pPr>
+                        <a:defRPr sz="1600" b="1">
+                          <a:uFillTx/>
+                          <a:latin typeface="맑은 고딕"/>
+                          <a:ea typeface="맑은 고딕"/>
+                          <a:cs typeface="맑은 고딕"/>
+                          <a:sym typeface="맑은 고딕"/>
+                        </a:defRPr>
+                      </a:pPr>
+                      <a:r>
+                        <a:rPr spc="-44" dirty="0" err="1">
+                          <a:sym typeface="굴림"/>
+                        </a:rPr>
+                        <a:t>속성</a:t>
+                      </a:r>
+                      <a:endParaRPr spc="-44" dirty="0">
+                        <a:solidFill>
+                          <a:srgbClr val="401433"/>
+                        </a:solidFill>
+                        <a:latin typeface="굴림"/>
+                        <a:ea typeface="굴림"/>
+                        <a:cs typeface="굴림"/>
+                        <a:sym typeface="굴림"/>
+                      </a:endParaRPr>
+                    </a:p>
+                  </a:txBody>
+                  <a:tcPr marL="50800" marR="50800" marT="50800" marB="50800" anchor="ctr" horzOverflow="overflow">
+                    <a:lnR w="12700" cap="flat" cmpd="sng" algn="ctr">
+                      <a:solidFill>
+                        <a:schemeClr val="tx2"/>
+                      </a:solidFill>
+                      <a:prstDash val="solid"/>
+                      <a:round/>
+                      <a:headEnd type="none" w="med" len="med"/>
+                      <a:tailEnd type="none" w="med" len="med"/>
+                    </a:lnR>
+                    <a:lnT w="12700" cap="flat" cmpd="sng" algn="ctr">
+                      <a:solidFill>
+                        <a:schemeClr val="tx2"/>
+                      </a:solidFill>
+                      <a:prstDash val="solid"/>
+                      <a:round/>
+                      <a:headEnd type="none" w="med" len="med"/>
+                      <a:tailEnd type="none" w="med" len="med"/>
+                    </a:lnT>
+                    <a:lnB w="12700" cap="flat" cmpd="sng" algn="ctr">
+                      <a:solidFill>
+                        <a:schemeClr val="tx2"/>
+                      </a:solidFill>
+                      <a:prstDash val="solid"/>
+                      <a:round/>
+                      <a:headEnd type="none" w="med" len="med"/>
+                      <a:tailEnd type="none" w="med" len="med"/>
+                    </a:lnB>
+                    <a:solidFill>
+                      <a:schemeClr val="tx2">
+                        <a:alpha val="20000"/>
+                      </a:schemeClr>
+                    </a:solidFill>
+                  </a:tcPr>
+                </a:tc>
+                <a:tc>
+                  <a:txBody>
+                    <a:bodyPr/>
+                    <a:lstStyle/>
+                    <a:p>
+                      <a:pPr>
+                        <a:defRPr sz="1600" b="1">
+                          <a:uFillTx/>
+                          <a:latin typeface="맑은 고딕"/>
+                          <a:ea typeface="맑은 고딕"/>
+                          <a:cs typeface="맑은 고딕"/>
+                          <a:sym typeface="맑은 고딕"/>
+                        </a:defRPr>
+                      </a:pPr>
+                      <a:r>
+                        <a:rPr spc="-44" dirty="0" err="1">
+                          <a:sym typeface="굴림"/>
+                        </a:rPr>
+                        <a:t>설명</a:t>
+                      </a:r>
+                      <a:endParaRPr spc="-44" dirty="0">
+                        <a:solidFill>
+                          <a:srgbClr val="401433"/>
+                        </a:solidFill>
+                        <a:latin typeface="굴림"/>
+                        <a:ea typeface="굴림"/>
+                        <a:cs typeface="굴림"/>
+                        <a:sym typeface="굴림"/>
+                      </a:endParaRPr>
+                    </a:p>
+                  </a:txBody>
+                  <a:tcPr marL="50800" marR="50800" marT="50800" marB="50800" anchor="ctr" horzOverflow="overflow">
+                    <a:lnL w="12700" cap="flat" cmpd="sng" algn="ctr">
+                      <a:solidFill>
+                        <a:schemeClr val="tx2"/>
+                      </a:solidFill>
+                      <a:prstDash val="solid"/>
+                      <a:round/>
+                      <a:headEnd type="none" w="med" len="med"/>
+                      <a:tailEnd type="none" w="med" len="med"/>
+                    </a:lnL>
+                    <a:lnT w="12700" cap="flat" cmpd="sng" algn="ctr">
+                      <a:solidFill>
+                        <a:schemeClr val="tx2"/>
+                      </a:solidFill>
+                      <a:prstDash val="solid"/>
+                      <a:round/>
+                      <a:headEnd type="none" w="med" len="med"/>
+                      <a:tailEnd type="none" w="med" len="med"/>
+                    </a:lnT>
+                    <a:lnB w="12700" cap="flat" cmpd="sng" algn="ctr">
+                      <a:solidFill>
+                        <a:schemeClr val="tx2"/>
+                      </a:solidFill>
+                      <a:prstDash val="solid"/>
+                      <a:round/>
+                      <a:headEnd type="none" w="med" len="med"/>
+                      <a:tailEnd type="none" w="med" len="med"/>
+                    </a:lnB>
+                    <a:solidFill>
+                      <a:schemeClr val="tx2">
+                        <a:alpha val="20000"/>
+                      </a:schemeClr>
+                    </a:solidFill>
+                  </a:tcPr>
+                </a:tc>
+              </a:tr>
+              <a:tr h="330200">
+                <a:tc>
+                  <a:txBody>
+                    <a:bodyPr/>
+                    <a:lstStyle/>
+                    <a:p>
+                      <a:pPr>
+                        <a:defRPr sz="1600">
+                          <a:uFillTx/>
+                          <a:latin typeface="맑은 고딕"/>
+                          <a:ea typeface="맑은 고딕"/>
+                          <a:cs typeface="맑은 고딕"/>
+                          <a:sym typeface="맑은 고딕"/>
+                        </a:defRPr>
+                      </a:pPr>
+                      <a:r>
+                        <a:rPr dirty="0" err="1"/>
+                        <a:t>var</a:t>
+                      </a:r>
+                      <a:endParaRPr dirty="0"/>
+                    </a:p>
+                  </a:txBody>
+                  <a:tcPr marL="50800" marR="50800" marT="50800" marB="50800" anchor="ctr" horzOverflow="overflow">
+                    <a:lnR w="12700" cap="flat" cmpd="sng" algn="ctr">
+                      <a:solidFill>
+                        <a:schemeClr val="tx2"/>
+                      </a:solidFill>
+                      <a:prstDash val="solid"/>
+                      <a:round/>
+                      <a:headEnd type="none" w="med" len="med"/>
+                      <a:tailEnd type="none" w="med" len="med"/>
+                    </a:lnR>
+                    <a:lnT w="12700" cap="flat" cmpd="sng" algn="ctr">
+                      <a:solidFill>
+                        <a:schemeClr val="tx2"/>
+                      </a:solidFill>
+                      <a:prstDash val="solid"/>
+                      <a:round/>
+                      <a:headEnd type="none" w="med" len="med"/>
+                      <a:tailEnd type="none" w="med" len="med"/>
+                    </a:lnT>
+                  </a:tcPr>
+                </a:tc>
+                <a:tc>
+                  <a:txBody>
+                    <a:bodyPr/>
+                    <a:lstStyle/>
+                    <a:p>
+                      <a:pPr algn="just">
+                        <a:defRPr sz="1600">
+                          <a:uFillTx/>
+                          <a:latin typeface="맑은 고딕"/>
+                          <a:ea typeface="맑은 고딕"/>
+                          <a:cs typeface="맑은 고딕"/>
+                          <a:sym typeface="맑은 고딕"/>
+                        </a:defRPr>
+                      </a:pPr>
+                      <a:r>
+                        <a:t>변수 이름을 String 형으로 지정한다.</a:t>
+                      </a:r>
+                    </a:p>
+                  </a:txBody>
+                  <a:tcPr marL="50800" marR="50800" marT="50800" marB="50800" anchor="ctr" horzOverflow="overflow">
+                    <a:lnL w="12700" cap="flat" cmpd="sng" algn="ctr">
+                      <a:solidFill>
+                        <a:schemeClr val="tx2"/>
+                      </a:solidFill>
+                      <a:prstDash val="solid"/>
+                      <a:round/>
+                      <a:headEnd type="none" w="med" len="med"/>
+                      <a:tailEnd type="none" w="med" len="med"/>
+                    </a:lnL>
+                    <a:lnT w="12700" cap="flat" cmpd="sng" algn="ctr">
+                      <a:solidFill>
+                        <a:schemeClr val="tx2"/>
+                      </a:solidFill>
+                      <a:prstDash val="solid"/>
+                      <a:round/>
+                      <a:headEnd type="none" w="med" len="med"/>
+                      <a:tailEnd type="none" w="med" len="med"/>
+                    </a:lnT>
+                  </a:tcPr>
+                </a:tc>
+              </a:tr>
+              <a:tr h="330200">
+                <a:tc>
+                  <a:txBody>
+                    <a:bodyPr/>
+                    <a:lstStyle/>
+                    <a:p>
+                      <a:pPr>
+                        <a:defRPr sz="1600">
+                          <a:uFillTx/>
+                          <a:latin typeface="맑은 고딕"/>
+                          <a:ea typeface="맑은 고딕"/>
+                          <a:cs typeface="맑은 고딕"/>
+                          <a:sym typeface="맑은 고딕"/>
+                        </a:defRPr>
+                      </a:pPr>
+                      <a:r>
+                        <a:rPr dirty="0"/>
+                        <a:t>value </a:t>
+                      </a:r>
+                    </a:p>
+                  </a:txBody>
+                  <a:tcPr marL="50800" marR="50800" marT="50800" marB="50800" anchor="ctr" horzOverflow="overflow">
+                    <a:lnR w="12700" cap="flat" cmpd="sng" algn="ctr">
+                      <a:solidFill>
+                        <a:schemeClr val="tx2"/>
+                      </a:solidFill>
+                      <a:prstDash val="solid"/>
+                      <a:round/>
+                      <a:headEnd type="none" w="med" len="med"/>
+                      <a:tailEnd type="none" w="med" len="med"/>
+                    </a:lnR>
+                  </a:tcPr>
+                </a:tc>
+                <a:tc>
+                  <a:txBody>
+                    <a:bodyPr/>
+                    <a:lstStyle/>
+                    <a:p>
+                      <a:pPr algn="just">
+                        <a:defRPr sz="1600">
+                          <a:uFillTx/>
+                          <a:latin typeface="맑은 고딕"/>
+                          <a:ea typeface="맑은 고딕"/>
+                          <a:cs typeface="맑은 고딕"/>
+                          <a:sym typeface="맑은 고딕"/>
+                        </a:defRPr>
+                      </a:pPr>
+                      <a:r>
+                        <a:t>변수에 저장할 값을 지정한다.</a:t>
+                      </a:r>
+                    </a:p>
+                  </a:txBody>
+                  <a:tcPr marL="50800" marR="50800" marT="50800" marB="50800" anchor="ctr" horzOverflow="overflow">
+                    <a:lnL w="12700" cap="flat" cmpd="sng" algn="ctr">
+                      <a:solidFill>
+                        <a:schemeClr val="tx2"/>
+                      </a:solidFill>
+                      <a:prstDash val="solid"/>
+                      <a:round/>
+                      <a:headEnd type="none" w="med" len="med"/>
+                      <a:tailEnd type="none" w="med" len="med"/>
+                    </a:lnL>
+                  </a:tcPr>
+                </a:tc>
+              </a:tr>
+              <a:tr h="330200">
+                <a:tc>
+                  <a:txBody>
+                    <a:bodyPr/>
+                    <a:lstStyle/>
+                    <a:p>
+                      <a:pPr>
+                        <a:defRPr sz="1600">
+                          <a:uFillTx/>
+                          <a:latin typeface="맑은 고딕"/>
+                          <a:ea typeface="맑은 고딕"/>
+                          <a:cs typeface="맑은 고딕"/>
+                          <a:sym typeface="맑은 고딕"/>
+                        </a:defRPr>
+                      </a:pPr>
+                      <a:r>
+                        <a:rPr dirty="0"/>
+                        <a:t>scope</a:t>
+                      </a:r>
+                    </a:p>
+                  </a:txBody>
+                  <a:tcPr marL="50800" marR="50800" marT="50800" marB="50800" anchor="ctr" horzOverflow="overflow">
+                    <a:lnR w="12700" cap="flat" cmpd="sng" algn="ctr">
+                      <a:solidFill>
+                        <a:schemeClr val="tx2"/>
+                      </a:solidFill>
+                      <a:prstDash val="solid"/>
+                      <a:round/>
+                      <a:headEnd type="none" w="med" len="med"/>
+                      <a:tailEnd type="none" w="med" len="med"/>
+                    </a:lnR>
+                    <a:lnB w="12700" cap="flat" cmpd="sng" algn="ctr">
+                      <a:solidFill>
+                        <a:schemeClr val="tx2"/>
+                      </a:solidFill>
+                      <a:prstDash val="solid"/>
+                      <a:round/>
+                      <a:headEnd type="none" w="med" len="med"/>
+                      <a:tailEnd type="none" w="med" len="med"/>
+                    </a:lnB>
+                  </a:tcPr>
+                </a:tc>
+                <a:tc>
+                  <a:txBody>
+                    <a:bodyPr/>
+                    <a:lstStyle/>
+                    <a:p>
+                      <a:pPr algn="just">
+                        <a:defRPr sz="1600">
+                          <a:uFillTx/>
+                          <a:latin typeface="맑은 고딕"/>
+                          <a:ea typeface="맑은 고딕"/>
+                          <a:cs typeface="맑은 고딕"/>
+                          <a:sym typeface="맑은 고딕"/>
+                        </a:defRPr>
+                      </a:pPr>
+                      <a:r>
+                        <a:rPr dirty="0" err="1"/>
+                        <a:t>변수가</a:t>
+                      </a:r>
+                      <a:r>
+                        <a:rPr dirty="0"/>
+                        <a:t> </a:t>
+                      </a:r>
+                      <a:r>
+                        <a:rPr dirty="0" err="1"/>
+                        <a:t>효력을</a:t>
+                      </a:r>
+                      <a:r>
+                        <a:rPr dirty="0"/>
+                        <a:t> </a:t>
+                      </a:r>
+                      <a:r>
+                        <a:rPr dirty="0" err="1"/>
+                        <a:t>발휘할</a:t>
+                      </a:r>
+                      <a:r>
+                        <a:rPr dirty="0"/>
+                        <a:t> </a:t>
+                      </a:r>
+                      <a:r>
+                        <a:rPr dirty="0" err="1"/>
+                        <a:t>영역으로</a:t>
+                      </a:r>
+                      <a:r>
+                        <a:rPr dirty="0"/>
+                        <a:t> </a:t>
+                      </a:r>
+                      <a:r>
+                        <a:rPr dirty="0" err="1"/>
+                        <a:t>생략될</a:t>
+                      </a:r>
+                      <a:r>
+                        <a:rPr dirty="0"/>
+                        <a:t> </a:t>
+                      </a:r>
+                      <a:r>
+                        <a:rPr dirty="0" err="1"/>
+                        <a:t>경우</a:t>
+                      </a:r>
+                      <a:r>
+                        <a:rPr dirty="0"/>
+                        <a:t> </a:t>
+                      </a:r>
+                      <a:r>
+                        <a:rPr dirty="0" err="1"/>
+                        <a:t>기본</a:t>
+                      </a:r>
+                      <a:r>
+                        <a:rPr dirty="0"/>
+                        <a:t> </a:t>
+                      </a:r>
+                      <a:r>
+                        <a:rPr dirty="0" err="1"/>
+                        <a:t>값은</a:t>
+                      </a:r>
+                      <a:r>
+                        <a:rPr dirty="0"/>
+                        <a:t> </a:t>
+                      </a:r>
+                      <a:r>
+                        <a:rPr dirty="0" err="1"/>
+                        <a:t>page이다</a:t>
+                      </a:r>
+                      <a:r>
+                        <a:rPr dirty="0"/>
+                        <a:t>.</a:t>
+                      </a:r>
+                    </a:p>
+                  </a:txBody>
+                  <a:tcPr marL="50800" marR="50800" marT="50800" marB="50800" anchor="ctr" horzOverflow="overflow">
+                    <a:lnL w="12700" cap="flat" cmpd="sng" algn="ctr">
+                      <a:solidFill>
+                        <a:schemeClr val="tx2"/>
+                      </a:solidFill>
+                      <a:prstDash val="solid"/>
+                      <a:round/>
+                      <a:headEnd type="none" w="med" len="med"/>
+                      <a:tailEnd type="none" w="med" len="med"/>
+                    </a:lnL>
+                    <a:lnB w="12700" cap="flat" cmpd="sng" algn="ctr">
+                      <a:solidFill>
+                        <a:schemeClr val="tx2"/>
+                      </a:solidFill>
+                      <a:prstDash val="solid"/>
+                      <a:round/>
+                      <a:headEnd type="none" w="med" len="med"/>
+                      <a:tailEnd type="none" w="med" len="med"/>
+                    </a:lnB>
+                  </a:tcPr>
+                </a:tc>
+              </a:tr>
+            </a:tbl>
+          </a:graphicData>
+        </a:graphic>
+      </p:graphicFrame>
+      <p:sp>
+        <p:nvSpPr>
+          <p:cNvPr id="9" name="Shape 396"/>
+          <p:cNvSpPr/>
+          <p:nvPr/>
+        </p:nvSpPr>
+        <p:spPr>
+          <a:xfrm>
+            <a:off x="899592" y="1988840"/>
+            <a:ext cx="8064896" cy="323165"/>
+          </a:xfrm>
+          <a:prstGeom prst="rect">
+            <a:avLst/>
+          </a:prstGeom>
+          <a:ln>
+            <a:noFill/>
+          </a:ln>
+          <a:extLst>
+            <a:ext uri="{C572A759-6A51-4108-AA02-DFA0A04FC94B}">
+              <ma14:wrappingTextBoxFlag xmlns:ma14="http://schemas.microsoft.com/office/mac/drawingml/2011/main" xmlns="" val="1"/>
+            </a:ext>
+          </a:extLst>
+        </p:spPr>
+        <p:style>
+          <a:lnRef idx="2">
+            <a:schemeClr val="accent1"/>
+          </a:lnRef>
+          <a:fillRef idx="1">
+            <a:schemeClr val="lt1"/>
+          </a:fillRef>
+          <a:effectRef idx="0">
+            <a:schemeClr val="accent1"/>
+          </a:effectRef>
+          <a:fontRef idx="minor">
+            <a:schemeClr val="dk1"/>
+          </a:fontRef>
+        </p:style>
+        <p:txBody>
+          <a:bodyPr wrap="square" lIns="45719" rIns="45719">
+            <a:spAutoFit/>
+          </a:bodyPr>
+          <a:lstStyle/>
+          <a:p>
+            <a:pPr>
+              <a:spcBef>
+                <a:spcPts val="0"/>
+              </a:spcBef>
+              <a:buClrTx/>
+              <a:buFontTx/>
+              <a:defRPr sz="1600">
+                <a:uFillTx/>
+                <a:latin typeface="맑은 고딕"/>
+                <a:ea typeface="맑은 고딕"/>
+                <a:cs typeface="맑은 고딕"/>
+                <a:sym typeface="맑은 고딕"/>
+              </a:defRPr>
+            </a:pPr>
+            <a:r>
+              <a:rPr sz="1500" dirty="0"/>
+              <a:t>&lt;</a:t>
+            </a:r>
+            <a:r>
+              <a:rPr sz="1500" dirty="0" err="1"/>
+              <a:t>c:set</a:t>
+            </a:r>
+            <a:r>
+              <a:rPr sz="1500" dirty="0"/>
+              <a:t> </a:t>
+            </a:r>
+            <a:r>
+              <a:rPr sz="1500" dirty="0" err="1"/>
+              <a:t>var</a:t>
+            </a:r>
+            <a:r>
+              <a:rPr sz="1500" dirty="0"/>
+              <a:t>="</a:t>
+            </a:r>
+            <a:r>
+              <a:rPr sz="1500" dirty="0" err="1"/>
+              <a:t>변수</a:t>
+            </a:r>
+            <a:r>
+              <a:rPr sz="1500" dirty="0"/>
+              <a:t> </a:t>
+            </a:r>
+            <a:r>
+              <a:rPr sz="1500" dirty="0" err="1"/>
+              <a:t>이름</a:t>
+            </a:r>
+            <a:r>
+              <a:rPr sz="1500" dirty="0"/>
+              <a:t>" value="</a:t>
+            </a:r>
+            <a:r>
+              <a:rPr sz="1500" dirty="0" err="1"/>
+              <a:t>저장할</a:t>
+            </a:r>
+            <a:r>
+              <a:rPr sz="1500" dirty="0"/>
+              <a:t> 값" [scope=“{page | request | session | application}"]&gt;</a:t>
+            </a:r>
+          </a:p>
+        </p:txBody>
+      </p:sp>
+      <p:sp>
+        <p:nvSpPr>
+          <p:cNvPr id="10" name="Shape 477"/>
+          <p:cNvSpPr/>
+          <p:nvPr/>
+        </p:nvSpPr>
+        <p:spPr>
+          <a:xfrm>
+            <a:off x="1475656" y="5394704"/>
+            <a:ext cx="6264696" cy="338552"/>
+          </a:xfrm>
+          <a:prstGeom prst="rect">
+            <a:avLst/>
+          </a:prstGeom>
+          <a:noFill/>
+          <a:ln w="12700" cap="flat">
+            <a:noFill/>
+            <a:miter lim="400000"/>
+          </a:ln>
+          <a:effectLst/>
+          <a:extLst>
+            <a:ext uri="{C572A759-6A51-4108-AA02-DFA0A04FC94B}">
+              <ma14:wrappingTextBoxFlag xmlns:ma14="http://schemas.microsoft.com/office/mac/drawingml/2011/main" xmlns="" val="1"/>
+            </a:ext>
+          </a:extLst>
+        </p:spPr>
+        <p:txBody>
+          <a:bodyPr wrap="square" lIns="45719" tIns="45719" rIns="45719" bIns="45719" numCol="1" anchor="t">
+            <a:spAutoFit/>
+          </a:bodyPr>
+          <a:lstStyle>
+            <a:lvl1pPr>
+              <a:spcBef>
+                <a:spcPts val="0"/>
+              </a:spcBef>
+              <a:buClrTx/>
+              <a:buFontTx/>
+              <a:defRPr sz="1800">
+                <a:uFillTx/>
+                <a:latin typeface="맑은 고딕"/>
+                <a:ea typeface="맑은 고딕"/>
+                <a:cs typeface="맑은 고딕"/>
+                <a:sym typeface="맑은 고딕"/>
+              </a:defRPr>
+            </a:lvl1pPr>
+          </a:lstStyle>
+          <a:p>
+            <a:r>
+              <a:rPr lang="en-US" sz="1600" dirty="0" smtClean="0">
+                <a:sym typeface="Wingdings" panose="05000000000000000000" pitchFamily="2" charset="2"/>
+              </a:rPr>
+              <a:t>  </a:t>
+            </a:r>
+            <a:r>
+              <a:rPr sz="1600" dirty="0" err="1" smtClean="0"/>
+              <a:t>request.setAttribute</a:t>
+            </a:r>
+            <a:r>
+              <a:rPr sz="1600" dirty="0"/>
+              <a:t>("msg2", "Hello2</a:t>
+            </a:r>
+            <a:r>
+              <a:rPr sz="1600" dirty="0" smtClean="0"/>
+              <a:t>")</a:t>
+            </a:r>
+            <a:r>
+              <a:rPr lang="en-US" sz="1600" dirty="0" smtClean="0"/>
+              <a:t>; </a:t>
+            </a:r>
+            <a:r>
+              <a:rPr lang="ko-KR" altLang="en-US" sz="1600" dirty="0"/>
+              <a:t> </a:t>
+            </a:r>
+            <a:r>
+              <a:rPr lang="ko-KR" altLang="en-US" sz="1600" dirty="0" smtClean="0"/>
+              <a:t> 와 같은 기능</a:t>
+            </a:r>
+            <a:endParaRPr sz="1600" dirty="0"/>
+          </a:p>
+        </p:txBody>
+      </p:sp>
+    </p:spTree>
+    <p:extLst>
+      <p:ext uri="{BB962C8B-B14F-4D97-AF65-F5344CB8AC3E}">
+        <p14:creationId xmlns:p14="http://schemas.microsoft.com/office/powerpoint/2010/main" val="411095061"/>
+      </p:ext>
+    </p:extLst>
+  </p:cSld>
+  <p:clrMapOvr>
+    <a:masterClrMapping/>
+  </p:clrMapOvr>
+</p:sld>
+</file>
+
+<file path=ppt/slides/slide11.xml><?xml version="1.0" encoding="utf-8"?>
+<p:sld xmlns:a="http://schemas.openxmlformats.org/drawingml/2006/main" xmlns:r="http://schemas.openxmlformats.org/officeDocument/2006/relationships" xmlns:p="http://schemas.openxmlformats.org/presentationml/2006/main">
+  <p:cSld>
+    <p:spTree>
+      <p:nvGrpSpPr>
+        <p:cNvPr id="1" name=""/>
+        <p:cNvGrpSpPr/>
+        <p:nvPr/>
+      </p:nvGrpSpPr>
+      <p:grpSpPr>
+        <a:xfrm>
+          <a:off x="0" y="0"/>
+          <a:ext cx="0" cy="0"/>
+          <a:chOff x="0" y="0"/>
+          <a:chExt cx="0" cy="0"/>
+        </a:xfrm>
+      </p:grpSpPr>
+      <p:sp>
+        <p:nvSpPr>
+          <p:cNvPr id="2" name="제목 1"/>
+          <p:cNvSpPr>
+            <a:spLocks noGrp="1"/>
+          </p:cNvSpPr>
+          <p:nvPr>
+            <p:ph type="title"/>
+          </p:nvPr>
+        </p:nvSpPr>
+        <p:spPr/>
+        <p:txBody>
           <a:bodyPr/>
           <a:lstStyle/>
           <a:p>
@@ -4593,7 +5432,7 @@
 </p:sld>
 </file>
 
-<file path=ppt/slides/slide11.xml><?xml version="1.0" encoding="utf-8"?>
+<file path=ppt/slides/slide12.xml><?xml version="1.0" encoding="utf-8"?>
 <p:sld xmlns:a="http://schemas.openxmlformats.org/drawingml/2006/main" xmlns:r="http://schemas.openxmlformats.org/officeDocument/2006/relationships" xmlns:p="http://schemas.openxmlformats.org/presentationml/2006/main">
   <p:cSld>
     <p:spTree>
@@ -5152,7 +5991,7 @@
 </p:sld>
 </file>
 
-<file path=ppt/slides/slide12.xml><?xml version="1.0" encoding="utf-8"?>
+<file path=ppt/slides/slide13.xml><?xml version="1.0" encoding="utf-8"?>
 <p:sld xmlns:a="http://schemas.openxmlformats.org/drawingml/2006/main" xmlns:r="http://schemas.openxmlformats.org/officeDocument/2006/relationships" xmlns:p="http://schemas.openxmlformats.org/presentationml/2006/main">
   <p:cSld>
     <p:spTree>
@@ -5518,7 +6357,7 @@
 </p:sld>
 </file>
 
-<file path=ppt/slides/slide13.xml><?xml version="1.0" encoding="utf-8"?>
+<file path=ppt/slides/slide14.xml><?xml version="1.0" encoding="utf-8"?>
 <p:sld xmlns:a="http://schemas.openxmlformats.org/drawingml/2006/main" xmlns:r="http://schemas.openxmlformats.org/officeDocument/2006/relationships" xmlns:p="http://schemas.openxmlformats.org/presentationml/2006/main">
   <p:cSld>
     <p:spTree>
@@ -6213,7 +7052,7 @@
 </p:sld>
 </file>
 
-<file path=ppt/slides/slide14.xml><?xml version="1.0" encoding="utf-8"?>
+<file path=ppt/slides/slide15.xml><?xml version="1.0" encoding="utf-8"?>
 <p:sld xmlns:a="http://schemas.openxmlformats.org/drawingml/2006/main" xmlns:r="http://schemas.openxmlformats.org/officeDocument/2006/relationships" xmlns:p="http://schemas.openxmlformats.org/presentationml/2006/main">
   <p:cSld>
     <p:spTree>
@@ -6716,7 +7555,7 @@
 </p:sld>
 </file>
 
-<file path=ppt/slides/slide15.xml><?xml version="1.0" encoding="utf-8"?>
+<file path=ppt/slides/slide16.xml><?xml version="1.0" encoding="utf-8"?>
 <p:sld xmlns:a="http://schemas.openxmlformats.org/drawingml/2006/main" xmlns:r="http://schemas.openxmlformats.org/officeDocument/2006/relationships" xmlns:p="http://schemas.openxmlformats.org/presentationml/2006/main">
   <p:cSld>
     <p:spTree>
@@ -7491,7 +8330,7 @@
 </p:sld>
 </file>
 
-<file path=ppt/slides/slide16.xml><?xml version="1.0" encoding="utf-8"?>
+<file path=ppt/slides/slide17.xml><?xml version="1.0" encoding="utf-8"?>
 <p:sld xmlns:a="http://schemas.openxmlformats.org/drawingml/2006/main" xmlns:r="http://schemas.openxmlformats.org/officeDocument/2006/relationships" xmlns:p="http://schemas.openxmlformats.org/presentationml/2006/main">
   <p:cSld>
     <p:spTree>
@@ -8055,7 +8894,7 @@
 </p:sld>
 </file>
 
-<file path=ppt/slides/slide17.xml><?xml version="1.0" encoding="utf-8"?>
+<file path=ppt/slides/slide18.xml><?xml version="1.0" encoding="utf-8"?>
 <p:sld xmlns:a="http://schemas.openxmlformats.org/drawingml/2006/main" xmlns:r="http://schemas.openxmlformats.org/officeDocument/2006/relationships" xmlns:p="http://schemas.openxmlformats.org/presentationml/2006/main">
   <p:cSld>
     <p:spTree>
@@ -9027,7 +9866,7 @@
 </p:sld>
 </file>
 
-<file path=ppt/slides/slide18.xml><?xml version="1.0" encoding="utf-8"?>
+<file path=ppt/slides/slide19.xml><?xml version="1.0" encoding="utf-8"?>
 <p:sld xmlns:a="http://schemas.openxmlformats.org/drawingml/2006/main" xmlns:r="http://schemas.openxmlformats.org/officeDocument/2006/relationships" xmlns:p="http://schemas.openxmlformats.org/presentationml/2006/main">
   <p:cSld>
     <p:spTree>
@@ -9632,398 +10471,6 @@
     <p:extLst>
       <p:ext uri="{BB962C8B-B14F-4D97-AF65-F5344CB8AC3E}">
         <p14:creationId xmlns:p14="http://schemas.microsoft.com/office/powerpoint/2010/main" val="3838205115"/>
-      </p:ext>
-    </p:extLst>
-  </p:cSld>
-  <p:clrMapOvr>
-    <a:masterClrMapping/>
-  </p:clrMapOvr>
-</p:sld>
-</file>
-
-<file path=ppt/slides/slide19.xml><?xml version="1.0" encoding="utf-8"?>
-<p:sld xmlns:a="http://schemas.openxmlformats.org/drawingml/2006/main" xmlns:r="http://schemas.openxmlformats.org/officeDocument/2006/relationships" xmlns:p="http://schemas.openxmlformats.org/presentationml/2006/main">
-  <p:cSld>
-    <p:spTree>
-      <p:nvGrpSpPr>
-        <p:cNvPr id="1" name=""/>
-        <p:cNvGrpSpPr/>
-        <p:nvPr/>
-      </p:nvGrpSpPr>
-      <p:grpSpPr>
-        <a:xfrm>
-          <a:off x="0" y="0"/>
-          <a:ext cx="0" cy="0"/>
-          <a:chOff x="0" y="0"/>
-          <a:chExt cx="0" cy="0"/>
-        </a:xfrm>
-      </p:grpSpPr>
-      <p:sp>
-        <p:nvSpPr>
-          <p:cNvPr id="2" name="제목 1"/>
-          <p:cNvSpPr>
-            <a:spLocks noGrp="1"/>
-          </p:cNvSpPr>
-          <p:nvPr>
-            <p:ph type="title"/>
-          </p:nvPr>
-        </p:nvSpPr>
-        <p:spPr/>
-        <p:txBody>
-          <a:bodyPr/>
-          <a:lstStyle/>
-          <a:p>
-            <a:r>
-              <a:rPr lang="en-US" altLang="ko-KR" dirty="0" err="1"/>
-              <a:t>JSTL</a:t>
-            </a:r>
-            <a:r>
-              <a:rPr lang="ko-KR" altLang="en-US" dirty="0"/>
-              <a:t> </a:t>
-            </a:r>
-            <a:r>
-              <a:rPr lang="en-US" altLang="ko-KR" dirty="0"/>
-              <a:t>Core </a:t>
-            </a:r>
-            <a:r>
-              <a:rPr lang="ko-KR" altLang="en-US" dirty="0"/>
-              <a:t>태그 라이브러리</a:t>
-            </a:r>
-          </a:p>
-        </p:txBody>
-      </p:sp>
-      <p:sp>
-        <p:nvSpPr>
-          <p:cNvPr id="3" name="내용 개체 틀 2"/>
-          <p:cNvSpPr>
-            <a:spLocks noGrp="1"/>
-          </p:cNvSpPr>
-          <p:nvPr>
-            <p:ph sz="quarter" idx="1"/>
-          </p:nvPr>
-        </p:nvSpPr>
-        <p:spPr/>
-        <p:txBody>
-          <a:bodyPr/>
-          <a:lstStyle/>
-          <a:p>
-            <a:r>
-              <a:rPr lang="en-US" altLang="ko-KR" dirty="0"/>
-              <a:t>&lt;</a:t>
-            </a:r>
-            <a:r>
-              <a:rPr lang="en-US" altLang="ko-KR" dirty="0" err="1"/>
-              <a:t>c:import</a:t>
-            </a:r>
-            <a:r>
-              <a:rPr lang="en-US" altLang="ko-KR" dirty="0"/>
-              <a:t>&gt; </a:t>
-            </a:r>
-            <a:r>
-              <a:rPr lang="ko-KR" altLang="en-US" dirty="0" smtClean="0"/>
-              <a:t>태그</a:t>
-            </a:r>
-            <a:endParaRPr lang="en-US" altLang="ko-KR" dirty="0" smtClean="0"/>
-          </a:p>
-          <a:p>
-            <a:endParaRPr lang="en-US" altLang="ko-KR" dirty="0"/>
-          </a:p>
-          <a:p>
-            <a:endParaRPr lang="en-US" altLang="ko-KR" dirty="0" smtClean="0"/>
-          </a:p>
-          <a:p>
-            <a:endParaRPr lang="en-US" altLang="ko-KR" dirty="0"/>
-          </a:p>
-          <a:p>
-            <a:pPr lvl="1"/>
-            <a:r>
-              <a:rPr lang="en-US" altLang="ko-KR" sz="1600" dirty="0" err="1"/>
-              <a:t>url</a:t>
-            </a:r>
-            <a:r>
-              <a:rPr lang="ko-KR" altLang="en-US" sz="1600" dirty="0"/>
-              <a:t> 속성에 지정된 </a:t>
-            </a:r>
-            <a:r>
-              <a:rPr lang="ko-KR" altLang="en-US" sz="1600" dirty="0" smtClean="0"/>
-              <a:t>주소에 </a:t>
-            </a:r>
-            <a:r>
-              <a:rPr lang="ko-KR" altLang="en-US" sz="1600" dirty="0"/>
-              <a:t>접속해서 데이터를 읽어온 후 </a:t>
-            </a:r>
-            <a:r>
-              <a:rPr lang="en-US" altLang="ko-KR" sz="1600" dirty="0" err="1"/>
-              <a:t>var</a:t>
-            </a:r>
-            <a:r>
-              <a:rPr lang="ko-KR" altLang="en-US" sz="1600" dirty="0"/>
-              <a:t> 속성에 지정한 변수에 </a:t>
-            </a:r>
-            <a:r>
-              <a:rPr lang="ko-KR" altLang="en-US" sz="1600" dirty="0" smtClean="0"/>
-              <a:t>저장</a:t>
-            </a:r>
-            <a:endParaRPr lang="en-US" altLang="ko-KR" sz="1600" dirty="0"/>
-          </a:p>
-          <a:p>
-            <a:pPr lvl="1"/>
-            <a:r>
-              <a:rPr lang="en-US" altLang="ko-KR" sz="1600" dirty="0" err="1"/>
-              <a:t>var</a:t>
-            </a:r>
-            <a:r>
-              <a:rPr lang="ko-KR" altLang="en-US" sz="1600" dirty="0"/>
-              <a:t> 속성을 생략하면 현재 위치에 </a:t>
-            </a:r>
-            <a:r>
-              <a:rPr lang="en-US" altLang="ko-KR" sz="1600" dirty="0"/>
-              <a:t>URL</a:t>
-            </a:r>
-            <a:r>
-              <a:rPr lang="ko-KR" altLang="en-US" sz="1600" dirty="0"/>
-              <a:t>로부터 읽어온 결과를 출력 </a:t>
-            </a:r>
-          </a:p>
-        </p:txBody>
-      </p:sp>
-      <p:sp>
-        <p:nvSpPr>
-          <p:cNvPr id="4" name="Shape 698"/>
-          <p:cNvSpPr/>
-          <p:nvPr/>
-        </p:nvSpPr>
-        <p:spPr>
-          <a:xfrm>
-            <a:off x="623616" y="1844824"/>
-            <a:ext cx="7908536" cy="584775"/>
-          </a:xfrm>
-          <a:prstGeom prst="rect">
-            <a:avLst/>
-          </a:prstGeom>
-          <a:ln>
-            <a:solidFill>
-              <a:schemeClr val="tx2"/>
-            </a:solidFill>
-            <a:bevel/>
-          </a:ln>
-          <a:extLst>
-            <a:ext uri="{C572A759-6A51-4108-AA02-DFA0A04FC94B}">
-              <ma14:wrappingTextBoxFlag xmlns:ma14="http://schemas.microsoft.com/office/mac/drawingml/2011/main" xmlns="" val="1"/>
-            </a:ext>
-          </a:extLst>
-        </p:spPr>
-        <p:txBody>
-          <a:bodyPr wrap="square" lIns="45719" rIns="45719">
-            <a:spAutoFit/>
-          </a:bodyPr>
-          <a:lstStyle/>
-          <a:p>
-            <a:pPr>
-              <a:spcBef>
-                <a:spcPts val="0"/>
-              </a:spcBef>
-              <a:buClrTx/>
-              <a:buFontTx/>
-              <a:defRPr sz="1800">
-                <a:uFillTx/>
-                <a:latin typeface="맑은 고딕"/>
-                <a:ea typeface="맑은 고딕"/>
-                <a:cs typeface="맑은 고딕"/>
-                <a:sym typeface="맑은 고딕"/>
-              </a:defRPr>
-            </a:pPr>
-            <a:r>
-              <a:rPr sz="1600" dirty="0"/>
-              <a:t>&lt;</a:t>
-            </a:r>
-            <a:r>
-              <a:rPr sz="1600" dirty="0" err="1"/>
-              <a:t>c:import</a:t>
-            </a:r>
-            <a:r>
-              <a:rPr sz="1600" dirty="0"/>
-              <a:t> </a:t>
-            </a:r>
-            <a:r>
-              <a:rPr sz="1600" dirty="0" err="1"/>
-              <a:t>url</a:t>
-            </a:r>
-            <a:r>
-              <a:rPr sz="1600" dirty="0"/>
-              <a:t>=“URL” [</a:t>
-            </a:r>
-            <a:r>
-              <a:rPr sz="1600" dirty="0" err="1"/>
-              <a:t>var</a:t>
-            </a:r>
-            <a:r>
-              <a:rPr sz="1600" dirty="0"/>
-              <a:t>=“</a:t>
-            </a:r>
-            <a:r>
-              <a:rPr sz="1600" dirty="0" err="1"/>
-              <a:t>변수</a:t>
-            </a:r>
-            <a:r>
-              <a:rPr sz="1600" dirty="0"/>
-              <a:t> </a:t>
-            </a:r>
-            <a:r>
-              <a:rPr sz="1600" dirty="0" err="1"/>
-              <a:t>이름</a:t>
-            </a:r>
-            <a:r>
-              <a:rPr sz="1600" dirty="0"/>
-              <a:t>”] [scope=“</a:t>
-            </a:r>
-            <a:r>
-              <a:rPr sz="1600" dirty="0" err="1"/>
-              <a:t>영역</a:t>
-            </a:r>
-            <a:r>
-              <a:rPr sz="1600" dirty="0"/>
-              <a:t>”] [</a:t>
-            </a:r>
-            <a:r>
-              <a:rPr sz="1600" dirty="0" err="1"/>
-              <a:t>charEncoding</a:t>
-            </a:r>
-            <a:r>
-              <a:rPr sz="1600" dirty="0"/>
-              <a:t>=“</a:t>
-            </a:r>
-            <a:r>
-              <a:rPr sz="1600" dirty="0" err="1" smtClean="0"/>
-              <a:t>인코</a:t>
-            </a:r>
-            <a:r>
-              <a:rPr lang="ko-KR" altLang="en-US" sz="1600" dirty="0" err="1" smtClean="0"/>
-              <a:t>딩</a:t>
-            </a:r>
-            <a:r>
-              <a:rPr sz="1600" dirty="0" smtClean="0"/>
-              <a:t>”]&gt;</a:t>
-            </a:r>
-            <a:endParaRPr sz="1600" dirty="0"/>
-          </a:p>
-          <a:p>
-            <a:pPr>
-              <a:spcBef>
-                <a:spcPts val="0"/>
-              </a:spcBef>
-              <a:buClrTx/>
-              <a:buFontTx/>
-              <a:defRPr sz="1800">
-                <a:uFillTx/>
-                <a:latin typeface="맑은 고딕"/>
-                <a:ea typeface="맑은 고딕"/>
-                <a:cs typeface="맑은 고딕"/>
-                <a:sym typeface="맑은 고딕"/>
-              </a:defRPr>
-            </a:pPr>
-            <a:r>
-              <a:rPr sz="1600" dirty="0"/>
-              <a:t>&lt;/</a:t>
-            </a:r>
-            <a:r>
-              <a:rPr sz="1600" dirty="0" err="1"/>
-              <a:t>c:import</a:t>
-            </a:r>
-            <a:r>
-              <a:rPr sz="1600" dirty="0"/>
-              <a:t>&gt;</a:t>
-            </a:r>
-          </a:p>
-        </p:txBody>
-      </p:sp>
-      <p:sp>
-        <p:nvSpPr>
-          <p:cNvPr id="5" name="Shape 699"/>
-          <p:cNvSpPr/>
-          <p:nvPr/>
-        </p:nvSpPr>
-        <p:spPr>
-          <a:xfrm>
-            <a:off x="654320" y="4149080"/>
-            <a:ext cx="7908536" cy="584775"/>
-          </a:xfrm>
-          <a:prstGeom prst="rect">
-            <a:avLst/>
-          </a:prstGeom>
-          <a:ln>
-            <a:solidFill>
-              <a:schemeClr val="tx2"/>
-            </a:solidFill>
-            <a:bevel/>
-          </a:ln>
-          <a:extLst>
-            <a:ext uri="{C572A759-6A51-4108-AA02-DFA0A04FC94B}">
-              <ma14:wrappingTextBoxFlag xmlns:ma14="http://schemas.microsoft.com/office/mac/drawingml/2011/main" xmlns="" val="1"/>
-            </a:ext>
-          </a:extLst>
-        </p:spPr>
-        <p:txBody>
-          <a:bodyPr wrap="square" lIns="45719" rIns="45719">
-            <a:spAutoFit/>
-          </a:bodyPr>
-          <a:lstStyle/>
-          <a:p>
-            <a:pPr>
-              <a:spcBef>
-                <a:spcPts val="0"/>
-              </a:spcBef>
-              <a:buClrTx/>
-              <a:buFontTx/>
-              <a:defRPr sz="1800">
-                <a:uFillTx/>
-                <a:latin typeface="맑은 고딕"/>
-                <a:ea typeface="맑은 고딕"/>
-                <a:cs typeface="맑은 고딕"/>
-                <a:sym typeface="맑은 고딕"/>
-              </a:defRPr>
-            </a:pPr>
-            <a:r>
-              <a:rPr sz="1600"/>
-              <a:t>&lt;c:import url=“</a:t>
-            </a:r>
-            <a:r>
-              <a:rPr sz="1600" u="sng">
-                <a:hlinkClick r:id="rId2"/>
-              </a:rPr>
-              <a:t>http://localhost:8181/jsttest/footer.jsp</a:t>
-            </a:r>
-            <a:r>
-              <a:rPr sz="1600"/>
-              <a:t>” var=“footer”&gt;&lt;/c:import&gt;</a:t>
-            </a:r>
-          </a:p>
-          <a:p>
-            <a:pPr>
-              <a:spcBef>
-                <a:spcPts val="0"/>
-              </a:spcBef>
-              <a:buClrTx/>
-              <a:buFontTx/>
-              <a:defRPr sz="1800">
-                <a:uFillTx/>
-                <a:latin typeface="맑은 고딕"/>
-                <a:ea typeface="맑은 고딕"/>
-                <a:cs typeface="맑은 고딕"/>
-                <a:sym typeface="맑은 고딕"/>
-              </a:defRPr>
-            </a:pPr>
-            <a:r>
-              <a:rPr sz="1600"/>
-              <a:t>${footer}</a:t>
-            </a:r>
-          </a:p>
-        </p:txBody>
-      </p:sp>
-    </p:spTree>
-    <p:extLst>
-      <p:ext uri="{BB962C8B-B14F-4D97-AF65-F5344CB8AC3E}">
-        <p14:creationId xmlns:p14="http://schemas.microsoft.com/office/powerpoint/2010/main" val="1210473331"/>
       </p:ext>
     </p:extLst>
   </p:cSld>
@@ -10231,6 +10678,398 @@
 </file>
 
 <file path=ppt/slides/slide20.xml><?xml version="1.0" encoding="utf-8"?>
+<p:sld xmlns:a="http://schemas.openxmlformats.org/drawingml/2006/main" xmlns:r="http://schemas.openxmlformats.org/officeDocument/2006/relationships" xmlns:p="http://schemas.openxmlformats.org/presentationml/2006/main">
+  <p:cSld>
+    <p:spTree>
+      <p:nvGrpSpPr>
+        <p:cNvPr id="1" name=""/>
+        <p:cNvGrpSpPr/>
+        <p:nvPr/>
+      </p:nvGrpSpPr>
+      <p:grpSpPr>
+        <a:xfrm>
+          <a:off x="0" y="0"/>
+          <a:ext cx="0" cy="0"/>
+          <a:chOff x="0" y="0"/>
+          <a:chExt cx="0" cy="0"/>
+        </a:xfrm>
+      </p:grpSpPr>
+      <p:sp>
+        <p:nvSpPr>
+          <p:cNvPr id="2" name="제목 1"/>
+          <p:cNvSpPr>
+            <a:spLocks noGrp="1"/>
+          </p:cNvSpPr>
+          <p:nvPr>
+            <p:ph type="title"/>
+          </p:nvPr>
+        </p:nvSpPr>
+        <p:spPr/>
+        <p:txBody>
+          <a:bodyPr/>
+          <a:lstStyle/>
+          <a:p>
+            <a:r>
+              <a:rPr lang="en-US" altLang="ko-KR" dirty="0" err="1"/>
+              <a:t>JSTL</a:t>
+            </a:r>
+            <a:r>
+              <a:rPr lang="ko-KR" altLang="en-US" dirty="0"/>
+              <a:t> </a:t>
+            </a:r>
+            <a:r>
+              <a:rPr lang="en-US" altLang="ko-KR" dirty="0"/>
+              <a:t>Core </a:t>
+            </a:r>
+            <a:r>
+              <a:rPr lang="ko-KR" altLang="en-US" dirty="0"/>
+              <a:t>태그 라이브러리</a:t>
+            </a:r>
+          </a:p>
+        </p:txBody>
+      </p:sp>
+      <p:sp>
+        <p:nvSpPr>
+          <p:cNvPr id="3" name="내용 개체 틀 2"/>
+          <p:cNvSpPr>
+            <a:spLocks noGrp="1"/>
+          </p:cNvSpPr>
+          <p:nvPr>
+            <p:ph sz="quarter" idx="1"/>
+          </p:nvPr>
+        </p:nvSpPr>
+        <p:spPr/>
+        <p:txBody>
+          <a:bodyPr/>
+          <a:lstStyle/>
+          <a:p>
+            <a:r>
+              <a:rPr lang="en-US" altLang="ko-KR" dirty="0"/>
+              <a:t>&lt;</a:t>
+            </a:r>
+            <a:r>
+              <a:rPr lang="en-US" altLang="ko-KR" dirty="0" err="1"/>
+              <a:t>c:import</a:t>
+            </a:r>
+            <a:r>
+              <a:rPr lang="en-US" altLang="ko-KR" dirty="0"/>
+              <a:t>&gt; </a:t>
+            </a:r>
+            <a:r>
+              <a:rPr lang="ko-KR" altLang="en-US" dirty="0" smtClean="0"/>
+              <a:t>태그</a:t>
+            </a:r>
+            <a:endParaRPr lang="en-US" altLang="ko-KR" dirty="0" smtClean="0"/>
+          </a:p>
+          <a:p>
+            <a:endParaRPr lang="en-US" altLang="ko-KR" dirty="0"/>
+          </a:p>
+          <a:p>
+            <a:endParaRPr lang="en-US" altLang="ko-KR" dirty="0" smtClean="0"/>
+          </a:p>
+          <a:p>
+            <a:endParaRPr lang="en-US" altLang="ko-KR" dirty="0"/>
+          </a:p>
+          <a:p>
+            <a:pPr lvl="1"/>
+            <a:r>
+              <a:rPr lang="en-US" altLang="ko-KR" sz="1600" dirty="0" err="1"/>
+              <a:t>url</a:t>
+            </a:r>
+            <a:r>
+              <a:rPr lang="ko-KR" altLang="en-US" sz="1600" dirty="0"/>
+              <a:t> 속성에 지정된 </a:t>
+            </a:r>
+            <a:r>
+              <a:rPr lang="ko-KR" altLang="en-US" sz="1600" dirty="0" smtClean="0"/>
+              <a:t>주소에 </a:t>
+            </a:r>
+            <a:r>
+              <a:rPr lang="ko-KR" altLang="en-US" sz="1600" dirty="0"/>
+              <a:t>접속해서 데이터를 읽어온 후 </a:t>
+            </a:r>
+            <a:r>
+              <a:rPr lang="en-US" altLang="ko-KR" sz="1600" dirty="0" err="1"/>
+              <a:t>var</a:t>
+            </a:r>
+            <a:r>
+              <a:rPr lang="ko-KR" altLang="en-US" sz="1600" dirty="0"/>
+              <a:t> 속성에 지정한 변수에 </a:t>
+            </a:r>
+            <a:r>
+              <a:rPr lang="ko-KR" altLang="en-US" sz="1600" dirty="0" smtClean="0"/>
+              <a:t>저장</a:t>
+            </a:r>
+            <a:endParaRPr lang="en-US" altLang="ko-KR" sz="1600" dirty="0"/>
+          </a:p>
+          <a:p>
+            <a:pPr lvl="1"/>
+            <a:r>
+              <a:rPr lang="en-US" altLang="ko-KR" sz="1600" dirty="0" err="1"/>
+              <a:t>var</a:t>
+            </a:r>
+            <a:r>
+              <a:rPr lang="ko-KR" altLang="en-US" sz="1600" dirty="0"/>
+              <a:t> 속성을 생략하면 현재 위치에 </a:t>
+            </a:r>
+            <a:r>
+              <a:rPr lang="en-US" altLang="ko-KR" sz="1600" dirty="0"/>
+              <a:t>URL</a:t>
+            </a:r>
+            <a:r>
+              <a:rPr lang="ko-KR" altLang="en-US" sz="1600" dirty="0"/>
+              <a:t>로부터 읽어온 결과를 출력 </a:t>
+            </a:r>
+          </a:p>
+        </p:txBody>
+      </p:sp>
+      <p:sp>
+        <p:nvSpPr>
+          <p:cNvPr id="4" name="Shape 698"/>
+          <p:cNvSpPr/>
+          <p:nvPr/>
+        </p:nvSpPr>
+        <p:spPr>
+          <a:xfrm>
+            <a:off x="623616" y="1844824"/>
+            <a:ext cx="7908536" cy="584775"/>
+          </a:xfrm>
+          <a:prstGeom prst="rect">
+            <a:avLst/>
+          </a:prstGeom>
+          <a:ln>
+            <a:solidFill>
+              <a:schemeClr val="tx2"/>
+            </a:solidFill>
+            <a:bevel/>
+          </a:ln>
+          <a:extLst>
+            <a:ext uri="{C572A759-6A51-4108-AA02-DFA0A04FC94B}">
+              <ma14:wrappingTextBoxFlag xmlns:ma14="http://schemas.microsoft.com/office/mac/drawingml/2011/main" xmlns="" val="1"/>
+            </a:ext>
+          </a:extLst>
+        </p:spPr>
+        <p:txBody>
+          <a:bodyPr wrap="square" lIns="45719" rIns="45719">
+            <a:spAutoFit/>
+          </a:bodyPr>
+          <a:lstStyle/>
+          <a:p>
+            <a:pPr>
+              <a:spcBef>
+                <a:spcPts val="0"/>
+              </a:spcBef>
+              <a:buClrTx/>
+              <a:buFontTx/>
+              <a:defRPr sz="1800">
+                <a:uFillTx/>
+                <a:latin typeface="맑은 고딕"/>
+                <a:ea typeface="맑은 고딕"/>
+                <a:cs typeface="맑은 고딕"/>
+                <a:sym typeface="맑은 고딕"/>
+              </a:defRPr>
+            </a:pPr>
+            <a:r>
+              <a:rPr sz="1600" dirty="0"/>
+              <a:t>&lt;</a:t>
+            </a:r>
+            <a:r>
+              <a:rPr sz="1600" dirty="0" err="1"/>
+              <a:t>c:import</a:t>
+            </a:r>
+            <a:r>
+              <a:rPr sz="1600" dirty="0"/>
+              <a:t> </a:t>
+            </a:r>
+            <a:r>
+              <a:rPr sz="1600" dirty="0" err="1"/>
+              <a:t>url</a:t>
+            </a:r>
+            <a:r>
+              <a:rPr sz="1600" dirty="0"/>
+              <a:t>=“URL” [</a:t>
+            </a:r>
+            <a:r>
+              <a:rPr sz="1600" dirty="0" err="1"/>
+              <a:t>var</a:t>
+            </a:r>
+            <a:r>
+              <a:rPr sz="1600" dirty="0"/>
+              <a:t>=“</a:t>
+            </a:r>
+            <a:r>
+              <a:rPr sz="1600" dirty="0" err="1"/>
+              <a:t>변수</a:t>
+            </a:r>
+            <a:r>
+              <a:rPr sz="1600" dirty="0"/>
+              <a:t> </a:t>
+            </a:r>
+            <a:r>
+              <a:rPr sz="1600" dirty="0" err="1"/>
+              <a:t>이름</a:t>
+            </a:r>
+            <a:r>
+              <a:rPr sz="1600" dirty="0"/>
+              <a:t>”] [scope=“</a:t>
+            </a:r>
+            <a:r>
+              <a:rPr sz="1600" dirty="0" err="1"/>
+              <a:t>영역</a:t>
+            </a:r>
+            <a:r>
+              <a:rPr sz="1600" dirty="0"/>
+              <a:t>”] [</a:t>
+            </a:r>
+            <a:r>
+              <a:rPr sz="1600" dirty="0" err="1"/>
+              <a:t>charEncoding</a:t>
+            </a:r>
+            <a:r>
+              <a:rPr sz="1600" dirty="0"/>
+              <a:t>=“</a:t>
+            </a:r>
+            <a:r>
+              <a:rPr sz="1600" dirty="0" err="1" smtClean="0"/>
+              <a:t>인코</a:t>
+            </a:r>
+            <a:r>
+              <a:rPr lang="ko-KR" altLang="en-US" sz="1600" dirty="0" err="1" smtClean="0"/>
+              <a:t>딩</a:t>
+            </a:r>
+            <a:r>
+              <a:rPr sz="1600" dirty="0" smtClean="0"/>
+              <a:t>”]&gt;</a:t>
+            </a:r>
+            <a:endParaRPr sz="1600" dirty="0"/>
+          </a:p>
+          <a:p>
+            <a:pPr>
+              <a:spcBef>
+                <a:spcPts val="0"/>
+              </a:spcBef>
+              <a:buClrTx/>
+              <a:buFontTx/>
+              <a:defRPr sz="1800">
+                <a:uFillTx/>
+                <a:latin typeface="맑은 고딕"/>
+                <a:ea typeface="맑은 고딕"/>
+                <a:cs typeface="맑은 고딕"/>
+                <a:sym typeface="맑은 고딕"/>
+              </a:defRPr>
+            </a:pPr>
+            <a:r>
+              <a:rPr sz="1600" dirty="0"/>
+              <a:t>&lt;/</a:t>
+            </a:r>
+            <a:r>
+              <a:rPr sz="1600" dirty="0" err="1"/>
+              <a:t>c:import</a:t>
+            </a:r>
+            <a:r>
+              <a:rPr sz="1600" dirty="0"/>
+              <a:t>&gt;</a:t>
+            </a:r>
+          </a:p>
+        </p:txBody>
+      </p:sp>
+      <p:sp>
+        <p:nvSpPr>
+          <p:cNvPr id="5" name="Shape 699"/>
+          <p:cNvSpPr/>
+          <p:nvPr/>
+        </p:nvSpPr>
+        <p:spPr>
+          <a:xfrm>
+            <a:off x="654320" y="4149080"/>
+            <a:ext cx="7908536" cy="584775"/>
+          </a:xfrm>
+          <a:prstGeom prst="rect">
+            <a:avLst/>
+          </a:prstGeom>
+          <a:ln>
+            <a:solidFill>
+              <a:schemeClr val="tx2"/>
+            </a:solidFill>
+            <a:bevel/>
+          </a:ln>
+          <a:extLst>
+            <a:ext uri="{C572A759-6A51-4108-AA02-DFA0A04FC94B}">
+              <ma14:wrappingTextBoxFlag xmlns:ma14="http://schemas.microsoft.com/office/mac/drawingml/2011/main" xmlns="" val="1"/>
+            </a:ext>
+          </a:extLst>
+        </p:spPr>
+        <p:txBody>
+          <a:bodyPr wrap="square" lIns="45719" rIns="45719">
+            <a:spAutoFit/>
+          </a:bodyPr>
+          <a:lstStyle/>
+          <a:p>
+            <a:pPr>
+              <a:spcBef>
+                <a:spcPts val="0"/>
+              </a:spcBef>
+              <a:buClrTx/>
+              <a:buFontTx/>
+              <a:defRPr sz="1800">
+                <a:uFillTx/>
+                <a:latin typeface="맑은 고딕"/>
+                <a:ea typeface="맑은 고딕"/>
+                <a:cs typeface="맑은 고딕"/>
+                <a:sym typeface="맑은 고딕"/>
+              </a:defRPr>
+            </a:pPr>
+            <a:r>
+              <a:rPr sz="1600"/>
+              <a:t>&lt;c:import url=“</a:t>
+            </a:r>
+            <a:r>
+              <a:rPr sz="1600" u="sng">
+                <a:hlinkClick r:id="rId2"/>
+              </a:rPr>
+              <a:t>http://localhost:8181/jsttest/footer.jsp</a:t>
+            </a:r>
+            <a:r>
+              <a:rPr sz="1600"/>
+              <a:t>” var=“footer”&gt;&lt;/c:import&gt;</a:t>
+            </a:r>
+          </a:p>
+          <a:p>
+            <a:pPr>
+              <a:spcBef>
+                <a:spcPts val="0"/>
+              </a:spcBef>
+              <a:buClrTx/>
+              <a:buFontTx/>
+              <a:defRPr sz="1800">
+                <a:uFillTx/>
+                <a:latin typeface="맑은 고딕"/>
+                <a:ea typeface="맑은 고딕"/>
+                <a:cs typeface="맑은 고딕"/>
+                <a:sym typeface="맑은 고딕"/>
+              </a:defRPr>
+            </a:pPr>
+            <a:r>
+              <a:rPr sz="1600"/>
+              <a:t>${footer}</a:t>
+            </a:r>
+          </a:p>
+        </p:txBody>
+      </p:sp>
+    </p:spTree>
+    <p:extLst>
+      <p:ext uri="{BB962C8B-B14F-4D97-AF65-F5344CB8AC3E}">
+        <p14:creationId xmlns:p14="http://schemas.microsoft.com/office/powerpoint/2010/main" val="1210473331"/>
+      </p:ext>
+    </p:extLst>
+  </p:cSld>
+  <p:clrMapOvr>
+    <a:masterClrMapping/>
+  </p:clrMapOvr>
+</p:sld>
+</file>
+
+<file path=ppt/slides/slide21.xml><?xml version="1.0" encoding="utf-8"?>
 <p:sld xmlns:a="http://schemas.openxmlformats.org/drawingml/2006/main" xmlns:r="http://schemas.openxmlformats.org/officeDocument/2006/relationships" xmlns:p="http://schemas.openxmlformats.org/presentationml/2006/main">
   <p:cSld>
     <p:spTree>
@@ -10546,7 +11385,7 @@
 </p:sld>
 </file>
 
-<file path=ppt/slides/slide21.xml><?xml version="1.0" encoding="utf-8"?>
+<file path=ppt/slides/slide22.xml><?xml version="1.0" encoding="utf-8"?>
 <p:sld xmlns:a="http://schemas.openxmlformats.org/drawingml/2006/main" xmlns:r="http://schemas.openxmlformats.org/officeDocument/2006/relationships" xmlns:p="http://schemas.openxmlformats.org/presentationml/2006/main">
   <p:cSld>
     <p:spTree>
@@ -10658,7 +11497,7 @@
         <p:spPr>
           <a:xfrm>
             <a:off x="899592" y="2042503"/>
-            <a:ext cx="5870261" cy="379591"/>
+            <a:ext cx="6189258" cy="379591"/>
           </a:xfrm>
           <a:prstGeom prst="rect">
             <a:avLst/>
@@ -10704,23 +11543,31 @@
               <a:t>=“http://</a:t>
             </a:r>
             <a:r>
-              <a:rPr sz="1800" dirty="0" err="1"/>
+              <a:rPr sz="1800" dirty="0" err="1" smtClean="0"/>
               <a:t>java.sun.com</a:t>
             </a:r>
             <a:r>
-              <a:rPr sz="1800" dirty="0"/>
+              <a:rPr sz="1800" dirty="0" smtClean="0"/>
               <a:t>/</a:t>
             </a:r>
             <a:r>
-              <a:rPr sz="1800" dirty="0" err="1"/>
+              <a:rPr lang="en-US" sz="1800" dirty="0" err="1" smtClean="0"/>
+              <a:t>jsp</a:t>
+            </a:r>
+            <a:r>
+              <a:rPr lang="en-US" sz="1800" dirty="0" smtClean="0"/>
+              <a:t>/</a:t>
+            </a:r>
+            <a:r>
+              <a:rPr sz="1800" dirty="0" err="1" smtClean="0"/>
               <a:t>jstl</a:t>
             </a:r>
             <a:r>
-              <a:rPr sz="1800" dirty="0"/>
+              <a:rPr sz="1800" dirty="0" smtClean="0"/>
               <a:t>/</a:t>
             </a:r>
             <a:r>
-              <a:rPr sz="1800" dirty="0" err="1"/>
+              <a:rPr sz="1800" dirty="0" err="1" smtClean="0"/>
               <a:t>fmt</a:t>
             </a:r>
             <a:r>
@@ -10751,7 +11598,7 @@
 </p:sld>
 </file>
 
-<file path=ppt/slides/slide22.xml><?xml version="1.0" encoding="utf-8"?>
+<file path=ppt/slides/slide23.xml><?xml version="1.0" encoding="utf-8"?>
 <p:sld xmlns:a="http://schemas.openxmlformats.org/drawingml/2006/main" xmlns:r="http://schemas.openxmlformats.org/officeDocument/2006/relationships" xmlns:p="http://schemas.openxmlformats.org/presentationml/2006/main">
   <p:cSld>
     <p:spTree>
@@ -11300,7 +12147,7 @@
 </p:sld>
 </file>
 
-<file path=ppt/slides/slide23.xml><?xml version="1.0" encoding="utf-8"?>
+<file path=ppt/slides/slide24.xml><?xml version="1.0" encoding="utf-8"?>
 <p:sld xmlns:a="http://schemas.openxmlformats.org/drawingml/2006/main" xmlns:r="http://schemas.openxmlformats.org/officeDocument/2006/relationships" xmlns:p="http://schemas.openxmlformats.org/presentationml/2006/main">
   <p:cSld>
     <p:spTree>
@@ -13117,7 +13964,7 @@
 </p:sld>
 </file>
 
-<file path=ppt/slides/slide24.xml><?xml version="1.0" encoding="utf-8"?>
+<file path=ppt/slides/slide25.xml><?xml version="1.0" encoding="utf-8"?>
 <p:sld xmlns:a="http://schemas.openxmlformats.org/drawingml/2006/main" xmlns:r="http://schemas.openxmlformats.org/officeDocument/2006/relationships" xmlns:p="http://schemas.openxmlformats.org/presentationml/2006/main">
   <p:cSld>
     <p:spTree>
@@ -13571,7 +14418,7 @@
 </p:sld>
 </file>
 
-<file path=ppt/slides/slide25.xml><?xml version="1.0" encoding="utf-8"?>
+<file path=ppt/slides/slide26.xml><?xml version="1.0" encoding="utf-8"?>
 <p:sld xmlns:a="http://schemas.openxmlformats.org/drawingml/2006/main" xmlns:r="http://schemas.openxmlformats.org/officeDocument/2006/relationships" xmlns:p="http://schemas.openxmlformats.org/presentationml/2006/main">
   <p:cSld>
     <p:spTree>
@@ -15574,140 +16421,6 @@
 </p:sld>
 </file>
 
-<file path=ppt/slides/slide26.xml><?xml version="1.0" encoding="utf-8"?>
-<p:sld xmlns:a="http://schemas.openxmlformats.org/drawingml/2006/main" xmlns:r="http://schemas.openxmlformats.org/officeDocument/2006/relationships" xmlns:p="http://schemas.openxmlformats.org/presentationml/2006/main">
-  <p:cSld>
-    <p:spTree>
-      <p:nvGrpSpPr>
-        <p:cNvPr id="1" name=""/>
-        <p:cNvGrpSpPr/>
-        <p:nvPr/>
-      </p:nvGrpSpPr>
-      <p:grpSpPr>
-        <a:xfrm>
-          <a:off x="0" y="0"/>
-          <a:ext cx="0" cy="0"/>
-          <a:chOff x="0" y="0"/>
-          <a:chExt cx="0" cy="0"/>
-        </a:xfrm>
-      </p:grpSpPr>
-      <p:sp>
-        <p:nvSpPr>
-          <p:cNvPr id="2" name="제목 1"/>
-          <p:cNvSpPr>
-            <a:spLocks noGrp="1"/>
-          </p:cNvSpPr>
-          <p:nvPr>
-            <p:ph type="title"/>
-          </p:nvPr>
-        </p:nvSpPr>
-        <p:spPr/>
-        <p:txBody>
-          <a:bodyPr/>
-          <a:lstStyle/>
-          <a:p>
-            <a:r>
-              <a:rPr lang="en-US" altLang="ko-KR" dirty="0" err="1"/>
-              <a:t>JSTL</a:t>
-            </a:r>
-            <a:r>
-              <a:rPr lang="ko-KR" altLang="en-US" dirty="0"/>
-              <a:t> </a:t>
-            </a:r>
-            <a:r>
-              <a:rPr lang="en-US" altLang="ko-KR" dirty="0"/>
-              <a:t>Format </a:t>
-            </a:r>
-            <a:r>
-              <a:rPr lang="ko-KR" altLang="en-US" dirty="0"/>
-              <a:t>태그 라이브러리</a:t>
-            </a:r>
-          </a:p>
-        </p:txBody>
-      </p:sp>
-      <p:sp>
-        <p:nvSpPr>
-          <p:cNvPr id="3" name="내용 개체 틀 2"/>
-          <p:cNvSpPr>
-            <a:spLocks noGrp="1"/>
-          </p:cNvSpPr>
-          <p:nvPr>
-            <p:ph sz="quarter" idx="1"/>
-          </p:nvPr>
-        </p:nvSpPr>
-        <p:spPr/>
-        <p:txBody>
-          <a:bodyPr/>
-          <a:lstStyle/>
-          <a:p>
-            <a:r>
-              <a:rPr lang="en-US" altLang="ko-KR" dirty="0"/>
-              <a:t>&lt;</a:t>
-            </a:r>
-            <a:r>
-              <a:rPr lang="en-US" altLang="ko-KR" dirty="0" err="1"/>
-              <a:t>fmt:requestEncoding</a:t>
-            </a:r>
-            <a:r>
-              <a:rPr lang="en-US" altLang="ko-KR" dirty="0"/>
-              <a:t>&gt; </a:t>
-            </a:r>
-            <a:r>
-              <a:rPr lang="ko-KR" altLang="en-US" dirty="0" smtClean="0"/>
-              <a:t>태그</a:t>
-            </a:r>
-            <a:endParaRPr lang="en-US" altLang="ko-KR" dirty="0" smtClean="0"/>
-          </a:p>
-          <a:p>
-            <a:pPr lvl="1"/>
-            <a:r>
-              <a:rPr lang="en-US" altLang="ko-KR" dirty="0"/>
-              <a:t>POST </a:t>
-            </a:r>
-            <a:r>
-              <a:rPr lang="ko-KR" altLang="en-US" dirty="0"/>
-              <a:t>방식으로 넘어오는 페이지에서 한글 데이터가 깨지지 않도록 하는 역할</a:t>
-            </a:r>
-          </a:p>
-          <a:p>
-            <a:pPr lvl="1"/>
-            <a:r>
-              <a:rPr lang="en-US" altLang="ko-KR" dirty="0"/>
-              <a:t> </a:t>
-            </a:r>
-            <a:r>
-              <a:rPr lang="en-US" altLang="ko-KR" dirty="0" err="1"/>
-              <a:t>request.setCharacterEncoding</a:t>
-            </a:r>
-            <a:r>
-              <a:rPr lang="en-US" altLang="ko-KR" dirty="0" smtClean="0"/>
-              <a:t>()</a:t>
-            </a:r>
-            <a:r>
-              <a:rPr lang="ko-KR" altLang="en-US" dirty="0"/>
-              <a:t> </a:t>
-            </a:r>
-            <a:r>
-              <a:rPr lang="ko-KR" altLang="en-US" dirty="0" smtClean="0"/>
-              <a:t>과 같은 기능</a:t>
-            </a:r>
-            <a:endParaRPr lang="en-US" altLang="ko-KR" dirty="0"/>
-          </a:p>
-        </p:txBody>
-      </p:sp>
-    </p:spTree>
-    <p:extLst>
-      <p:ext uri="{BB962C8B-B14F-4D97-AF65-F5344CB8AC3E}">
-        <p14:creationId xmlns:p14="http://schemas.microsoft.com/office/powerpoint/2010/main" val="342213634"/>
-      </p:ext>
-    </p:extLst>
-  </p:cSld>
-  <p:clrMapOvr>
-    <a:masterClrMapping/>
-  </p:clrMapOvr>
-</p:sld>
-</file>
-
 <file path=ppt/slides/slide27.xml><?xml version="1.0" encoding="utf-8"?>
 <p:sld xmlns:a="http://schemas.openxmlformats.org/drawingml/2006/main" xmlns:r="http://schemas.openxmlformats.org/officeDocument/2006/relationships" xmlns:p="http://schemas.openxmlformats.org/presentationml/2006/main">
   <p:cSld>
@@ -15745,12 +16458,16 @@
               <a:t>JSTL</a:t>
             </a:r>
             <a:r>
+              <a:rPr lang="ko-KR" altLang="en-US" dirty="0"/>
+              <a:t> </a:t>
+            </a:r>
+            <a:r>
               <a:rPr lang="en-US" altLang="ko-KR" dirty="0"/>
-              <a:t> Functions </a:t>
+              <a:t>Format </a:t>
             </a:r>
             <a:r>
               <a:rPr lang="ko-KR" altLang="en-US" dirty="0"/>
-              <a:t>라이브러리</a:t>
+              <a:t>태그 라이브러리</a:t>
             </a:r>
           </a:p>
         </p:txBody>
@@ -15771,85 +16488,64 @@
           <a:lstStyle/>
           <a:p>
             <a:r>
-              <a:rPr lang="en-US" altLang="ko-KR" dirty="0" err="1" smtClean="0"/>
-              <a:t>JSTL</a:t>
+              <a:rPr lang="en-US" altLang="ko-KR" dirty="0"/>
+              <a:t>&lt;</a:t>
+            </a:r>
+            <a:r>
+              <a:rPr lang="en-US" altLang="ko-KR" dirty="0" err="1"/>
+              <a:t>fmt:requestEncoding</a:t>
+            </a:r>
+            <a:r>
+              <a:rPr lang="en-US" altLang="ko-KR" dirty="0"/>
+              <a:t>&gt; </a:t>
             </a:r>
             <a:r>
               <a:rPr lang="ko-KR" altLang="en-US" dirty="0" smtClean="0"/>
-              <a:t>내에서 제공하는 각종 함수를 사용해서 </a:t>
+              <a:t>태그</a:t>
+            </a:r>
+            <a:endParaRPr lang="en-US" altLang="ko-KR" dirty="0" smtClean="0"/>
+          </a:p>
+          <a:p>
+            <a:pPr lvl="1"/>
+            <a:r>
+              <a:rPr lang="en-US" altLang="ko-KR" dirty="0"/>
+              <a:t>POST </a:t>
             </a:r>
             <a:r>
               <a:rPr lang="ko-KR" altLang="en-US" dirty="0"/>
-              <a:t>문자열 및 컬렉션 </a:t>
+              <a:t>방식으로 넘어오는 페이지에서 한글 데이터가 깨지지 않도록 하는 역할</a:t>
+            </a:r>
+          </a:p>
+          <a:p>
+            <a:pPr lvl="1"/>
+            <a:r>
+              <a:rPr lang="en-US" altLang="ko-KR" dirty="0"/>
+              <a:t> </a:t>
+            </a:r>
+            <a:r>
+              <a:rPr lang="en-US" altLang="ko-KR" dirty="0" err="1"/>
+              <a:t>request.setCharacterEncoding</a:t>
+            </a:r>
+            <a:r>
+              <a:rPr lang="en-US" altLang="ko-KR" dirty="0" smtClean="0"/>
+              <a:t>()</a:t>
+            </a:r>
+            <a:r>
+              <a:rPr lang="ko-KR" altLang="en-US" dirty="0"/>
+              <a:t> </a:t>
             </a:r>
             <a:r>
               <a:rPr lang="ko-KR" altLang="en-US" dirty="0" smtClean="0"/>
-              <a:t>을 처리 한다</a:t>
-            </a:r>
-            <a:r>
-              <a:rPr lang="en-US" altLang="ko-KR" dirty="0" smtClean="0"/>
-              <a:t>.</a:t>
-            </a:r>
-          </a:p>
-          <a:p>
-            <a:r>
-              <a:rPr lang="ko-KR" altLang="en-US" dirty="0" smtClean="0"/>
-              <a:t>함수 실행 결과 값을 반환하기 때문에 태그 자체로 사용하기 보다는 특정 태그 내의 값으로 많이 사용된다</a:t>
-            </a:r>
-            <a:r>
-              <a:rPr lang="en-US" altLang="ko-KR" dirty="0" smtClean="0"/>
-              <a:t>.</a:t>
-            </a:r>
-            <a:endParaRPr lang="ko-KR" altLang="en-US" dirty="0"/>
-          </a:p>
-        </p:txBody>
-      </p:sp>
-      <p:sp>
-        <p:nvSpPr>
-          <p:cNvPr id="4" name="Shape 717"/>
-          <p:cNvSpPr/>
-          <p:nvPr/>
-        </p:nvSpPr>
-        <p:spPr>
-          <a:xfrm>
-            <a:off x="899592" y="2852936"/>
-            <a:ext cx="6521081" cy="379591"/>
-          </a:xfrm>
-          <a:prstGeom prst="rect">
-            <a:avLst/>
-          </a:prstGeom>
-          <a:ln w="12700">
-            <a:miter lim="400000"/>
-          </a:ln>
-          <a:extLst>
-            <a:ext uri="{C572A759-6A51-4108-AA02-DFA0A04FC94B}">
-              <ma14:wrappingTextBoxFlag xmlns:ma14="http://schemas.microsoft.com/office/mac/drawingml/2011/main" xmlns="" val="1"/>
-            </a:ext>
-          </a:extLst>
-        </p:spPr>
-        <p:txBody>
-          <a:bodyPr wrap="none" lIns="50800" tIns="50800" rIns="50800" bIns="50800" anchor="ctr">
-            <a:spAutoFit/>
-          </a:bodyPr>
-          <a:lstStyle>
-            <a:lvl1pPr algn="ctr">
-              <a:defRPr sz="1600"/>
-            </a:lvl1pPr>
-          </a:lstStyle>
-          <a:p>
-            <a:pPr algn="l"/>
-            <a:r>
-              <a:rPr lang="it-IT" altLang="ko-KR" sz="1800" dirty="0"/>
-              <a:t>&lt;%@ taglib prefix="fn" uri="http://java.sun.com/jsp/jstl/functions" %&gt;</a:t>
-            </a:r>
-            <a:endParaRPr sz="1800" dirty="0"/>
+              <a:t>과 같은 기능</a:t>
+            </a:r>
+            <a:endParaRPr lang="en-US" altLang="ko-KR" dirty="0"/>
           </a:p>
         </p:txBody>
       </p:sp>
     </p:spTree>
     <p:extLst>
       <p:ext uri="{BB962C8B-B14F-4D97-AF65-F5344CB8AC3E}">
-        <p14:creationId xmlns:p14="http://schemas.microsoft.com/office/powerpoint/2010/main" val="3734582968"/>
+        <p14:creationId xmlns:p14="http://schemas.microsoft.com/office/powerpoint/2010/main" val="342213634"/>
       </p:ext>
     </p:extLst>
   </p:cSld>
@@ -15922,693 +16618,85 @@
           <a:lstStyle/>
           <a:p>
             <a:r>
-              <a:rPr lang="en-US" altLang="ko-KR" dirty="0" err="1"/>
+              <a:rPr lang="en-US" altLang="ko-KR" dirty="0" err="1" smtClean="0"/>
               <a:t>JSTL</a:t>
             </a:r>
             <a:r>
+              <a:rPr lang="ko-KR" altLang="en-US" dirty="0" smtClean="0"/>
+              <a:t>내에서 제공하는 각종 함수를 사용해서 </a:t>
+            </a:r>
+            <a:r>
               <a:rPr lang="ko-KR" altLang="en-US" dirty="0"/>
-              <a:t> </a:t>
-            </a:r>
-            <a:r>
-              <a:rPr lang="en-US" altLang="ko-KR" dirty="0"/>
-              <a:t>Functions </a:t>
-            </a:r>
-            <a:r>
-              <a:rPr lang="ko-KR" altLang="en-US" dirty="0"/>
-              <a:t>라이브러리의 </a:t>
+              <a:t>문자열 및 컬렉션 </a:t>
             </a:r>
             <a:r>
               <a:rPr lang="ko-KR" altLang="en-US" dirty="0" smtClean="0"/>
-              <a:t>함수들</a:t>
+              <a:t>을 처리 한다</a:t>
+            </a:r>
+            <a:r>
+              <a:rPr lang="en-US" altLang="ko-KR" dirty="0" smtClean="0"/>
+              <a:t>.</a:t>
+            </a:r>
+          </a:p>
+          <a:p>
+            <a:r>
+              <a:rPr lang="ko-KR" altLang="en-US" dirty="0" smtClean="0"/>
+              <a:t>함수 실행 결과 값을 반환하기 때문에 태그 자체로 사용하기 보다는 특정 태그 내의 값으로 많이 사용된다</a:t>
+            </a:r>
+            <a:r>
+              <a:rPr lang="en-US" altLang="ko-KR" dirty="0" smtClean="0"/>
+              <a:t>.</a:t>
             </a:r>
             <a:endParaRPr lang="ko-KR" altLang="en-US" dirty="0"/>
           </a:p>
         </p:txBody>
       </p:sp>
-      <p:graphicFrame>
-        <p:nvGraphicFramePr>
-          <p:cNvPr id="6" name="표 5"/>
-          <p:cNvGraphicFramePr>
-            <a:graphicFrameLocks noGrp="1"/>
-          </p:cNvGraphicFramePr>
-          <p:nvPr>
-            <p:extLst>
-              <p:ext uri="{D42A27DB-BD31-4B8C-83A1-F6EECF244321}">
-                <p14:modId xmlns:p14="http://schemas.microsoft.com/office/powerpoint/2010/main" val="3615075026"/>
-              </p:ext>
-            </p:extLst>
-          </p:nvPr>
-        </p:nvGraphicFramePr>
-        <p:xfrm>
-          <a:off x="827584" y="1844824"/>
-          <a:ext cx="7416824" cy="4248499"/>
-        </p:xfrm>
-        <a:graphic>
-          <a:graphicData uri="http://schemas.openxmlformats.org/drawingml/2006/table">
-            <a:tbl>
-              <a:tblPr>
-                <a:tableStyleId>{BC89EF96-8CEA-46FF-86C4-4CE0E7609802}</a:tableStyleId>
-              </a:tblPr>
-              <a:tblGrid>
-                <a:gridCol w="7416824"/>
-              </a:tblGrid>
-              <a:tr h="382208">
-                <a:tc>
-                  <a:txBody>
-                    <a:bodyPr/>
-                    <a:lstStyle/>
-                    <a:p>
-                      <a:pPr marL="0" marR="0" algn="ctr">
-                        <a:lnSpc>
-                          <a:spcPct val="160000"/>
-                        </a:lnSpc>
-                        <a:spcBef>
-                          <a:spcPts val="0"/>
-                        </a:spcBef>
-                        <a:spcAft>
-                          <a:spcPts val="0"/>
-                        </a:spcAft>
-                      </a:pPr>
-                      <a:r>
-                        <a:rPr lang="ko-KR" altLang="en-US" sz="1600" dirty="0" err="1"/>
-                        <a:t>메소드</a:t>
-                      </a:r>
-                      <a:r>
-                        <a:rPr lang="ko-KR" altLang="en-US" sz="1600" dirty="0"/>
-                        <a:t> </a:t>
-                      </a:r>
-                      <a:r>
-                        <a:rPr lang="en-US" altLang="ko-KR" sz="1600" dirty="0"/>
-                        <a:t>: </a:t>
-                      </a:r>
-                      <a:r>
-                        <a:rPr lang="ko-KR" altLang="en-US" sz="1600" dirty="0" err="1"/>
-                        <a:t>리턴타입</a:t>
-                      </a:r>
-                      <a:endParaRPr lang="ko-KR" altLang="en-US" sz="1600" dirty="0">
-                        <a:solidFill>
-                          <a:srgbClr val="000000"/>
-                        </a:solidFill>
-                        <a:latin typeface="굴림"/>
-                      </a:endParaRPr>
-                    </a:p>
-                  </a:txBody>
-                  <a:tcPr marL="17907" marR="17907" marT="17907" marB="17907" anchor="ctr">
-                    <a:solidFill>
-                      <a:schemeClr val="accent2"/>
-                    </a:solidFill>
-                  </a:tcPr>
-                </a:tc>
-              </a:tr>
-              <a:tr h="913936">
-                <a:tc>
-                  <a:txBody>
-                    <a:bodyPr/>
-                    <a:lstStyle/>
-                    <a:p>
-                      <a:pPr marL="177800" marR="0" indent="-177800" algn="just">
-                        <a:lnSpc>
-                          <a:spcPct val="160000"/>
-                        </a:lnSpc>
-                        <a:spcBef>
-                          <a:spcPts val="0"/>
-                        </a:spcBef>
-                        <a:spcAft>
-                          <a:spcPts val="0"/>
-                        </a:spcAft>
-                        <a:buFont typeface="Wingdings" panose="05000000000000000000" pitchFamily="2" charset="2"/>
-                        <a:buChar char="§"/>
-                      </a:pPr>
-                      <a:r>
-                        <a:rPr lang="en-US" altLang="ko-KR" sz="1600" dirty="0" smtClean="0"/>
-                        <a:t>contains(String </a:t>
-                      </a:r>
-                      <a:r>
-                        <a:rPr lang="en-US" altLang="ko-KR" sz="1600" dirty="0" err="1" smtClean="0"/>
-                        <a:t>string</a:t>
-                      </a:r>
-                      <a:r>
-                        <a:rPr lang="en-US" altLang="ko-KR" sz="1600" dirty="0" smtClean="0"/>
-                        <a:t>, String substring)</a:t>
-                      </a:r>
-                      <a:r>
-                        <a:rPr lang="ko-KR" altLang="en-US" sz="1600" dirty="0" smtClean="0"/>
-                        <a:t> </a:t>
-                      </a:r>
-                      <a:r>
-                        <a:rPr lang="en-US" altLang="ko-KR" sz="1600" dirty="0" smtClean="0"/>
-                        <a:t>: </a:t>
-                      </a:r>
-                      <a:r>
-                        <a:rPr lang="en-US" altLang="ko-KR" sz="1600" dirty="0" err="1" smtClean="0"/>
-                        <a:t>boolean</a:t>
-                      </a:r>
-                      <a:r>
-                        <a:rPr lang="en-US" altLang="ko-KR" sz="1600" dirty="0" smtClean="0"/>
-                        <a:t> </a:t>
-                      </a:r>
-                    </a:p>
-                    <a:p>
-                      <a:pPr marL="0" marR="0" indent="177800" algn="just">
-                        <a:lnSpc>
-                          <a:spcPct val="160000"/>
-                        </a:lnSpc>
-                        <a:spcBef>
-                          <a:spcPts val="0"/>
-                        </a:spcBef>
-                        <a:spcAft>
-                          <a:spcPts val="0"/>
-                        </a:spcAft>
-                      </a:pPr>
-                      <a:r>
-                        <a:rPr lang="en-US" altLang="ko-KR" sz="1600" dirty="0" smtClean="0"/>
-                        <a:t>string</a:t>
-                      </a:r>
-                      <a:r>
-                        <a:rPr lang="ko-KR" altLang="en-US" sz="1600" dirty="0" smtClean="0"/>
-                        <a:t>이 </a:t>
-                      </a:r>
-                      <a:r>
-                        <a:rPr lang="en-US" altLang="ko-KR" sz="1600" dirty="0" smtClean="0"/>
-                        <a:t>substring</a:t>
-                      </a:r>
-                      <a:r>
-                        <a:rPr lang="ko-KR" altLang="en-US" sz="1600" dirty="0" smtClean="0"/>
-                        <a:t>을 포함하면 </a:t>
-                      </a:r>
-                      <a:r>
-                        <a:rPr lang="en-US" altLang="ko-KR" sz="1600" dirty="0" smtClean="0"/>
-                        <a:t>true</a:t>
-                      </a:r>
-                      <a:r>
-                        <a:rPr lang="ko-KR" altLang="en-US" sz="1600" dirty="0" smtClean="0"/>
-                        <a:t>값을 리턴</a:t>
-                      </a:r>
-                    </a:p>
-                  </a:txBody>
-                  <a:tcPr marL="17907" marR="17907" marT="17907" marB="17907" anchor="ctr"/>
-                </a:tc>
-              </a:tr>
-              <a:tr h="936104">
-                <a:tc>
-                  <a:txBody>
-                    <a:bodyPr/>
-                    <a:lstStyle/>
-                    <a:p>
-                      <a:pPr marL="177800" marR="0" indent="-177800" algn="just">
-                        <a:lnSpc>
-                          <a:spcPct val="160000"/>
-                        </a:lnSpc>
-                        <a:spcBef>
-                          <a:spcPts val="0"/>
-                        </a:spcBef>
-                        <a:spcAft>
-                          <a:spcPts val="0"/>
-                        </a:spcAft>
-                        <a:buFont typeface="Wingdings" panose="05000000000000000000" pitchFamily="2" charset="2"/>
-                        <a:buChar char="§"/>
-                      </a:pPr>
-                      <a:r>
-                        <a:rPr lang="en-US" altLang="ko-KR" sz="1600" dirty="0" err="1" smtClean="0">
-                          <a:solidFill>
-                            <a:schemeClr val="tx1"/>
-                          </a:solidFill>
-                        </a:rPr>
-                        <a:t>containsIgnoreCase</a:t>
-                      </a:r>
-                      <a:r>
-                        <a:rPr lang="en-US" altLang="ko-KR" sz="1600" dirty="0" smtClean="0">
-                          <a:solidFill>
-                            <a:schemeClr val="tx1"/>
-                          </a:solidFill>
-                        </a:rPr>
-                        <a:t>(String </a:t>
-                      </a:r>
-                      <a:r>
-                        <a:rPr lang="en-US" altLang="ko-KR" sz="1600" dirty="0" err="1" smtClean="0">
-                          <a:solidFill>
-                            <a:schemeClr val="tx1"/>
-                          </a:solidFill>
-                        </a:rPr>
-                        <a:t>string</a:t>
-                      </a:r>
-                      <a:r>
-                        <a:rPr lang="en-US" altLang="ko-KR" sz="1600" dirty="0" smtClean="0">
-                          <a:solidFill>
-                            <a:schemeClr val="tx1"/>
-                          </a:solidFill>
-                        </a:rPr>
-                        <a:t>, String substring) </a:t>
-                      </a:r>
-                      <a:r>
-                        <a:rPr lang="en-US" altLang="ko-KR" sz="1600" dirty="0" smtClean="0"/>
-                        <a:t>: </a:t>
-                      </a:r>
-                      <a:r>
-                        <a:rPr lang="en-US" altLang="ko-KR" sz="1600" dirty="0" err="1" smtClean="0"/>
-                        <a:t>boolean</a:t>
-                      </a:r>
-                      <a:r>
-                        <a:rPr lang="en-US" altLang="ko-KR" sz="1600" dirty="0" smtClean="0"/>
-                        <a:t> </a:t>
-                      </a:r>
-                    </a:p>
-                    <a:p>
-                      <a:pPr marL="0" marR="0" indent="177800" algn="just" rtl="0" eaLnBrk="1" latinLnBrk="1" hangingPunct="1">
-                        <a:lnSpc>
-                          <a:spcPct val="160000"/>
-                        </a:lnSpc>
-                        <a:spcBef>
-                          <a:spcPts val="0"/>
-                        </a:spcBef>
-                        <a:spcAft>
-                          <a:spcPts val="0"/>
-                        </a:spcAft>
-                      </a:pPr>
-                      <a:r>
-                        <a:rPr kumimoji="0" lang="ko-KR" altLang="en-US" sz="1600" kern="1200" dirty="0" smtClean="0">
-                          <a:solidFill>
-                            <a:schemeClr val="tx1"/>
-                          </a:solidFill>
-                          <a:latin typeface="+mn-lt"/>
-                          <a:ea typeface="+mn-ea"/>
-                          <a:cs typeface="+mn-cs"/>
-                        </a:rPr>
-                        <a:t>대소문자에 관계없이</a:t>
-                      </a:r>
-                      <a:r>
-                        <a:rPr kumimoji="0" lang="en-US" altLang="ko-KR" sz="1600" kern="1200" dirty="0" smtClean="0">
-                          <a:solidFill>
-                            <a:schemeClr val="tx1"/>
-                          </a:solidFill>
-                          <a:latin typeface="+mn-lt"/>
-                          <a:ea typeface="+mn-ea"/>
-                          <a:cs typeface="+mn-cs"/>
-                        </a:rPr>
-                        <a:t>, string</a:t>
-                      </a:r>
-                      <a:r>
-                        <a:rPr kumimoji="0" lang="ko-KR" altLang="en-US" sz="1600" kern="1200" dirty="0" smtClean="0">
-                          <a:solidFill>
-                            <a:schemeClr val="tx1"/>
-                          </a:solidFill>
-                          <a:latin typeface="+mn-lt"/>
-                          <a:ea typeface="+mn-ea"/>
-                          <a:cs typeface="+mn-cs"/>
-                        </a:rPr>
-                        <a:t>이 </a:t>
-                      </a:r>
-                      <a:r>
-                        <a:rPr kumimoji="0" lang="en-US" altLang="ko-KR" sz="1600" kern="1200" dirty="0" smtClean="0">
-                          <a:solidFill>
-                            <a:schemeClr val="tx1"/>
-                          </a:solidFill>
-                          <a:latin typeface="+mn-lt"/>
-                          <a:ea typeface="+mn-ea"/>
-                          <a:cs typeface="+mn-cs"/>
-                        </a:rPr>
-                        <a:t>substring</a:t>
-                      </a:r>
-                      <a:r>
-                        <a:rPr kumimoji="0" lang="ko-KR" altLang="en-US" sz="1600" kern="1200" dirty="0" smtClean="0">
-                          <a:solidFill>
-                            <a:schemeClr val="tx1"/>
-                          </a:solidFill>
-                          <a:latin typeface="+mn-lt"/>
-                          <a:ea typeface="+mn-ea"/>
-                          <a:cs typeface="+mn-cs"/>
-                        </a:rPr>
-                        <a:t>을 포함하면 </a:t>
-                      </a:r>
-                      <a:r>
-                        <a:rPr kumimoji="0" lang="en-US" altLang="ko-KR" sz="1600" kern="1200" dirty="0" smtClean="0">
-                          <a:solidFill>
-                            <a:schemeClr val="tx1"/>
-                          </a:solidFill>
-                          <a:latin typeface="+mn-lt"/>
-                          <a:ea typeface="+mn-ea"/>
-                          <a:cs typeface="+mn-cs"/>
-                        </a:rPr>
-                        <a:t>true</a:t>
-                      </a:r>
-                      <a:r>
-                        <a:rPr kumimoji="0" lang="ko-KR" altLang="en-US" sz="1600" kern="1200" dirty="0" smtClean="0">
-                          <a:solidFill>
-                            <a:schemeClr val="tx1"/>
-                          </a:solidFill>
-                          <a:latin typeface="+mn-lt"/>
-                          <a:ea typeface="+mn-ea"/>
-                          <a:cs typeface="+mn-cs"/>
-                        </a:rPr>
-                        <a:t>값을 리턴</a:t>
-                      </a:r>
-                    </a:p>
-                  </a:txBody>
-                  <a:tcPr marL="17907" marR="17907" marT="17907" marB="17907" anchor="ctr"/>
-                </a:tc>
-              </a:tr>
-              <a:tr h="792088">
-                <a:tc>
-                  <a:txBody>
-                    <a:bodyPr/>
-                    <a:lstStyle/>
-                    <a:p>
-                      <a:pPr marL="177800" marR="0" indent="-177800" algn="just" rtl="0" eaLnBrk="1" latinLnBrk="1" hangingPunct="1">
-                        <a:lnSpc>
-                          <a:spcPct val="160000"/>
-                        </a:lnSpc>
-                        <a:spcBef>
-                          <a:spcPts val="0"/>
-                        </a:spcBef>
-                        <a:spcAft>
-                          <a:spcPts val="0"/>
-                        </a:spcAft>
-                        <a:buFont typeface="Wingdings" panose="05000000000000000000" pitchFamily="2" charset="2"/>
-                        <a:buChar char="§"/>
-                      </a:pPr>
-                      <a:r>
-                        <a:rPr kumimoji="0" lang="en-US" altLang="ko-KR" sz="1600" kern="1200" dirty="0" err="1" smtClean="0">
-                          <a:solidFill>
-                            <a:schemeClr val="tx1"/>
-                          </a:solidFill>
-                          <a:latin typeface="+mn-lt"/>
-                          <a:ea typeface="+mn-ea"/>
-                          <a:cs typeface="+mn-cs"/>
-                        </a:rPr>
-                        <a:t>endsWith</a:t>
-                      </a:r>
-                      <a:r>
-                        <a:rPr kumimoji="0" lang="en-US" altLang="ko-KR" sz="1600" kern="1200" dirty="0" smtClean="0">
-                          <a:solidFill>
-                            <a:schemeClr val="tx1"/>
-                          </a:solidFill>
-                          <a:latin typeface="+mn-lt"/>
-                          <a:ea typeface="+mn-ea"/>
-                          <a:cs typeface="+mn-cs"/>
-                        </a:rPr>
-                        <a:t>(String </a:t>
-                      </a:r>
-                      <a:r>
-                        <a:rPr kumimoji="0" lang="en-US" altLang="ko-KR" sz="1600" kern="1200" dirty="0" err="1" smtClean="0">
-                          <a:solidFill>
-                            <a:schemeClr val="tx1"/>
-                          </a:solidFill>
-                          <a:latin typeface="+mn-lt"/>
-                          <a:ea typeface="+mn-ea"/>
-                          <a:cs typeface="+mn-cs"/>
-                        </a:rPr>
-                        <a:t>string</a:t>
-                      </a:r>
-                      <a:r>
-                        <a:rPr kumimoji="0" lang="en-US" altLang="ko-KR" sz="1600" kern="1200" dirty="0" smtClean="0">
-                          <a:solidFill>
-                            <a:schemeClr val="tx1"/>
-                          </a:solidFill>
-                          <a:latin typeface="+mn-lt"/>
-                          <a:ea typeface="+mn-ea"/>
-                          <a:cs typeface="+mn-cs"/>
-                        </a:rPr>
-                        <a:t>, String substring): </a:t>
-                      </a:r>
-                      <a:r>
-                        <a:rPr lang="en-US" altLang="ko-KR" sz="1600" dirty="0" err="1" smtClean="0"/>
-                        <a:t>boolean</a:t>
-                      </a:r>
-                      <a:r>
-                        <a:rPr lang="en-US" altLang="ko-KR" sz="1600" dirty="0" smtClean="0"/>
-                        <a:t> </a:t>
-                      </a:r>
-                      <a:endParaRPr kumimoji="0" lang="ko-KR" altLang="en-US" sz="1600" kern="1200" dirty="0">
-                        <a:solidFill>
-                          <a:schemeClr val="tx1"/>
-                        </a:solidFill>
-                        <a:latin typeface="+mn-lt"/>
-                        <a:ea typeface="+mn-ea"/>
-                        <a:cs typeface="+mn-cs"/>
-                      </a:endParaRPr>
-                    </a:p>
-                    <a:p>
-                      <a:pPr marL="0" marR="0" indent="177800" algn="just" rtl="0" eaLnBrk="1" latinLnBrk="1" hangingPunct="1">
-                        <a:lnSpc>
-                          <a:spcPct val="160000"/>
-                        </a:lnSpc>
-                        <a:spcBef>
-                          <a:spcPts val="0"/>
-                        </a:spcBef>
-                        <a:spcAft>
-                          <a:spcPts val="0"/>
-                        </a:spcAft>
-                      </a:pPr>
-                      <a:r>
-                        <a:rPr kumimoji="0" lang="en-US" altLang="ko-KR" sz="1600" kern="1200" dirty="0" smtClean="0">
-                          <a:solidFill>
-                            <a:schemeClr val="tx1"/>
-                          </a:solidFill>
-                          <a:latin typeface="+mn-lt"/>
-                          <a:ea typeface="+mn-ea"/>
-                          <a:cs typeface="+mn-cs"/>
-                        </a:rPr>
-                        <a:t>string</a:t>
-                      </a:r>
-                      <a:r>
-                        <a:rPr kumimoji="0" lang="ko-KR" altLang="en-US" sz="1600" kern="1200" dirty="0" smtClean="0">
-                          <a:solidFill>
-                            <a:schemeClr val="tx1"/>
-                          </a:solidFill>
-                          <a:latin typeface="+mn-lt"/>
-                          <a:ea typeface="+mn-ea"/>
-                          <a:cs typeface="+mn-cs"/>
-                        </a:rPr>
-                        <a:t>이 </a:t>
-                      </a:r>
-                      <a:r>
-                        <a:rPr kumimoji="0" lang="en-US" altLang="ko-KR" sz="1600" kern="1200" dirty="0" smtClean="0">
-                          <a:solidFill>
-                            <a:schemeClr val="tx1"/>
-                          </a:solidFill>
-                          <a:latin typeface="+mn-lt"/>
-                          <a:ea typeface="+mn-ea"/>
-                          <a:cs typeface="+mn-cs"/>
-                        </a:rPr>
-                        <a:t>substring</a:t>
-                      </a:r>
-                      <a:r>
-                        <a:rPr kumimoji="0" lang="ko-KR" altLang="en-US" sz="1600" kern="1200" dirty="0" smtClean="0">
-                          <a:solidFill>
-                            <a:schemeClr val="tx1"/>
-                          </a:solidFill>
-                          <a:latin typeface="+mn-lt"/>
-                          <a:ea typeface="+mn-ea"/>
-                          <a:cs typeface="+mn-cs"/>
-                        </a:rPr>
-                        <a:t>로 끝나면 </a:t>
-                      </a:r>
-                      <a:r>
-                        <a:rPr kumimoji="0" lang="en-US" altLang="ko-KR" sz="1600" kern="1200" dirty="0" smtClean="0">
-                          <a:solidFill>
-                            <a:schemeClr val="tx1"/>
-                          </a:solidFill>
-                          <a:latin typeface="+mn-lt"/>
-                          <a:ea typeface="+mn-ea"/>
-                          <a:cs typeface="+mn-cs"/>
-                        </a:rPr>
-                        <a:t>true</a:t>
-                      </a:r>
-                      <a:r>
-                        <a:rPr kumimoji="0" lang="ko-KR" altLang="en-US" sz="1600" kern="1200" dirty="0" smtClean="0">
-                          <a:solidFill>
-                            <a:schemeClr val="tx1"/>
-                          </a:solidFill>
-                          <a:latin typeface="+mn-lt"/>
-                          <a:ea typeface="+mn-ea"/>
-                          <a:cs typeface="+mn-cs"/>
-                        </a:rPr>
-                        <a:t>값을 리턴</a:t>
-                      </a:r>
-                      <a:endParaRPr kumimoji="0" lang="en-US" altLang="ko-KR" sz="1600" kern="1200" dirty="0">
-                        <a:solidFill>
-                          <a:schemeClr val="tx1"/>
-                        </a:solidFill>
-                        <a:latin typeface="+mn-lt"/>
-                        <a:ea typeface="+mn-ea"/>
-                        <a:cs typeface="+mn-cs"/>
-                      </a:endParaRPr>
-                    </a:p>
-                  </a:txBody>
-                  <a:tcPr marL="17907" marR="17907" marT="17907" marB="17907" anchor="ctr"/>
-                </a:tc>
-              </a:tr>
-              <a:tr h="792088">
-                <a:tc>
-                  <a:txBody>
-                    <a:bodyPr/>
-                    <a:lstStyle/>
-                    <a:p>
-                      <a:pPr marL="177800" marR="0" indent="-177800" algn="just" rtl="0" eaLnBrk="1" latinLnBrk="1" hangingPunct="1">
-                        <a:lnSpc>
-                          <a:spcPct val="160000"/>
-                        </a:lnSpc>
-                        <a:spcBef>
-                          <a:spcPts val="0"/>
-                        </a:spcBef>
-                        <a:spcAft>
-                          <a:spcPts val="0"/>
-                        </a:spcAft>
-                        <a:buFont typeface="Wingdings" panose="05000000000000000000" pitchFamily="2" charset="2"/>
-                        <a:buChar char="§"/>
-                      </a:pPr>
-                      <a:r>
-                        <a:rPr kumimoji="0" lang="en-US" altLang="ko-KR" sz="1600" kern="1200" dirty="0" err="1" smtClean="0">
-                          <a:solidFill>
-                            <a:schemeClr val="tx1"/>
-                          </a:solidFill>
-                          <a:latin typeface="+mn-lt"/>
-                          <a:ea typeface="+mn-ea"/>
-                          <a:cs typeface="+mn-cs"/>
-                        </a:rPr>
-                        <a:t>escapeXml</a:t>
-                      </a:r>
-                      <a:r>
-                        <a:rPr kumimoji="0" lang="en-US" altLang="ko-KR" sz="1600" kern="1200" dirty="0" smtClean="0">
-                          <a:solidFill>
-                            <a:schemeClr val="tx1"/>
-                          </a:solidFill>
-                          <a:latin typeface="+mn-lt"/>
-                          <a:ea typeface="+mn-ea"/>
-                          <a:cs typeface="+mn-cs"/>
-                        </a:rPr>
-                        <a:t>(String string) : </a:t>
-                      </a:r>
-                      <a:r>
-                        <a:rPr lang="en-US" altLang="ko-KR" sz="1600" dirty="0" smtClean="0">
-                          <a:solidFill>
-                            <a:schemeClr val="tx1"/>
-                          </a:solidFill>
-                        </a:rPr>
-                        <a:t>String </a:t>
-                      </a:r>
-                      <a:endParaRPr kumimoji="0" lang="ko-KR" altLang="en-US" sz="1600" kern="1200" dirty="0" smtClean="0">
-                        <a:solidFill>
-                          <a:schemeClr val="tx1"/>
-                        </a:solidFill>
-                        <a:latin typeface="+mn-lt"/>
-                        <a:ea typeface="+mn-ea"/>
-                        <a:cs typeface="+mn-cs"/>
-                      </a:endParaRPr>
-                    </a:p>
-                    <a:p>
-                      <a:pPr marL="0" marR="0" indent="177800" algn="just" rtl="0" eaLnBrk="1" latinLnBrk="1" hangingPunct="1">
-                        <a:lnSpc>
-                          <a:spcPct val="160000"/>
-                        </a:lnSpc>
-                        <a:spcBef>
-                          <a:spcPts val="0"/>
-                        </a:spcBef>
-                        <a:spcAft>
-                          <a:spcPts val="0"/>
-                        </a:spcAft>
-                      </a:pPr>
-                      <a:r>
-                        <a:rPr lang="en-US" altLang="ko-KR" sz="1600" dirty="0" smtClean="0">
-                          <a:solidFill>
-                            <a:schemeClr val="tx1"/>
-                          </a:solidFill>
-                        </a:rPr>
-                        <a:t>string</a:t>
-                      </a:r>
-                      <a:r>
-                        <a:rPr lang="ko-KR" altLang="en-US" sz="1600" dirty="0" smtClean="0">
-                          <a:solidFill>
-                            <a:schemeClr val="tx1"/>
-                          </a:solidFill>
-                        </a:rPr>
-                        <a:t>에 있는 </a:t>
-                      </a:r>
-                      <a:r>
-                        <a:rPr lang="en-US" altLang="ko-KR" sz="1600" dirty="0" smtClean="0">
-                          <a:solidFill>
-                            <a:schemeClr val="tx1"/>
-                          </a:solidFill>
-                        </a:rPr>
-                        <a:t>&lt; &gt;&amp; ' " </a:t>
-                      </a:r>
-                      <a:r>
-                        <a:rPr lang="ko-KR" altLang="en-US" sz="1600" dirty="0" smtClean="0">
-                          <a:solidFill>
-                            <a:schemeClr val="tx1"/>
-                          </a:solidFill>
-                        </a:rPr>
-                        <a:t>문자들을 각각 </a:t>
-                      </a:r>
-                      <a:r>
-                        <a:rPr lang="en-US" altLang="ko-KR" sz="1600" dirty="0" smtClean="0">
-                          <a:solidFill>
-                            <a:schemeClr val="tx1"/>
-                          </a:solidFill>
-                        </a:rPr>
-                        <a:t>&amp;</a:t>
-                      </a:r>
-                      <a:r>
-                        <a:rPr lang="en-US" altLang="ko-KR" sz="1600" dirty="0" err="1" smtClean="0">
-                          <a:solidFill>
-                            <a:schemeClr val="tx1"/>
-                          </a:solidFill>
-                        </a:rPr>
-                        <a:t>lt</a:t>
-                      </a:r>
-                      <a:r>
-                        <a:rPr lang="en-US" altLang="ko-KR" sz="1600" dirty="0" smtClean="0">
-                          <a:solidFill>
-                            <a:schemeClr val="tx1"/>
-                          </a:solidFill>
-                        </a:rPr>
-                        <a:t>; &amp;</a:t>
-                      </a:r>
-                      <a:r>
-                        <a:rPr lang="en-US" altLang="ko-KR" sz="1600" dirty="0" err="1" smtClean="0">
-                          <a:solidFill>
-                            <a:schemeClr val="tx1"/>
-                          </a:solidFill>
-                        </a:rPr>
-                        <a:t>gt</a:t>
-                      </a:r>
-                      <a:r>
-                        <a:rPr lang="en-US" altLang="ko-KR" sz="1600" dirty="0" smtClean="0">
-                          <a:solidFill>
-                            <a:schemeClr val="tx1"/>
-                          </a:solidFill>
-                        </a:rPr>
-                        <a:t>; &amp;amp; &amp;#039; &amp;#034;</a:t>
-                      </a:r>
-                      <a:r>
-                        <a:rPr lang="ko-KR" altLang="en-US" sz="1600" dirty="0" smtClean="0">
-                          <a:solidFill>
-                            <a:schemeClr val="tx1"/>
-                          </a:solidFill>
-                        </a:rPr>
-                        <a:t>로 바꿔준 뒤 문자열을 리턴</a:t>
-                      </a:r>
-                      <a:endParaRPr kumimoji="0" lang="en-US" altLang="ko-KR" sz="1600" kern="1200" dirty="0">
-                        <a:solidFill>
-                          <a:schemeClr val="tx1"/>
-                        </a:solidFill>
-                        <a:latin typeface="+mn-lt"/>
-                        <a:ea typeface="+mn-ea"/>
-                        <a:cs typeface="+mn-cs"/>
-                      </a:endParaRPr>
-                    </a:p>
-                  </a:txBody>
-                  <a:tcPr marL="17907" marR="17907" marT="17907" marB="17907" anchor="ctr"/>
-                </a:tc>
-              </a:tr>
-            </a:tbl>
-          </a:graphicData>
-        </a:graphic>
-      </p:graphicFrame>
+      <p:sp>
+        <p:nvSpPr>
+          <p:cNvPr id="4" name="Shape 717"/>
+          <p:cNvSpPr/>
+          <p:nvPr/>
+        </p:nvSpPr>
+        <p:spPr>
+          <a:xfrm>
+            <a:off x="899592" y="2852936"/>
+            <a:ext cx="6521081" cy="379591"/>
+          </a:xfrm>
+          <a:prstGeom prst="rect">
+            <a:avLst/>
+          </a:prstGeom>
+          <a:ln w="12700">
+            <a:miter lim="400000"/>
+          </a:ln>
+          <a:extLst>
+            <a:ext uri="{C572A759-6A51-4108-AA02-DFA0A04FC94B}">
+              <ma14:wrappingTextBoxFlag xmlns:ma14="http://schemas.microsoft.com/office/mac/drawingml/2011/main" xmlns="" val="1"/>
+            </a:ext>
+          </a:extLst>
+        </p:spPr>
+        <p:txBody>
+          <a:bodyPr wrap="none" lIns="50800" tIns="50800" rIns="50800" bIns="50800" anchor="ctr">
+            <a:spAutoFit/>
+          </a:bodyPr>
+          <a:lstStyle>
+            <a:lvl1pPr algn="ctr">
+              <a:defRPr sz="1600"/>
+            </a:lvl1pPr>
+          </a:lstStyle>
+          <a:p>
+            <a:pPr algn="l"/>
+            <a:r>
+              <a:rPr lang="it-IT" altLang="ko-KR" sz="1800" dirty="0"/>
+              <a:t>&lt;%@ taglib prefix="fn" uri="http://java.sun.com/jsp/jstl/functions" %&gt;</a:t>
+            </a:r>
+            <a:endParaRPr sz="1800" dirty="0"/>
+          </a:p>
+        </p:txBody>
+      </p:sp>
     </p:spTree>
     <p:extLst>
       <p:ext uri="{BB962C8B-B14F-4D97-AF65-F5344CB8AC3E}">
-        <p14:creationId xmlns:p14="http://schemas.microsoft.com/office/powerpoint/2010/main" val="386641206"/>
+        <p14:creationId xmlns:p14="http://schemas.microsoft.com/office/powerpoint/2010/main" val="3734582968"/>
       </p:ext>
     </p:extLst>
   </p:cSld>
@@ -16713,14 +16801,14 @@
           <p:nvPr>
             <p:extLst>
               <p:ext uri="{D42A27DB-BD31-4B8C-83A1-F6EECF244321}">
-                <p14:modId xmlns:p14="http://schemas.microsoft.com/office/powerpoint/2010/main" val="4162399065"/>
+                <p14:modId xmlns:p14="http://schemas.microsoft.com/office/powerpoint/2010/main" val="3615075026"/>
               </p:ext>
             </p:extLst>
           </p:nvPr>
         </p:nvGraphicFramePr>
         <p:xfrm>
           <a:off x="827584" y="1844824"/>
-          <a:ext cx="7416824" cy="3860174"/>
+          <a:ext cx="7416824" cy="4298346"/>
         </p:xfrm>
         <a:graphic>
           <a:graphicData uri="http://schemas.openxmlformats.org/drawingml/2006/table">
@@ -16799,12 +16887,8 @@
                         <a:buChar char="§"/>
                       </a:pPr>
                       <a:r>
-                        <a:rPr lang="en-US" altLang="ko-KR" sz="1600" dirty="0" err="1" smtClean="0"/>
-                        <a:t>indexOf</a:t>
-                      </a:r>
-                      <a:r>
                         <a:rPr lang="en-US" altLang="ko-KR" sz="1600" dirty="0" smtClean="0"/>
-                        <a:t>(String </a:t>
+                        <a:t>contains(String </a:t>
                       </a:r>
                       <a:r>
                         <a:rPr lang="en-US" altLang="ko-KR" sz="1600" dirty="0" err="1" smtClean="0"/>
@@ -16824,9 +16908,12 @@
                       </a:r>
                       <a:r>
                         <a:rPr lang="en-US" altLang="ko-KR" sz="1600" dirty="0" err="1" smtClean="0"/>
-                        <a:t>int</a:t>
-                      </a:r>
-                      <a:endParaRPr lang="en-US" altLang="ko-KR" sz="1600" dirty="0" smtClean="0"/>
+                        <a:t>boolean</a:t>
+                      </a:r>
+                      <a:r>
+                        <a:rPr lang="en-US" altLang="ko-KR" sz="1600" dirty="0" smtClean="0"/>
+                        <a:t> </a:t>
+                      </a:r>
                     </a:p>
                     <a:p>
                       <a:pPr marL="0" marR="0" indent="177800" algn="just">
@@ -16841,38 +16928,29 @@
                         </a:spcAft>
                       </a:pPr>
                       <a:r>
-                        <a:rPr lang="en-US" altLang="ko-KR" sz="1600" dirty="0" smtClean="0">
-                          <a:solidFill>
-                            <a:schemeClr val="tx1"/>
-                          </a:solidFill>
-                        </a:rPr>
+                        <a:rPr lang="en-US" altLang="ko-KR" sz="1600" dirty="0" smtClean="0"/>
                         <a:t>string</a:t>
                       </a:r>
                       <a:r>
-                        <a:rPr lang="ko-KR" altLang="en-US" sz="1600" dirty="0" smtClean="0">
-                          <a:solidFill>
-                            <a:schemeClr val="tx1"/>
-                          </a:solidFill>
-                        </a:rPr>
-                        <a:t>에서 </a:t>
-                      </a:r>
-                      <a:r>
-                        <a:rPr lang="en-US" altLang="ko-KR" sz="1600" dirty="0" smtClean="0">
-                          <a:solidFill>
-                            <a:schemeClr val="tx1"/>
-                          </a:solidFill>
-                        </a:rPr>
+                        <a:rPr lang="ko-KR" altLang="en-US" sz="1600" dirty="0" smtClean="0"/>
+                        <a:t>이 </a:t>
+                      </a:r>
+                      <a:r>
+                        <a:rPr lang="en-US" altLang="ko-KR" sz="1600" dirty="0" smtClean="0"/>
                         <a:t>substring</a:t>
                       </a:r>
                       <a:r>
-                        <a:rPr lang="ko-KR" altLang="en-US" sz="1600" dirty="0" smtClean="0">
-                          <a:solidFill>
-                            <a:schemeClr val="tx1"/>
-                          </a:solidFill>
-                        </a:rPr>
-                        <a:t>이 처음으로 나타나는 인덱스 번호를 리턴</a:t>
-                      </a:r>
-                      <a:endParaRPr lang="ko-KR" altLang="en-US" sz="1600" dirty="0" smtClean="0"/>
+                        <a:rPr lang="ko-KR" altLang="en-US" sz="1600" dirty="0" smtClean="0"/>
+                        <a:t>을 포함하면 </a:t>
+                      </a:r>
+                      <a:r>
+                        <a:rPr lang="en-US" altLang="ko-KR" sz="1600" dirty="0" smtClean="0"/>
+                        <a:t>true</a:t>
+                      </a:r>
+                      <a:r>
+                        <a:rPr lang="ko-KR" altLang="en-US" sz="1600" dirty="0" smtClean="0"/>
+                        <a:t>값을 리턴</a:t>
+                      </a:r>
                     </a:p>
                   </a:txBody>
                   <a:tcPr marL="17907" marR="17907" marT="17907" marB="17907" anchor="ctr"/>
@@ -16898,16 +16976,48 @@
                         <a:buChar char="§"/>
                       </a:pPr>
                       <a:r>
+                        <a:rPr lang="en-US" altLang="ko-KR" sz="1600" dirty="0" err="1" smtClean="0">
+                          <a:solidFill>
+                            <a:schemeClr val="tx1"/>
+                          </a:solidFill>
+                        </a:rPr>
+                        <a:t>containsIgnoreCase</a:t>
+                      </a:r>
+                      <a:r>
                         <a:rPr lang="en-US" altLang="ko-KR" sz="1600" dirty="0" smtClean="0">
                           <a:solidFill>
                             <a:schemeClr val="tx1"/>
                           </a:solidFill>
                         </a:rPr>
-                        <a:t>join(String[] array, String separator) </a:t>
+                        <a:t>(String </a:t>
+                      </a:r>
+                      <a:r>
+                        <a:rPr lang="en-US" altLang="ko-KR" sz="1600" dirty="0" err="1" smtClean="0">
+                          <a:solidFill>
+                            <a:schemeClr val="tx1"/>
+                          </a:solidFill>
+                        </a:rPr>
+                        <a:t>string</a:t>
+                      </a:r>
+                      <a:r>
+                        <a:rPr lang="en-US" altLang="ko-KR" sz="1600" dirty="0" smtClean="0">
+                          <a:solidFill>
+                            <a:schemeClr val="tx1"/>
+                          </a:solidFill>
+                        </a:rPr>
+                        <a:t>, String substring) </a:t>
                       </a:r>
                       <a:r>
                         <a:rPr lang="en-US" altLang="ko-KR" sz="1600" dirty="0" smtClean="0"/>
-                        <a:t>: String</a:t>
+                        <a:t>: </a:t>
+                      </a:r>
+                      <a:r>
+                        <a:rPr lang="en-US" altLang="ko-KR" sz="1600" dirty="0" err="1" smtClean="0"/>
+                        <a:t>boolean</a:t>
+                      </a:r>
+                      <a:r>
+                        <a:rPr lang="en-US" altLang="ko-KR" sz="1600" dirty="0" smtClean="0"/>
+                        <a:t> </a:t>
                       </a:r>
                     </a:p>
                     <a:p>
@@ -16923,53 +17033,82 @@
                         </a:spcAft>
                       </a:pPr>
                       <a:r>
-                        <a:rPr lang="ko-KR" altLang="en-US" sz="1600" dirty="0" smtClean="0">
+                        <a:rPr kumimoji="0" lang="ko-KR" altLang="en-US" sz="1600" kern="1200" dirty="0" smtClean="0">
                           <a:solidFill>
                             <a:schemeClr val="tx1"/>
                           </a:solidFill>
-                        </a:rPr>
-                        <a:t>배열 요소들을 </a:t>
-                      </a:r>
-                      <a:r>
-                        <a:rPr lang="en-US" altLang="ko-KR" sz="1600" dirty="0" smtClean="0">
+                          <a:latin typeface="+mn-lt"/>
+                          <a:ea typeface="+mn-ea"/>
+                          <a:cs typeface="+mn-cs"/>
+                        </a:rPr>
+                        <a:t>대소문자에 관계없이</a:t>
+                      </a:r>
+                      <a:r>
+                        <a:rPr kumimoji="0" lang="en-US" altLang="ko-KR" sz="1600" kern="1200" dirty="0" smtClean="0">
                           <a:solidFill>
                             <a:schemeClr val="tx1"/>
                           </a:solidFill>
-                        </a:rPr>
-                        <a:t>separator</a:t>
-                      </a:r>
-                      <a:r>
-                        <a:rPr lang="ko-KR" altLang="en-US" sz="1600" dirty="0" smtClean="0">
+                          <a:latin typeface="+mn-lt"/>
+                          <a:ea typeface="+mn-ea"/>
+                          <a:cs typeface="+mn-cs"/>
+                        </a:rPr>
+                        <a:t>, string</a:t>
+                      </a:r>
+                      <a:r>
+                        <a:rPr kumimoji="0" lang="ko-KR" altLang="en-US" sz="1600" kern="1200" dirty="0" smtClean="0">
                           <a:solidFill>
                             <a:schemeClr val="tx1"/>
                           </a:solidFill>
-                        </a:rPr>
-                        <a:t>를 </a:t>
-                      </a:r>
-                      <a:r>
-                        <a:rPr lang="ko-KR" altLang="en-US" sz="1600" dirty="0" err="1" smtClean="0">
+                          <a:latin typeface="+mn-lt"/>
+                          <a:ea typeface="+mn-ea"/>
+                          <a:cs typeface="+mn-cs"/>
+                        </a:rPr>
+                        <a:t>이 </a:t>
+                      </a:r>
+                      <a:r>
+                        <a:rPr kumimoji="0" lang="en-US" altLang="ko-KR" sz="1600" kern="1200" dirty="0" smtClean="0">
                           <a:solidFill>
                             <a:schemeClr val="tx1"/>
                           </a:solidFill>
-                        </a:rPr>
-                        <a:t>구분자로</a:t>
-                      </a:r>
-                      <a:r>
-                        <a:rPr lang="ko-KR" altLang="en-US" sz="1600" dirty="0" smtClean="0">
+                          <a:latin typeface="+mn-lt"/>
+                          <a:ea typeface="+mn-ea"/>
+                          <a:cs typeface="+mn-cs"/>
+                        </a:rPr>
+                        <a:t>substring</a:t>
+                      </a:r>
+                      <a:r>
+                        <a:rPr kumimoji="0" lang="ko-KR" altLang="en-US" sz="1600" kern="1200" dirty="0" smtClean="0">
                           <a:solidFill>
                             <a:schemeClr val="tx1"/>
                           </a:solidFill>
-                        </a:rPr>
-                        <a:t> 하여 모두 연결해서 리턴</a:t>
-                      </a:r>
-                      <a:endParaRPr kumimoji="0" lang="ko-KR" altLang="en-US" sz="1600" kern="1200" dirty="0" smtClean="0">
-                        <a:solidFill>
-                          <a:schemeClr val="tx1"/>
-                        </a:solidFill>
-                        <a:latin typeface="+mn-lt"/>
-                        <a:ea typeface="+mn-ea"/>
-                        <a:cs typeface="+mn-cs"/>
-                      </a:endParaRPr>
+                          <a:latin typeface="+mn-lt"/>
+                          <a:ea typeface="+mn-ea"/>
+                          <a:cs typeface="+mn-cs"/>
+                        </a:rPr>
+                        <a:t>을 포함하면 </a:t>
+                      </a:r>
+                      <a:r>
+                        <a:rPr kumimoji="0" lang="en-US" altLang="ko-KR" sz="1600" kern="1200" dirty="0" smtClean="0">
+                          <a:solidFill>
+                            <a:schemeClr val="tx1"/>
+                          </a:solidFill>
+                          <a:latin typeface="+mn-lt"/>
+                          <a:ea typeface="+mn-ea"/>
+                          <a:cs typeface="+mn-cs"/>
+                        </a:rPr>
+                        <a:t>true</a:t>
+                      </a:r>
+                      <a:r>
+                        <a:rPr kumimoji="0" lang="ko-KR" altLang="en-US" sz="1600" kern="1200" dirty="0" smtClean="0">
+                          <a:solidFill>
+                            <a:schemeClr val="tx1"/>
+                          </a:solidFill>
+                          <a:latin typeface="+mn-lt"/>
+                          <a:ea typeface="+mn-ea"/>
+                          <a:cs typeface="+mn-cs"/>
+                        </a:rPr>
+                        <a:t>값을 리턴</a:t>
+                      </a:r>
                     </a:p>
                   </a:txBody>
                   <a:tcPr marL="17907" marR="17907" marT="17907" marB="17907" anchor="ctr"/>
@@ -16995,6 +17134,17 @@
                         <a:buChar char="§"/>
                       </a:pPr>
                       <a:r>
+                        <a:rPr kumimoji="0" lang="en-US" altLang="ko-KR" sz="1600" kern="1200" dirty="0" err="1" smtClean="0">
+                          <a:solidFill>
+                            <a:schemeClr val="tx1"/>
+                          </a:solidFill>
+                          <a:latin typeface="+mn-lt"/>
+                          <a:ea typeface="+mn-ea"/>
+                          <a:cs typeface="+mn-cs"/>
+                        </a:rPr>
+                        <a:t>endsWith</a:t>
+                      </a:r>
+                      <a:r>
                         <a:rPr kumimoji="0" lang="en-US" altLang="ko-KR" sz="1600" kern="1200" dirty="0" smtClean="0">
                           <a:solidFill>
                             <a:schemeClr val="tx1"/>
@@ -17003,13 +17153,39 @@
                           <a:ea typeface="+mn-ea"/>
                           <a:cs typeface="+mn-cs"/>
                         </a:rPr>
-                        <a:t>length(Object item) : </a:t>
+                        <a:t>(String </a:t>
+                      </a:r>
+                      <a:r>
+                        <a:rPr kumimoji="0" lang="en-US" altLang="ko-KR" sz="1600" kern="1200" dirty="0" err="1" smtClean="0">
+                          <a:solidFill>
+                            <a:schemeClr val="tx1"/>
+                          </a:solidFill>
+                          <a:latin typeface="+mn-lt"/>
+                          <a:ea typeface="+mn-ea"/>
+                          <a:cs typeface="+mn-cs"/>
+                        </a:rPr>
+                        <a:t>string</a:t>
+                      </a:r>
+                      <a:r>
+                        <a:rPr kumimoji="0" lang="en-US" altLang="ko-KR" sz="1600" kern="1200" dirty="0" smtClean="0">
+                          <a:solidFill>
+                            <a:schemeClr val="tx1"/>
+                          </a:solidFill>
+                          <a:latin typeface="+mn-lt"/>
+                          <a:ea typeface="+mn-ea"/>
+                          <a:cs typeface="+mn-cs"/>
+                        </a:rPr>
+                        <a:t>, String substring): </a:t>
                       </a:r>
                       <a:r>
                         <a:rPr lang="en-US" altLang="ko-KR" sz="1600" dirty="0" err="1" smtClean="0"/>
-                        <a:t>int</a:t>
-                      </a:r>
-                      <a:endParaRPr kumimoji="0" lang="ko-KR" altLang="en-US" sz="1600" kern="1200" dirty="0" smtClean="0">
+                        <a:t>boolean</a:t>
+                      </a:r>
+                      <a:r>
+                        <a:rPr lang="en-US" altLang="ko-KR" sz="1600" dirty="0" smtClean="0"/>
+                        <a:t> </a:t>
+                      </a:r>
+                      <a:endParaRPr kumimoji="0" lang="ko-KR" altLang="en-US" sz="1600" kern="1200" dirty="0">
                         <a:solidFill>
                           <a:schemeClr val="tx1"/>
                         </a:solidFill>
@@ -17031,36 +17207,70 @@
                         </a:spcAft>
                       </a:pPr>
                       <a:r>
-                        <a:rPr lang="en-US" altLang="ko-KR" sz="1600" dirty="0" smtClean="0">
+                        <a:rPr kumimoji="0" lang="en-US" altLang="ko-KR" sz="1600" kern="1200" dirty="0" smtClean="0">
                           <a:solidFill>
                             <a:schemeClr val="tx1"/>
                           </a:solidFill>
-                        </a:rPr>
-                        <a:t>item</a:t>
-                      </a:r>
-                      <a:r>
-                        <a:rPr lang="ko-KR" altLang="en-US" sz="1600" dirty="0" smtClean="0">
+                          <a:latin typeface="+mn-lt"/>
+                          <a:ea typeface="+mn-ea"/>
+                          <a:cs typeface="+mn-cs"/>
+                        </a:rPr>
+                        <a:t>string</a:t>
+                      </a:r>
+                      <a:r>
+                        <a:rPr kumimoji="0" lang="ko-KR" altLang="en-US" sz="1600" kern="1200" dirty="0" smtClean="0">
                           <a:solidFill>
                             <a:schemeClr val="tx1"/>
                           </a:solidFill>
-                        </a:rPr>
-                        <a:t>이 배열이나 컬렉션이면 요소의 개수를</a:t>
-                      </a:r>
-                      <a:r>
-                        <a:rPr lang="en-US" altLang="ko-KR" sz="1600" dirty="0" smtClean="0">
+                          <a:latin typeface="+mn-lt"/>
+                          <a:ea typeface="+mn-ea"/>
+                          <a:cs typeface="+mn-cs"/>
+                        </a:rPr>
+                        <a:t>이 </a:t>
+                      </a:r>
+                      <a:r>
+                        <a:rPr kumimoji="0" lang="en-US" altLang="ko-KR" sz="1600" kern="1200" dirty="0" smtClean="0">
                           <a:solidFill>
                             <a:schemeClr val="tx1"/>
                           </a:solidFill>
-                        </a:rPr>
-                        <a:t>, </a:t>
-                      </a:r>
-                      <a:r>
-                        <a:rPr lang="ko-KR" altLang="en-US" sz="1600" dirty="0" smtClean="0">
+                          <a:latin typeface="+mn-lt"/>
+                          <a:ea typeface="+mn-ea"/>
+                          <a:cs typeface="+mn-cs"/>
+                        </a:rPr>
+                        <a:t>substring</a:t>
+                      </a:r>
+                      <a:r>
+                        <a:rPr kumimoji="0" lang="ko-KR" altLang="en-US" sz="1600" kern="1200" dirty="0" smtClean="0">
                           <a:solidFill>
                             <a:schemeClr val="tx1"/>
                           </a:solidFill>
-                        </a:rPr>
-                        <a:t>문자열이면 문자의 개수를 리턴</a:t>
+                          <a:latin typeface="+mn-lt"/>
+                          <a:ea typeface="+mn-ea"/>
+                          <a:cs typeface="+mn-cs"/>
+                        </a:rPr>
+                        <a:t>로 끝나면 </a:t>
+                      </a:r>
+                      <a:r>
+                        <a:rPr kumimoji="0" lang="en-US" altLang="ko-KR" sz="1600" kern="1200" dirty="0" smtClean="0">
+                          <a:solidFill>
+                            <a:schemeClr val="tx1"/>
+                          </a:solidFill>
+                          <a:latin typeface="+mn-lt"/>
+                          <a:ea typeface="+mn-ea"/>
+                          <a:cs typeface="+mn-cs"/>
+                        </a:rPr>
+                        <a:t>true</a:t>
+                      </a:r>
+                      <a:r>
+                        <a:rPr kumimoji="0" lang="ko-KR" altLang="en-US" sz="1600" kern="1200" dirty="0" smtClean="0">
+                          <a:solidFill>
+                            <a:schemeClr val="tx1"/>
+                          </a:solidFill>
+                          <a:latin typeface="+mn-lt"/>
+                          <a:ea typeface="+mn-ea"/>
+                          <a:cs typeface="+mn-cs"/>
+                        </a:rPr>
+                        <a:t>값을 리턴</a:t>
                       </a:r>
                       <a:endParaRPr kumimoji="0" lang="en-US" altLang="ko-KR" sz="1600" kern="1200" dirty="0">
                         <a:solidFill>
@@ -17095,28 +17305,15 @@
                         <a:buChar char="§"/>
                       </a:pPr>
                       <a:r>
-                        <a:rPr lang="en-US" altLang="ko-KR" sz="1600" dirty="0" smtClean="0">
+                        <a:rPr kumimoji="0" lang="en-US" altLang="ko-KR" sz="1600" kern="1200" dirty="0" err="1" smtClean="0">
                           <a:solidFill>
                             <a:schemeClr val="tx1"/>
                           </a:solidFill>
-                        </a:rPr>
-                        <a:t>replace(String </a:t>
-                      </a:r>
-                      <a:r>
-                        <a:rPr lang="en-US" altLang="ko-KR" sz="1600" dirty="0" err="1" smtClean="0">
-                          <a:solidFill>
-                            <a:schemeClr val="tx1"/>
-                          </a:solidFill>
-                        </a:rPr>
-                        <a:t>string</a:t>
-                      </a:r>
-                      <a:r>
-                        <a:rPr lang="en-US" altLang="ko-KR" sz="1600" dirty="0" smtClean="0">
-                          <a:solidFill>
-                            <a:schemeClr val="tx1"/>
-                          </a:solidFill>
-                        </a:rPr>
-                        <a:t>, String before, String after)</a:t>
+                          <a:latin typeface="+mn-lt"/>
+                          <a:ea typeface="+mn-ea"/>
+                          <a:cs typeface="+mn-cs"/>
+                        </a:rPr>
+                        <a:t>escapeXml</a:t>
                       </a:r>
                       <a:r>
                         <a:rPr kumimoji="0" lang="en-US" altLang="ko-KR" sz="1600" kern="1200" dirty="0" smtClean="0">
@@ -17127,7 +17324,7 @@
                           <a:ea typeface="+mn-ea"/>
                           <a:cs typeface="+mn-cs"/>
                         </a:rPr>
-                        <a:t> : </a:t>
+                        <a:t>(String string) : </a:t>
                       </a:r>
                       <a:r>
                         <a:rPr lang="en-US" altLang="ko-KR" sz="1600" dirty="0" smtClean="0">
@@ -17164,7 +17361,7 @@
                             <a:schemeClr val="tx1"/>
                           </a:solidFill>
                         </a:rPr>
-                        <a:t>string </a:t>
+                        <a:t>string</a:t>
                       </a:r>
                       <a:r>
                         <a:rPr lang="ko-KR" altLang="en-US" sz="1600" dirty="0" smtClean="0">
@@ -17172,7 +17369,7 @@
                             <a:schemeClr val="tx1"/>
                           </a:solidFill>
                         </a:rPr>
-                        <a:t>내에 있는 </a:t>
+                        <a:t>에 있는 </a:t>
                       </a:r>
                       <a:r>
                         <a:rPr lang="en-US" altLang="ko-KR" sz="1600" dirty="0" smtClean="0">
@@ -17180,7 +17377,7 @@
                             <a:schemeClr val="tx1"/>
                           </a:solidFill>
                         </a:rPr>
-                        <a:t>before </a:t>
+                        <a:t>&lt; &gt;&amp; ' " </a:t>
                       </a:r>
                       <a:r>
                         <a:rPr lang="ko-KR" altLang="en-US" sz="1600" dirty="0" smtClean="0">
@@ -17188,7 +17385,7 @@
                             <a:schemeClr val="tx1"/>
                           </a:solidFill>
                         </a:rPr>
-                        <a:t>문자열을 </a:t>
+                        <a:t>문자들을 각각 </a:t>
                       </a:r>
                       <a:r>
                         <a:rPr lang="en-US" altLang="ko-KR" sz="1600" dirty="0" smtClean="0">
@@ -17196,7 +17393,39 @@
                             <a:schemeClr val="tx1"/>
                           </a:solidFill>
                         </a:rPr>
-                        <a:t>after </a:t>
+                        <a:t>&amp;</a:t>
+                      </a:r>
+                      <a:r>
+                        <a:rPr lang="en-US" altLang="ko-KR" sz="1600" dirty="0" err="1" smtClean="0">
+                          <a:solidFill>
+                            <a:schemeClr val="tx1"/>
+                          </a:solidFill>
+                        </a:rPr>
+                        <a:t>lt</a:t>
+                      </a:r>
+                      <a:r>
+                        <a:rPr lang="en-US" altLang="ko-KR" sz="1600" dirty="0" smtClean="0">
+                          <a:solidFill>
+                            <a:schemeClr val="tx1"/>
+                          </a:solidFill>
+                        </a:rPr>
+                        <a:t>; &amp;</a:t>
+                      </a:r>
+                      <a:r>
+                        <a:rPr lang="en-US" altLang="ko-KR" sz="1600" dirty="0" err="1" smtClean="0">
+                          <a:solidFill>
+                            <a:schemeClr val="tx1"/>
+                          </a:solidFill>
+                        </a:rPr>
+                        <a:t>gt</a:t>
+                      </a:r>
+                      <a:r>
+                        <a:rPr lang="en-US" altLang="ko-KR" sz="1600" dirty="0" smtClean="0">
+                          <a:solidFill>
+                            <a:schemeClr val="tx1"/>
+                          </a:solidFill>
+                        </a:rPr>
+                        <a:t>; &amp;amp; &amp;#039; &amp;#034;</a:t>
                       </a:r>
                       <a:r>
                         <a:rPr lang="ko-KR" altLang="en-US" sz="1600" dirty="0" smtClean="0">
@@ -17204,8 +17433,16 @@
                             <a:schemeClr val="tx1"/>
                           </a:solidFill>
                         </a:rPr>
-                        <a:t>문자열로 모두 바꿔서 리턴</a:t>
-                      </a:r>
+                        <a:t>로 바꿔준 뒤 문자열을 리턴</a:t>
+                      </a:r>
+                      <a:endParaRPr kumimoji="0" lang="en-US" altLang="ko-KR" sz="1600" kern="1200" dirty="0">
+                        <a:solidFill>
+                          <a:schemeClr val="tx1"/>
+                        </a:solidFill>
+                        <a:latin typeface="+mn-lt"/>
+                        <a:ea typeface="+mn-ea"/>
+                        <a:cs typeface="+mn-cs"/>
+                      </a:endParaRPr>
                     </a:p>
                   </a:txBody>
                   <a:tcPr marL="17907" marR="17907" marT="17907" marB="17907" anchor="ctr"/>
@@ -17218,7 +17455,7 @@
     </p:spTree>
     <p:extLst>
       <p:ext uri="{BB962C8B-B14F-4D97-AF65-F5344CB8AC3E}">
-        <p14:creationId xmlns:p14="http://schemas.microsoft.com/office/powerpoint/2010/main" val="1302018012"/>
+        <p14:creationId xmlns:p14="http://schemas.microsoft.com/office/powerpoint/2010/main" val="386641206"/>
       </p:ext>
     </p:extLst>
   </p:cSld>
@@ -17841,14 +18078,14 @@
           <p:nvPr>
             <p:extLst>
               <p:ext uri="{D42A27DB-BD31-4B8C-83A1-F6EECF244321}">
-                <p14:modId xmlns:p14="http://schemas.microsoft.com/office/powerpoint/2010/main" val="2327152960"/>
+                <p14:modId xmlns:p14="http://schemas.microsoft.com/office/powerpoint/2010/main" val="4162399065"/>
               </p:ext>
             </p:extLst>
           </p:nvPr>
         </p:nvGraphicFramePr>
         <p:xfrm>
           <a:off x="827584" y="1844824"/>
-          <a:ext cx="7416824" cy="4102637"/>
+          <a:ext cx="7416824" cy="3908202"/>
         </p:xfrm>
         <a:graphic>
           <a:graphicData uri="http://schemas.openxmlformats.org/drawingml/2006/table">
@@ -17927,28 +18164,20 @@
                         <a:buChar char="§"/>
                       </a:pPr>
                       <a:r>
-                        <a:rPr lang="en-US" altLang="ko-KR" sz="1600" dirty="0" smtClean="0">
-                          <a:solidFill>
-                            <a:schemeClr val="tx1"/>
-                          </a:solidFill>
-                        </a:rPr>
-                        <a:t>split(String </a:t>
-                      </a:r>
-                      <a:r>
-                        <a:rPr lang="en-US" altLang="ko-KR" sz="1600" dirty="0" err="1" smtClean="0">
-                          <a:solidFill>
-                            <a:schemeClr val="tx1"/>
-                          </a:solidFill>
-                        </a:rPr>
+                        <a:rPr lang="en-US" altLang="ko-KR" sz="1600" dirty="0" err="1" smtClean="0"/>
+                        <a:t>indexOf</a:t>
+                      </a:r>
+                      <a:r>
+                        <a:rPr lang="en-US" altLang="ko-KR" sz="1600" dirty="0" smtClean="0"/>
+                        <a:t>(String </a:t>
+                      </a:r>
+                      <a:r>
+                        <a:rPr lang="en-US" altLang="ko-KR" sz="1600" dirty="0" err="1" smtClean="0"/>
                         <a:t>string</a:t>
                       </a:r>
                       <a:r>
-                        <a:rPr lang="en-US" altLang="ko-KR" sz="1600" dirty="0" smtClean="0">
-                          <a:solidFill>
-                            <a:schemeClr val="tx1"/>
-                          </a:solidFill>
-                        </a:rPr>
-                        <a:t>, String separator)</a:t>
+                        <a:rPr lang="en-US" altLang="ko-KR" sz="1600" dirty="0" smtClean="0"/>
+                        <a:t>, String substring)</a:t>
                       </a:r>
                       <a:r>
                         <a:rPr lang="ko-KR" altLang="en-US" sz="1600" dirty="0" smtClean="0"/>
@@ -17956,8 +18185,13 @@
                       </a:r>
                       <a:r>
                         <a:rPr lang="en-US" altLang="ko-KR" sz="1600" dirty="0" smtClean="0"/>
-                        <a:t>: String[]</a:t>
-                      </a:r>
+                        <a:t>: </a:t>
+                      </a:r>
+                      <a:r>
+                        <a:rPr lang="en-US" altLang="ko-KR" sz="1600" dirty="0" err="1" smtClean="0"/>
+                        <a:t>int</a:t>
+                      </a:r>
+                      <a:endParaRPr lang="en-US" altLang="ko-KR" sz="1600" dirty="0" smtClean="0"/>
                     </a:p>
                     <a:p>
                       <a:pPr marL="0" marR="0" indent="177800" algn="just">
@@ -17977,7 +18211,7 @@
                             <a:schemeClr val="tx1"/>
                           </a:solidFill>
                         </a:rPr>
-                        <a:t>string </a:t>
+                        <a:t>string</a:t>
                       </a:r>
                       <a:r>
                         <a:rPr lang="ko-KR" altLang="en-US" sz="1600" dirty="0" smtClean="0">
@@ -17985,7 +18219,7 @@
                             <a:schemeClr val="tx1"/>
                           </a:solidFill>
                         </a:rPr>
-                        <a:t>내의 문자열을 </a:t>
+                        <a:t>에서 </a:t>
                       </a:r>
                       <a:r>
                         <a:rPr lang="en-US" altLang="ko-KR" sz="1600" dirty="0" smtClean="0">
@@ -17993,7 +18227,7 @@
                             <a:schemeClr val="tx1"/>
                           </a:solidFill>
                         </a:rPr>
-                        <a:t>separator</a:t>
+                        <a:t>substring</a:t>
                       </a:r>
                       <a:r>
                         <a:rPr lang="ko-KR" altLang="en-US" sz="1600" dirty="0" smtClean="0">
@@ -18001,23 +18235,7 @@
                             <a:schemeClr val="tx1"/>
                           </a:solidFill>
                         </a:rPr>
-                        <a:t>에 따라 분할하고</a:t>
-                      </a:r>
-                      <a:r>
-                        <a:rPr lang="en-US" altLang="ko-KR" sz="1600" dirty="0" smtClean="0">
-                          <a:solidFill>
-                            <a:schemeClr val="tx1"/>
-                          </a:solidFill>
-                        </a:rPr>
-                        <a:t>, </a:t>
-                      </a:r>
-                      <a:r>
-                        <a:rPr lang="ko-KR" altLang="en-US" sz="1600" dirty="0" smtClean="0">
-                          <a:solidFill>
-                            <a:schemeClr val="tx1"/>
-                          </a:solidFill>
-                        </a:rPr>
-                        <a:t>이 분할한 문자열들을 배열로 구성해서 리턴</a:t>
+                        <a:t>이 처음으로 나타나는 인덱스 번호를 리턴</a:t>
                       </a:r>
                       <a:endParaRPr lang="ko-KR" altLang="en-US" sz="1600" dirty="0" smtClean="0"/>
                     </a:p>
@@ -18045,46 +18263,17 @@
                         <a:buChar char="§"/>
                       </a:pPr>
                       <a:r>
-                        <a:rPr lang="en-US" altLang="ko-KR" sz="1600" dirty="0" err="1" smtClean="0">
-                          <a:solidFill>
-                            <a:schemeClr val="tx1"/>
-                          </a:solidFill>
-                        </a:rPr>
-                        <a:t>startsWith</a:t>
-                      </a:r>
-                      <a:r>
                         <a:rPr lang="en-US" altLang="ko-KR" sz="1600" dirty="0" smtClean="0">
                           <a:solidFill>
                             <a:schemeClr val="tx1"/>
                           </a:solidFill>
                         </a:rPr>
-                        <a:t>(String </a:t>
-                      </a:r>
-                      <a:r>
-                        <a:rPr lang="en-US" altLang="ko-KR" sz="1600" dirty="0" err="1" smtClean="0">
-                          <a:solidFill>
-                            <a:schemeClr val="tx1"/>
-                          </a:solidFill>
-                        </a:rPr>
-                        <a:t>string</a:t>
-                      </a:r>
-                      <a:r>
-                        <a:rPr lang="en-US" altLang="ko-KR" sz="1600" dirty="0" smtClean="0">
-                          <a:solidFill>
-                            <a:schemeClr val="tx1"/>
-                          </a:solidFill>
-                        </a:rPr>
-                        <a:t>, String prefix) </a:t>
+                        <a:t>join(String[] array, String separator) </a:t>
                       </a:r>
                       <a:r>
                         <a:rPr lang="en-US" altLang="ko-KR" sz="1600" dirty="0" smtClean="0"/>
-                        <a:t>: </a:t>
-                      </a:r>
-                      <a:r>
-                        <a:rPr lang="en-US" altLang="ko-KR" sz="1600" dirty="0" err="1" smtClean="0"/>
-                        <a:t>boolean</a:t>
-                      </a:r>
-                      <a:endParaRPr lang="en-US" altLang="ko-KR" sz="1600" dirty="0" smtClean="0"/>
+                        <a:t>: String</a:t>
+                      </a:r>
                     </a:p>
                     <a:p>
                       <a:pPr marL="0" marR="0" indent="177800" algn="just" rtl="0" eaLnBrk="1" latinLnBrk="1" hangingPunct="1">
@@ -18099,12 +18288,20 @@
                         </a:spcAft>
                       </a:pPr>
                       <a:r>
+                        <a:rPr lang="ko-KR" altLang="en-US" sz="1600" dirty="0" smtClean="0">
+                          <a:solidFill>
+                            <a:schemeClr val="tx1"/>
+                          </a:solidFill>
+                        </a:rPr>
+                        <a:t>배열 요소들을 </a:t>
+                      </a:r>
+                      <a:r>
                         <a:rPr lang="en-US" altLang="ko-KR" sz="1600" dirty="0" smtClean="0">
                           <a:solidFill>
                             <a:schemeClr val="tx1"/>
                           </a:solidFill>
                         </a:rPr>
-                        <a:t>string</a:t>
+                        <a:t>separator</a:t>
                       </a:r>
                       <a:r>
                         <a:rPr lang="ko-KR" altLang="en-US" sz="1600" dirty="0" smtClean="0">
@@ -18112,15 +18309,15 @@
                             <a:schemeClr val="tx1"/>
                           </a:solidFill>
                         </a:rPr>
-                        <a:t>이 </a:t>
-                      </a:r>
-                      <a:r>
-                        <a:rPr lang="en-US" altLang="ko-KR" sz="1600" dirty="0" smtClean="0">
+                        <a:t>를 </a:t>
+                      </a:r>
+                      <a:r>
+                        <a:rPr lang="ko-KR" altLang="en-US" sz="1600" dirty="0" err="1" smtClean="0">
                           <a:solidFill>
                             <a:schemeClr val="tx1"/>
                           </a:solidFill>
                         </a:rPr>
-                        <a:t>prefix</a:t>
+                        <a:t>구분자로</a:t>
                       </a:r>
                       <a:r>
                         <a:rPr lang="ko-KR" altLang="en-US" sz="1600" dirty="0" smtClean="0">
@@ -18128,24 +18325,16 @@
                             <a:schemeClr val="tx1"/>
                           </a:solidFill>
                         </a:rPr>
-                        <a:t>로 시작하면 </a:t>
-                      </a:r>
-                      <a:r>
-                        <a:rPr lang="en-US" altLang="ko-KR" sz="1600" dirty="0" smtClean="0">
-                          <a:solidFill>
-                            <a:schemeClr val="tx1"/>
-                          </a:solidFill>
-                        </a:rPr>
-                        <a:t>true</a:t>
-                      </a:r>
-                      <a:r>
-                        <a:rPr lang="ko-KR" altLang="en-US" sz="1600" dirty="0" smtClean="0">
-                          <a:solidFill>
-                            <a:schemeClr val="tx1"/>
-                          </a:solidFill>
-                        </a:rPr>
-                        <a:t>값을 리턴</a:t>
-                      </a:r>
+                        <a:t> 하여 모두 연결해서 리턴</a:t>
+                      </a:r>
+                      <a:endParaRPr kumimoji="0" lang="ko-KR" altLang="en-US" sz="1600" kern="1200" dirty="0" smtClean="0">
+                        <a:solidFill>
+                          <a:schemeClr val="tx1"/>
+                        </a:solidFill>
+                        <a:latin typeface="+mn-lt"/>
+                        <a:ea typeface="+mn-ea"/>
+                        <a:cs typeface="+mn-cs"/>
+                      </a:endParaRPr>
                     </a:p>
                   </a:txBody>
                   <a:tcPr marL="17907" marR="17907" marT="17907" marB="17907" anchor="ctr"/>
@@ -18171,62 +18360,6 @@
                         <a:buChar char="§"/>
                       </a:pPr>
                       <a:r>
-                        <a:rPr lang="en-US" altLang="ko-KR" sz="1600" spc="-30" dirty="0" smtClean="0">
-                          <a:solidFill>
-                            <a:schemeClr val="tx1"/>
-                          </a:solidFill>
-                        </a:rPr>
-                        <a:t>substring(String </a:t>
-                      </a:r>
-                      <a:r>
-                        <a:rPr lang="en-US" altLang="ko-KR" sz="1600" spc="-30" dirty="0" err="1" smtClean="0">
-                          <a:solidFill>
-                            <a:schemeClr val="tx1"/>
-                          </a:solidFill>
-                        </a:rPr>
-                        <a:t>string</a:t>
-                      </a:r>
-                      <a:r>
-                        <a:rPr lang="en-US" altLang="ko-KR" sz="1600" spc="-30" dirty="0" smtClean="0">
-                          <a:solidFill>
-                            <a:schemeClr val="tx1"/>
-                          </a:solidFill>
-                        </a:rPr>
-                        <a:t>, </a:t>
-                      </a:r>
-                      <a:r>
-                        <a:rPr lang="en-US" altLang="ko-KR" sz="1600" spc="-30" dirty="0" err="1" smtClean="0">
-                          <a:solidFill>
-                            <a:schemeClr val="tx1"/>
-                          </a:solidFill>
-                        </a:rPr>
-                        <a:t>int</a:t>
-                      </a:r>
-                      <a:r>
-                        <a:rPr lang="en-US" altLang="ko-KR" sz="1600" spc="-30" dirty="0" smtClean="0">
-                          <a:solidFill>
-                            <a:schemeClr val="tx1"/>
-                          </a:solidFill>
-                        </a:rPr>
-                        <a:t> begin, </a:t>
-                      </a:r>
-                      <a:r>
-                        <a:rPr lang="en-US" altLang="ko-KR" sz="1600" spc="-30" dirty="0" err="1" smtClean="0">
-                          <a:solidFill>
-                            <a:schemeClr val="tx1"/>
-                          </a:solidFill>
-                        </a:rPr>
-                        <a:t>int</a:t>
-                      </a:r>
-                      <a:r>
-                        <a:rPr lang="en-US" altLang="ko-KR" sz="1600" spc="-30" dirty="0" smtClean="0">
-                          <a:solidFill>
-                            <a:schemeClr val="tx1"/>
-                          </a:solidFill>
-                        </a:rPr>
-                        <a:t> end)</a:t>
-                      </a:r>
-                      <a:r>
                         <a:rPr kumimoji="0" lang="en-US" altLang="ko-KR" sz="1600" kern="1200" dirty="0" smtClean="0">
                           <a:solidFill>
                             <a:schemeClr val="tx1"/>
@@ -18235,15 +18368,11 @@
                           <a:ea typeface="+mn-ea"/>
                           <a:cs typeface="+mn-cs"/>
                         </a:rPr>
-                        <a:t> : </a:t>
-                      </a:r>
-                      <a:r>
-                        <a:rPr lang="en-US" altLang="ko-KR" sz="1600" spc="-30" dirty="0" smtClean="0">
-                          <a:solidFill>
-                            <a:schemeClr val="tx1"/>
-                          </a:solidFill>
-                        </a:rPr>
-                        <a:t>String </a:t>
+                        <a:t>length(Object item) : </a:t>
+                      </a:r>
+                      <a:r>
+                        <a:rPr lang="en-US" altLang="ko-KR" sz="1600" dirty="0" err="1" smtClean="0"/>
+                        <a:t>int</a:t>
                       </a:r>
                       <a:endParaRPr kumimoji="0" lang="ko-KR" altLang="en-US" sz="1600" kern="1200" dirty="0" smtClean="0">
                         <a:solidFill>
@@ -18272,7 +18401,7 @@
                             <a:schemeClr val="tx1"/>
                           </a:solidFill>
                         </a:rPr>
-                        <a:t>string</a:t>
+                        <a:t>item</a:t>
                       </a:r>
                       <a:r>
                         <a:rPr lang="ko-KR" altLang="en-US" sz="1600" dirty="0" smtClean="0">
@@ -18280,7 +18409,7 @@
                             <a:schemeClr val="tx1"/>
                           </a:solidFill>
                         </a:rPr>
-                        <a:t>에서 </a:t>
+                        <a:t>이 배열이나 컬렉션이면 요소의 개수를</a:t>
                       </a:r>
                       <a:r>
                         <a:rPr lang="en-US" altLang="ko-KR" sz="1600" dirty="0" smtClean="0">
@@ -18288,7 +18417,7 @@
                             <a:schemeClr val="tx1"/>
                           </a:solidFill>
                         </a:rPr>
-                        <a:t>begin</a:t>
+                        <a:t>, </a:t>
                       </a:r>
                       <a:r>
                         <a:rPr lang="ko-KR" altLang="en-US" sz="1600" dirty="0" smtClean="0">
@@ -18296,39 +18425,7 @@
                             <a:schemeClr val="tx1"/>
                           </a:solidFill>
                         </a:rPr>
-                        <a:t>인덱스 번호부터 </a:t>
-                      </a:r>
-                      <a:r>
-                        <a:rPr lang="en-US" altLang="ko-KR" sz="1600" dirty="0" smtClean="0">
-                          <a:solidFill>
-                            <a:schemeClr val="tx1"/>
-                          </a:solidFill>
-                        </a:rPr>
-                        <a:t>end</a:t>
-                      </a:r>
-                      <a:r>
-                        <a:rPr lang="ko-KR" altLang="en-US" sz="1600" dirty="0" smtClean="0">
-                          <a:solidFill>
-                            <a:schemeClr val="tx1"/>
-                          </a:solidFill>
-                        </a:rPr>
-                        <a:t>인덱스 </a:t>
-                      </a:r>
-                      <a:r>
-                        <a:rPr lang="ko-KR" altLang="en-US" sz="1600" dirty="0" err="1" smtClean="0">
-                          <a:solidFill>
-                            <a:schemeClr val="tx1"/>
-                          </a:solidFill>
-                        </a:rPr>
-                        <a:t>번호전까지의</a:t>
-                      </a:r>
-                      <a:r>
-                        <a:rPr lang="ko-KR" altLang="en-US" sz="1600" dirty="0" smtClean="0">
-                          <a:solidFill>
-                            <a:schemeClr val="tx1"/>
-                          </a:solidFill>
-                        </a:rPr>
-                        <a:t> 문자열을 리턴</a:t>
+                        <a:t>문자열이면 문자의 개수를 리턴</a:t>
                       </a:r>
                       <a:endParaRPr kumimoji="0" lang="en-US" altLang="ko-KR" sz="1600" kern="1200" dirty="0">
                         <a:solidFill>
@@ -18363,36 +18460,28 @@
                         <a:buChar char="§"/>
                       </a:pPr>
                       <a:r>
-                        <a:rPr lang="en-US" altLang="ko-KR" sz="1600" spc="-90" dirty="0" err="1" smtClean="0">
+                        <a:rPr lang="en-US" altLang="ko-KR" sz="1600" dirty="0" smtClean="0">
                           <a:solidFill>
                             <a:schemeClr val="tx1"/>
                           </a:solidFill>
                         </a:rPr>
-                        <a:t>substringAfter</a:t>
-                      </a:r>
-                      <a:r>
-                        <a:rPr lang="en-US" altLang="ko-KR" sz="1600" spc="-90" dirty="0" smtClean="0">
+                        <a:t>replace(String </a:t>
+                      </a:r>
+                      <a:r>
+                        <a:rPr lang="en-US" altLang="ko-KR" sz="1600" dirty="0" err="1" smtClean="0">
                           <a:solidFill>
                             <a:schemeClr val="tx1"/>
                           </a:solidFill>
                         </a:rPr>
-                        <a:t>(String </a:t>
-                      </a:r>
-                      <a:r>
-                        <a:rPr lang="en-US" altLang="ko-KR" sz="1600" spc="-90" dirty="0" err="1" smtClean="0">
+                        <a:t>string</a:t>
+                      </a:r>
+                      <a:r>
+                        <a:rPr lang="en-US" altLang="ko-KR" sz="1600" dirty="0" smtClean="0">
                           <a:solidFill>
                             <a:schemeClr val="tx1"/>
                           </a:solidFill>
                         </a:rPr>
-                        <a:t>string</a:t>
-                      </a:r>
-                      <a:r>
-                        <a:rPr lang="en-US" altLang="ko-KR" sz="1600" spc="-90" dirty="0" smtClean="0">
-                          <a:solidFill>
-                            <a:schemeClr val="tx1"/>
-                          </a:solidFill>
-                        </a:rPr>
-                        <a:t>, String substring)</a:t>
+                        <a:t>, String before, String after)</a:t>
                       </a:r>
                       <a:r>
                         <a:rPr kumimoji="0" lang="en-US" altLang="ko-KR" sz="1600" kern="1200" dirty="0" smtClean="0">
@@ -18440,7 +18529,7 @@
                             <a:schemeClr val="tx1"/>
                           </a:solidFill>
                         </a:rPr>
-                        <a:t>string</a:t>
+                        <a:t>string </a:t>
                       </a:r>
                       <a:r>
                         <a:rPr lang="ko-KR" altLang="en-US" sz="1600" dirty="0" smtClean="0">
@@ -18448,7 +18537,7 @@
                             <a:schemeClr val="tx1"/>
                           </a:solidFill>
                         </a:rPr>
-                        <a:t>에서 </a:t>
+                        <a:t>내에 있는 </a:t>
                       </a:r>
                       <a:r>
                         <a:rPr lang="en-US" altLang="ko-KR" sz="1600" dirty="0" smtClean="0">
@@ -18456,7 +18545,7 @@
                             <a:schemeClr val="tx1"/>
                           </a:solidFill>
                         </a:rPr>
-                        <a:t>substring</a:t>
+                        <a:t>before </a:t>
                       </a:r>
                       <a:r>
                         <a:rPr lang="ko-KR" altLang="en-US" sz="1600" dirty="0" smtClean="0">
@@ -18464,7 +18553,23 @@
                             <a:schemeClr val="tx1"/>
                           </a:solidFill>
                         </a:rPr>
-                        <a:t>이 나타난 이후 부분에 있는 문자열을 리턴</a:t>
+                        <a:t>문자열을 </a:t>
+                      </a:r>
+                      <a:r>
+                        <a:rPr lang="en-US" altLang="ko-KR" sz="1600" dirty="0" smtClean="0">
+                          <a:solidFill>
+                            <a:schemeClr val="tx1"/>
+                          </a:solidFill>
+                        </a:rPr>
+                        <a:t>after </a:t>
+                      </a:r>
+                      <a:r>
+                        <a:rPr lang="ko-KR" altLang="en-US" sz="1600" dirty="0" smtClean="0">
+                          <a:solidFill>
+                            <a:schemeClr val="tx1"/>
+                          </a:solidFill>
+                        </a:rPr>
+                        <a:t>문자열로 모두 바꿔서 리턴</a:t>
                       </a:r>
                     </a:p>
                   </a:txBody>
@@ -18478,7 +18583,7 @@
     </p:spTree>
     <p:extLst>
       <p:ext uri="{BB962C8B-B14F-4D97-AF65-F5344CB8AC3E}">
-        <p14:creationId xmlns:p14="http://schemas.microsoft.com/office/powerpoint/2010/main" val="1669194713"/>
+        <p14:creationId xmlns:p14="http://schemas.microsoft.com/office/powerpoint/2010/main" val="1302018012"/>
       </p:ext>
     </p:extLst>
   </p:cSld>
@@ -18583,6 +18688,748 @@
           <p:nvPr>
             <p:extLst>
               <p:ext uri="{D42A27DB-BD31-4B8C-83A1-F6EECF244321}">
+                <p14:modId xmlns:p14="http://schemas.microsoft.com/office/powerpoint/2010/main" val="2327152960"/>
+              </p:ext>
+            </p:extLst>
+          </p:nvPr>
+        </p:nvGraphicFramePr>
+        <p:xfrm>
+          <a:off x="827584" y="1844824"/>
+          <a:ext cx="7416824" cy="4200512"/>
+        </p:xfrm>
+        <a:graphic>
+          <a:graphicData uri="http://schemas.openxmlformats.org/drawingml/2006/table">
+            <a:tbl>
+              <a:tblPr>
+                <a:tableStyleId>{BC89EF96-8CEA-46FF-86C4-4CE0E7609802}</a:tableStyleId>
+              </a:tblPr>
+              <a:tblGrid>
+                <a:gridCol w="7416824"/>
+              </a:tblGrid>
+              <a:tr h="382208">
+                <a:tc>
+                  <a:txBody>
+                    <a:bodyPr/>
+                    <a:lstStyle/>
+                    <a:p>
+                      <a:pPr marL="0" marR="0" algn="ctr">
+                        <a:lnSpc>
+                          <a:spcPct val="160000"/>
+                        </a:lnSpc>
+                        <a:spcBef>
+                          <a:spcPts val="0"/>
+                        </a:spcBef>
+                        <a:spcAft>
+                          <a:spcPts val="0"/>
+                        </a:spcAft>
+                      </a:pPr>
+                      <a:r>
+                        <a:rPr lang="ko-KR" altLang="en-US" sz="1600" dirty="0" err="1"/>
+                        <a:t>메소드</a:t>
+                      </a:r>
+                      <a:r>
+                        <a:rPr lang="ko-KR" altLang="en-US" sz="1600" dirty="0"/>
+                        <a:t> </a:t>
+                      </a:r>
+                      <a:r>
+                        <a:rPr lang="en-US" altLang="ko-KR" sz="1600" dirty="0"/>
+                        <a:t>: </a:t>
+                      </a:r>
+                      <a:r>
+                        <a:rPr lang="ko-KR" altLang="en-US" sz="1600" dirty="0" err="1"/>
+                        <a:t>리턴타입</a:t>
+                      </a:r>
+                      <a:endParaRPr lang="ko-KR" altLang="en-US" sz="1600" dirty="0">
+                        <a:solidFill>
+                          <a:srgbClr val="000000"/>
+                        </a:solidFill>
+                        <a:latin typeface="굴림"/>
+                      </a:endParaRPr>
+                    </a:p>
+                  </a:txBody>
+                  <a:tcPr marL="17907" marR="17907" marT="17907" marB="17907" anchor="ctr">
+                    <a:solidFill>
+                      <a:schemeClr val="accent2"/>
+                    </a:solidFill>
+                  </a:tcPr>
+                </a:tc>
+              </a:tr>
+              <a:tr h="913936">
+                <a:tc>
+                  <a:txBody>
+                    <a:bodyPr/>
+                    <a:lstStyle/>
+                    <a:p>
+                      <a:pPr marL="177800" marR="0" indent="-177800" algn="just">
+                        <a:lnSpc>
+                          <a:spcPct val="160000"/>
+                        </a:lnSpc>
+                        <a:spcBef>
+                          <a:spcPts val="0"/>
+                        </a:spcBef>
+                        <a:spcAft>
+                          <a:spcPts val="0"/>
+                        </a:spcAft>
+                        <a:buFont typeface="Wingdings" panose="05000000000000000000" pitchFamily="2" charset="2"/>
+                        <a:buChar char="§"/>
+                      </a:pPr>
+                      <a:r>
+                        <a:rPr lang="en-US" altLang="ko-KR" sz="1600" dirty="0" smtClean="0">
+                          <a:solidFill>
+                            <a:schemeClr val="tx1"/>
+                          </a:solidFill>
+                        </a:rPr>
+                        <a:t>split(String </a:t>
+                      </a:r>
+                      <a:r>
+                        <a:rPr lang="en-US" altLang="ko-KR" sz="1600" dirty="0" err="1" smtClean="0">
+                          <a:solidFill>
+                            <a:schemeClr val="tx1"/>
+                          </a:solidFill>
+                        </a:rPr>
+                        <a:t>string</a:t>
+                      </a:r>
+                      <a:r>
+                        <a:rPr lang="en-US" altLang="ko-KR" sz="1600" dirty="0" smtClean="0">
+                          <a:solidFill>
+                            <a:schemeClr val="tx1"/>
+                          </a:solidFill>
+                        </a:rPr>
+                        <a:t>, String separator)</a:t>
+                      </a:r>
+                      <a:r>
+                        <a:rPr lang="ko-KR" altLang="en-US" sz="1600" dirty="0" smtClean="0"/>
+                        <a:t> </a:t>
+                      </a:r>
+                      <a:r>
+                        <a:rPr lang="en-US" altLang="ko-KR" sz="1600" dirty="0" smtClean="0"/>
+                        <a:t>: String[]</a:t>
+                      </a:r>
+                    </a:p>
+                    <a:p>
+                      <a:pPr marL="0" marR="0" indent="177800" algn="just">
+                        <a:lnSpc>
+                          <a:spcPct val="160000"/>
+                        </a:lnSpc>
+                        <a:spcBef>
+                          <a:spcPts val="0"/>
+                        </a:spcBef>
+                        <a:spcAft>
+                          <a:spcPts val="0"/>
+                        </a:spcAft>
+                      </a:pPr>
+                      <a:r>
+                        <a:rPr lang="en-US" altLang="ko-KR" sz="1600" dirty="0" smtClean="0">
+                          <a:solidFill>
+                            <a:schemeClr val="tx1"/>
+                          </a:solidFill>
+                        </a:rPr>
+                        <a:t>string </a:t>
+                      </a:r>
+                      <a:r>
+                        <a:rPr lang="ko-KR" altLang="en-US" sz="1600" dirty="0" smtClean="0">
+                          <a:solidFill>
+                            <a:schemeClr val="tx1"/>
+                          </a:solidFill>
+                        </a:rPr>
+                        <a:t>내의 문자열을 </a:t>
+                      </a:r>
+                      <a:r>
+                        <a:rPr lang="en-US" altLang="ko-KR" sz="1600" dirty="0" smtClean="0">
+                          <a:solidFill>
+                            <a:schemeClr val="tx1"/>
+                          </a:solidFill>
+                        </a:rPr>
+                        <a:t>separator</a:t>
+                      </a:r>
+                      <a:r>
+                        <a:rPr lang="ko-KR" altLang="en-US" sz="1600" dirty="0" smtClean="0">
+                          <a:solidFill>
+                            <a:schemeClr val="tx1"/>
+                          </a:solidFill>
+                        </a:rPr>
+                        <a:t>에 따라 분할하고</a:t>
+                      </a:r>
+                      <a:r>
+                        <a:rPr lang="en-US" altLang="ko-KR" sz="1600" dirty="0" smtClean="0">
+                          <a:solidFill>
+                            <a:schemeClr val="tx1"/>
+                          </a:solidFill>
+                        </a:rPr>
+                        <a:t>, </a:t>
+                      </a:r>
+                      <a:r>
+                        <a:rPr lang="ko-KR" altLang="en-US" sz="1600" dirty="0" smtClean="0">
+                          <a:solidFill>
+                            <a:schemeClr val="tx1"/>
+                          </a:solidFill>
+                        </a:rPr>
+                        <a:t>이 분할한 문자열들을 배열로 구성해서 리턴</a:t>
+                      </a:r>
+                      <a:endParaRPr lang="ko-KR" altLang="en-US" sz="1600" dirty="0" smtClean="0"/>
+                    </a:p>
+                  </a:txBody>
+                  <a:tcPr marL="17907" marR="17907" marT="17907" marB="17907" anchor="ctr"/>
+                </a:tc>
+              </a:tr>
+              <a:tr h="936104">
+                <a:tc>
+                  <a:txBody>
+                    <a:bodyPr/>
+                    <a:lstStyle/>
+                    <a:p>
+                      <a:pPr marL="177800" marR="0" indent="-177800" algn="just">
+                        <a:lnSpc>
+                          <a:spcPct val="160000"/>
+                        </a:lnSpc>
+                        <a:spcBef>
+                          <a:spcPts val="0"/>
+                        </a:spcBef>
+                        <a:spcAft>
+                          <a:spcPts val="0"/>
+                        </a:spcAft>
+                        <a:buFont typeface="Wingdings" panose="05000000000000000000" pitchFamily="2" charset="2"/>
+                        <a:buChar char="§"/>
+                      </a:pPr>
+                      <a:r>
+                        <a:rPr lang="en-US" altLang="ko-KR" sz="1600" dirty="0" err="1" smtClean="0">
+                          <a:solidFill>
+                            <a:schemeClr val="tx1"/>
+                          </a:solidFill>
+                        </a:rPr>
+                        <a:t>startsWith</a:t>
+                      </a:r>
+                      <a:r>
+                        <a:rPr lang="en-US" altLang="ko-KR" sz="1600" dirty="0" smtClean="0">
+                          <a:solidFill>
+                            <a:schemeClr val="tx1"/>
+                          </a:solidFill>
+                        </a:rPr>
+                        <a:t>(String </a:t>
+                      </a:r>
+                      <a:r>
+                        <a:rPr lang="en-US" altLang="ko-KR" sz="1600" dirty="0" err="1" smtClean="0">
+                          <a:solidFill>
+                            <a:schemeClr val="tx1"/>
+                          </a:solidFill>
+                        </a:rPr>
+                        <a:t>string</a:t>
+                      </a:r>
+                      <a:r>
+                        <a:rPr lang="en-US" altLang="ko-KR" sz="1600" dirty="0" smtClean="0">
+                          <a:solidFill>
+                            <a:schemeClr val="tx1"/>
+                          </a:solidFill>
+                        </a:rPr>
+                        <a:t>, String prefix) </a:t>
+                      </a:r>
+                      <a:r>
+                        <a:rPr lang="en-US" altLang="ko-KR" sz="1600" dirty="0" smtClean="0"/>
+                        <a:t>: </a:t>
+                      </a:r>
+                      <a:r>
+                        <a:rPr lang="en-US" altLang="ko-KR" sz="1600" dirty="0" err="1" smtClean="0"/>
+                        <a:t>boolean</a:t>
+                      </a:r>
+                      <a:endParaRPr lang="en-US" altLang="ko-KR" sz="1600" dirty="0" smtClean="0"/>
+                    </a:p>
+                    <a:p>
+                      <a:pPr marL="0" marR="0" indent="177800" algn="just" rtl="0" eaLnBrk="1" latinLnBrk="1" hangingPunct="1">
+                        <a:lnSpc>
+                          <a:spcPct val="160000"/>
+                        </a:lnSpc>
+                        <a:spcBef>
+                          <a:spcPts val="0"/>
+                        </a:spcBef>
+                        <a:spcAft>
+                          <a:spcPts val="0"/>
+                        </a:spcAft>
+                      </a:pPr>
+                      <a:r>
+                        <a:rPr lang="en-US" altLang="ko-KR" sz="1600" dirty="0" smtClean="0">
+                          <a:solidFill>
+                            <a:schemeClr val="tx1"/>
+                          </a:solidFill>
+                        </a:rPr>
+                        <a:t>string</a:t>
+                      </a:r>
+                      <a:r>
+                        <a:rPr lang="ko-KR" altLang="en-US" sz="1600" dirty="0" smtClean="0">
+                          <a:solidFill>
+                            <a:schemeClr val="tx1"/>
+                          </a:solidFill>
+                        </a:rPr>
+                        <a:t>이 </a:t>
+                      </a:r>
+                      <a:r>
+                        <a:rPr lang="en-US" altLang="ko-KR" sz="1600" dirty="0" smtClean="0">
+                          <a:solidFill>
+                            <a:schemeClr val="tx1"/>
+                          </a:solidFill>
+                        </a:rPr>
+                        <a:t>prefix</a:t>
+                      </a:r>
+                      <a:r>
+                        <a:rPr lang="ko-KR" altLang="en-US" sz="1600" dirty="0" smtClean="0">
+                          <a:solidFill>
+                            <a:schemeClr val="tx1"/>
+                          </a:solidFill>
+                        </a:rPr>
+                        <a:t>로 시작하면 </a:t>
+                      </a:r>
+                      <a:r>
+                        <a:rPr lang="en-US" altLang="ko-KR" sz="1600" dirty="0" smtClean="0">
+                          <a:solidFill>
+                            <a:schemeClr val="tx1"/>
+                          </a:solidFill>
+                        </a:rPr>
+                        <a:t>true</a:t>
+                      </a:r>
+                      <a:r>
+                        <a:rPr lang="ko-KR" altLang="en-US" sz="1600" dirty="0" smtClean="0">
+                          <a:solidFill>
+                            <a:schemeClr val="tx1"/>
+                          </a:solidFill>
+                        </a:rPr>
+                        <a:t>값을 리턴</a:t>
+                      </a:r>
+                    </a:p>
+                  </a:txBody>
+                  <a:tcPr marL="17907" marR="17907" marT="17907" marB="17907" anchor="ctr"/>
+                </a:tc>
+              </a:tr>
+              <a:tr h="792088">
+                <a:tc>
+                  <a:txBody>
+                    <a:bodyPr/>
+                    <a:lstStyle/>
+                    <a:p>
+                      <a:pPr marL="177800" marR="0" indent="-177800" algn="just" rtl="0" eaLnBrk="1" latinLnBrk="1" hangingPunct="1">
+                        <a:lnSpc>
+                          <a:spcPct val="160000"/>
+                        </a:lnSpc>
+                        <a:spcBef>
+                          <a:spcPts val="0"/>
+                        </a:spcBef>
+                        <a:spcAft>
+                          <a:spcPts val="0"/>
+                        </a:spcAft>
+                        <a:buFont typeface="Wingdings" panose="05000000000000000000" pitchFamily="2" charset="2"/>
+                        <a:buChar char="§"/>
+                      </a:pPr>
+                      <a:r>
+                        <a:rPr lang="en-US" altLang="ko-KR" sz="1600" spc="-30" dirty="0" smtClean="0">
+                          <a:solidFill>
+                            <a:schemeClr val="tx1"/>
+                          </a:solidFill>
+                        </a:rPr>
+                        <a:t>substring(String </a:t>
+                      </a:r>
+                      <a:r>
+                        <a:rPr lang="en-US" altLang="ko-KR" sz="1600" spc="-30" dirty="0" err="1" smtClean="0">
+                          <a:solidFill>
+                            <a:schemeClr val="tx1"/>
+                          </a:solidFill>
+                        </a:rPr>
+                        <a:t>string</a:t>
+                      </a:r>
+                      <a:r>
+                        <a:rPr lang="en-US" altLang="ko-KR" sz="1600" spc="-30" dirty="0" smtClean="0">
+                          <a:solidFill>
+                            <a:schemeClr val="tx1"/>
+                          </a:solidFill>
+                        </a:rPr>
+                        <a:t>, </a:t>
+                      </a:r>
+                      <a:r>
+                        <a:rPr lang="en-US" altLang="ko-KR" sz="1600" spc="-30" dirty="0" err="1" smtClean="0">
+                          <a:solidFill>
+                            <a:schemeClr val="tx1"/>
+                          </a:solidFill>
+                        </a:rPr>
+                        <a:t>int</a:t>
+                      </a:r>
+                      <a:r>
+                        <a:rPr lang="en-US" altLang="ko-KR" sz="1600" spc="-30" dirty="0" smtClean="0">
+                          <a:solidFill>
+                            <a:schemeClr val="tx1"/>
+                          </a:solidFill>
+                        </a:rPr>
+                        <a:t> begin, </a:t>
+                      </a:r>
+                      <a:r>
+                        <a:rPr lang="en-US" altLang="ko-KR" sz="1600" spc="-30" dirty="0" err="1" smtClean="0">
+                          <a:solidFill>
+                            <a:schemeClr val="tx1"/>
+                          </a:solidFill>
+                        </a:rPr>
+                        <a:t>int</a:t>
+                      </a:r>
+                      <a:r>
+                        <a:rPr lang="en-US" altLang="ko-KR" sz="1600" spc="-30" dirty="0" smtClean="0">
+                          <a:solidFill>
+                            <a:schemeClr val="tx1"/>
+                          </a:solidFill>
+                        </a:rPr>
+                        <a:t> end)</a:t>
+                      </a:r>
+                      <a:r>
+                        <a:rPr kumimoji="0" lang="en-US" altLang="ko-KR" sz="1600" kern="1200" dirty="0" smtClean="0">
+                          <a:solidFill>
+                            <a:schemeClr val="tx1"/>
+                          </a:solidFill>
+                          <a:latin typeface="+mn-lt"/>
+                          <a:ea typeface="+mn-ea"/>
+                          <a:cs typeface="+mn-cs"/>
+                        </a:rPr>
+                        <a:t> : </a:t>
+                      </a:r>
+                      <a:r>
+                        <a:rPr lang="en-US" altLang="ko-KR" sz="1600" spc="-30" dirty="0" smtClean="0">
+                          <a:solidFill>
+                            <a:schemeClr val="tx1"/>
+                          </a:solidFill>
+                        </a:rPr>
+                        <a:t>String </a:t>
+                      </a:r>
+                      <a:endParaRPr kumimoji="0" lang="ko-KR" altLang="en-US" sz="1600" kern="1200" dirty="0" smtClean="0">
+                        <a:solidFill>
+                          <a:schemeClr val="tx1"/>
+                        </a:solidFill>
+                        <a:latin typeface="+mn-lt"/>
+                        <a:ea typeface="+mn-ea"/>
+                        <a:cs typeface="+mn-cs"/>
+                      </a:endParaRPr>
+                    </a:p>
+                    <a:p>
+                      <a:pPr marL="0" marR="0" indent="177800" algn="just" rtl="0" eaLnBrk="1" latinLnBrk="1" hangingPunct="1">
+                        <a:lnSpc>
+                          <a:spcPct val="160000"/>
+                        </a:lnSpc>
+                        <a:spcBef>
+                          <a:spcPts val="0"/>
+                        </a:spcBef>
+                        <a:spcAft>
+                          <a:spcPts val="0"/>
+                        </a:spcAft>
+                      </a:pPr>
+                      <a:r>
+                        <a:rPr lang="en-US" altLang="ko-KR" sz="1600" dirty="0" smtClean="0">
+                          <a:solidFill>
+                            <a:schemeClr val="tx1"/>
+                          </a:solidFill>
+                        </a:rPr>
+                        <a:t>string</a:t>
+                      </a:r>
+                      <a:r>
+                        <a:rPr lang="ko-KR" altLang="en-US" sz="1600" dirty="0" smtClean="0">
+                          <a:solidFill>
+                            <a:schemeClr val="tx1"/>
+                          </a:solidFill>
+                        </a:rPr>
+                        <a:t>에서 </a:t>
+                      </a:r>
+                      <a:r>
+                        <a:rPr lang="en-US" altLang="ko-KR" sz="1600" dirty="0" smtClean="0">
+                          <a:solidFill>
+                            <a:schemeClr val="tx1"/>
+                          </a:solidFill>
+                        </a:rPr>
+                        <a:t>begin</a:t>
+                      </a:r>
+                      <a:r>
+                        <a:rPr lang="ko-KR" altLang="en-US" sz="1600" dirty="0" smtClean="0">
+                          <a:solidFill>
+                            <a:schemeClr val="tx1"/>
+                          </a:solidFill>
+                        </a:rPr>
+                        <a:t>인덱스 번호부터 </a:t>
+                      </a:r>
+                      <a:r>
+                        <a:rPr lang="en-US" altLang="ko-KR" sz="1600" dirty="0" smtClean="0">
+                          <a:solidFill>
+                            <a:schemeClr val="tx1"/>
+                          </a:solidFill>
+                        </a:rPr>
+                        <a:t>end</a:t>
+                      </a:r>
+                      <a:r>
+                        <a:rPr lang="ko-KR" altLang="en-US" sz="1600" dirty="0" smtClean="0">
+                          <a:solidFill>
+                            <a:schemeClr val="tx1"/>
+                          </a:solidFill>
+                        </a:rPr>
+                        <a:t>인덱스 </a:t>
+                      </a:r>
+                      <a:r>
+                        <a:rPr lang="ko-KR" altLang="en-US" sz="1600" dirty="0" err="1" smtClean="0">
+                          <a:solidFill>
+                            <a:schemeClr val="tx1"/>
+                          </a:solidFill>
+                        </a:rPr>
+                        <a:t>번호전까지의</a:t>
+                      </a:r>
+                      <a:r>
+                        <a:rPr lang="ko-KR" altLang="en-US" sz="1600" dirty="0" smtClean="0">
+                          <a:solidFill>
+                            <a:schemeClr val="tx1"/>
+                          </a:solidFill>
+                        </a:rPr>
+                        <a:t> 문자열을 리턴</a:t>
+                      </a:r>
+                      <a:endParaRPr kumimoji="0" lang="en-US" altLang="ko-KR" sz="1600" kern="1200" dirty="0">
+                        <a:solidFill>
+                          <a:schemeClr val="tx1"/>
+                        </a:solidFill>
+                        <a:latin typeface="+mn-lt"/>
+                        <a:ea typeface="+mn-ea"/>
+                        <a:cs typeface="+mn-cs"/>
+                      </a:endParaRPr>
+                    </a:p>
+                  </a:txBody>
+                  <a:tcPr marL="17907" marR="17907" marT="17907" marB="17907" anchor="ctr"/>
+                </a:tc>
+              </a:tr>
+              <a:tr h="792088">
+                <a:tc>
+                  <a:txBody>
+                    <a:bodyPr/>
+                    <a:lstStyle/>
+                    <a:p>
+                      <a:pPr marL="177800" marR="0" indent="-177800" algn="just" rtl="0" eaLnBrk="1" latinLnBrk="1" hangingPunct="1">
+                        <a:lnSpc>
+                          <a:spcPct val="160000"/>
+                        </a:lnSpc>
+                        <a:spcBef>
+                          <a:spcPts val="0"/>
+                        </a:spcBef>
+                        <a:spcAft>
+                          <a:spcPts val="0"/>
+                        </a:spcAft>
+                        <a:buFont typeface="Wingdings" panose="05000000000000000000" pitchFamily="2" charset="2"/>
+                        <a:buChar char="§"/>
+                      </a:pPr>
+                      <a:r>
+                        <a:rPr lang="en-US" altLang="ko-KR" sz="1600" spc="-90" dirty="0" err="1" smtClean="0">
+                          <a:solidFill>
+                            <a:schemeClr val="tx1"/>
+                          </a:solidFill>
+                        </a:rPr>
+                        <a:t>substringAfter</a:t>
+                      </a:r>
+                      <a:r>
+                        <a:rPr lang="en-US" altLang="ko-KR" sz="1600" spc="-90" dirty="0" smtClean="0">
+                          <a:solidFill>
+                            <a:schemeClr val="tx1"/>
+                          </a:solidFill>
+                        </a:rPr>
+                        <a:t>(String </a:t>
+                      </a:r>
+                      <a:r>
+                        <a:rPr lang="en-US" altLang="ko-KR" sz="1600" spc="-90" dirty="0" err="1" smtClean="0">
+                          <a:solidFill>
+                            <a:schemeClr val="tx1"/>
+                          </a:solidFill>
+                        </a:rPr>
+                        <a:t>string</a:t>
+                      </a:r>
+                      <a:r>
+                        <a:rPr lang="en-US" altLang="ko-KR" sz="1600" spc="-90" dirty="0" smtClean="0">
+                          <a:solidFill>
+                            <a:schemeClr val="tx1"/>
+                          </a:solidFill>
+                        </a:rPr>
+                        <a:t>, String substring)</a:t>
+                      </a:r>
+                      <a:r>
+                        <a:rPr kumimoji="0" lang="en-US" altLang="ko-KR" sz="1600" kern="1200" dirty="0" smtClean="0">
+                          <a:solidFill>
+                            <a:schemeClr val="tx1"/>
+                          </a:solidFill>
+                          <a:latin typeface="+mn-lt"/>
+                          <a:ea typeface="+mn-ea"/>
+                          <a:cs typeface="+mn-cs"/>
+                        </a:rPr>
+                        <a:t> : </a:t>
+                      </a:r>
+                      <a:r>
+                        <a:rPr lang="en-US" altLang="ko-KR" sz="1600" dirty="0" smtClean="0">
+                          <a:solidFill>
+                            <a:schemeClr val="tx1"/>
+                          </a:solidFill>
+                        </a:rPr>
+                        <a:t>String </a:t>
+                      </a:r>
+                      <a:endParaRPr kumimoji="0" lang="ko-KR" altLang="en-US" sz="1600" kern="1200" dirty="0" smtClean="0">
+                        <a:solidFill>
+                          <a:schemeClr val="tx1"/>
+                        </a:solidFill>
+                        <a:latin typeface="+mn-lt"/>
+                        <a:ea typeface="+mn-ea"/>
+                        <a:cs typeface="+mn-cs"/>
+                      </a:endParaRPr>
+                    </a:p>
+                    <a:p>
+                      <a:pPr marL="0" marR="0" indent="177800" algn="just" rtl="0" eaLnBrk="1" latinLnBrk="1" hangingPunct="1">
+                        <a:lnSpc>
+                          <a:spcPct val="160000"/>
+                        </a:lnSpc>
+                        <a:spcBef>
+                          <a:spcPts val="0"/>
+                        </a:spcBef>
+                        <a:spcAft>
+                          <a:spcPts val="0"/>
+                        </a:spcAft>
+                      </a:pPr>
+                      <a:r>
+                        <a:rPr lang="en-US" altLang="ko-KR" sz="1600" dirty="0" smtClean="0">
+                          <a:solidFill>
+                            <a:schemeClr val="tx1"/>
+                          </a:solidFill>
+                        </a:rPr>
+                        <a:t>string</a:t>
+                      </a:r>
+                      <a:r>
+                        <a:rPr lang="ko-KR" altLang="en-US" sz="1600" dirty="0" smtClean="0">
+                          <a:solidFill>
+                            <a:schemeClr val="tx1"/>
+                          </a:solidFill>
+                        </a:rPr>
+                        <a:t>에서 </a:t>
+                      </a:r>
+                      <a:r>
+                        <a:rPr lang="en-US" altLang="ko-KR" sz="1600" dirty="0" smtClean="0">
+                          <a:solidFill>
+                            <a:schemeClr val="tx1"/>
+                          </a:solidFill>
+                        </a:rPr>
+                        <a:t>substring</a:t>
+                      </a:r>
+                      <a:r>
+                        <a:rPr lang="ko-KR" altLang="en-US" sz="1600" dirty="0" smtClean="0">
+                          <a:solidFill>
+                            <a:schemeClr val="tx1"/>
+                          </a:solidFill>
+                        </a:rPr>
+                        <a:t>이 나타난 이후 부분에 있는 문자열을 리턴</a:t>
+                      </a:r>
+                    </a:p>
+                  </a:txBody>
+                  <a:tcPr marL="17907" marR="17907" marT="17907" marB="17907" anchor="ctr"/>
+                </a:tc>
+              </a:tr>
+            </a:tbl>
+          </a:graphicData>
+        </a:graphic>
+      </p:graphicFrame>
+    </p:spTree>
+    <p:extLst>
+      <p:ext uri="{BB962C8B-B14F-4D97-AF65-F5344CB8AC3E}">
+        <p14:creationId xmlns:p14="http://schemas.microsoft.com/office/powerpoint/2010/main" val="1669194713"/>
+      </p:ext>
+    </p:extLst>
+  </p:cSld>
+  <p:clrMapOvr>
+    <a:masterClrMapping/>
+  </p:clrMapOvr>
+</p:sld>
+</file>
+
+<file path=ppt/slides/slide32.xml><?xml version="1.0" encoding="utf-8"?>
+<p:sld xmlns:a="http://schemas.openxmlformats.org/drawingml/2006/main" xmlns:r="http://schemas.openxmlformats.org/officeDocument/2006/relationships" xmlns:p="http://schemas.openxmlformats.org/presentationml/2006/main">
+  <p:cSld>
+    <p:spTree>
+      <p:nvGrpSpPr>
+        <p:cNvPr id="1" name=""/>
+        <p:cNvGrpSpPr/>
+        <p:nvPr/>
+      </p:nvGrpSpPr>
+      <p:grpSpPr>
+        <a:xfrm>
+          <a:off x="0" y="0"/>
+          <a:ext cx="0" cy="0"/>
+          <a:chOff x="0" y="0"/>
+          <a:chExt cx="0" cy="0"/>
+        </a:xfrm>
+      </p:grpSpPr>
+      <p:sp>
+        <p:nvSpPr>
+          <p:cNvPr id="2" name="제목 1"/>
+          <p:cNvSpPr>
+            <a:spLocks noGrp="1"/>
+          </p:cNvSpPr>
+          <p:nvPr>
+            <p:ph type="title"/>
+          </p:nvPr>
+        </p:nvSpPr>
+        <p:spPr/>
+        <p:txBody>
+          <a:bodyPr/>
+          <a:lstStyle/>
+          <a:p>
+            <a:r>
+              <a:rPr lang="en-US" altLang="ko-KR" dirty="0" err="1"/>
+              <a:t>JSTL</a:t>
+            </a:r>
+            <a:r>
+              <a:rPr lang="en-US" altLang="ko-KR" dirty="0"/>
+              <a:t> Functions </a:t>
+            </a:r>
+            <a:r>
+              <a:rPr lang="ko-KR" altLang="en-US" dirty="0"/>
+              <a:t>라이브러리</a:t>
+            </a:r>
+          </a:p>
+        </p:txBody>
+      </p:sp>
+      <p:sp>
+        <p:nvSpPr>
+          <p:cNvPr id="3" name="내용 개체 틀 2"/>
+          <p:cNvSpPr>
+            <a:spLocks noGrp="1"/>
+          </p:cNvSpPr>
+          <p:nvPr>
+            <p:ph sz="quarter" idx="1"/>
+          </p:nvPr>
+        </p:nvSpPr>
+        <p:spPr/>
+        <p:txBody>
+          <a:bodyPr/>
+          <a:lstStyle/>
+          <a:p>
+            <a:r>
+              <a:rPr lang="en-US" altLang="ko-KR" dirty="0" err="1"/>
+              <a:t>JSTL</a:t>
+            </a:r>
+            <a:r>
+              <a:rPr lang="ko-KR" altLang="en-US" dirty="0"/>
+              <a:t> </a:t>
+            </a:r>
+            <a:r>
+              <a:rPr lang="en-US" altLang="ko-KR" dirty="0"/>
+              <a:t>Functions </a:t>
+            </a:r>
+            <a:r>
+              <a:rPr lang="ko-KR" altLang="en-US" dirty="0"/>
+              <a:t>라이브러리의 </a:t>
+            </a:r>
+            <a:r>
+              <a:rPr lang="ko-KR" altLang="en-US" dirty="0" smtClean="0"/>
+              <a:t>함수들</a:t>
+            </a:r>
+            <a:endParaRPr lang="ko-KR" altLang="en-US" dirty="0"/>
+          </a:p>
+        </p:txBody>
+      </p:sp>
+      <p:graphicFrame>
+        <p:nvGraphicFramePr>
+          <p:cNvPr id="6" name="표 5"/>
+          <p:cNvGraphicFramePr>
+            <a:graphicFrameLocks noGrp="1"/>
+          </p:cNvGraphicFramePr>
+          <p:nvPr>
+            <p:extLst>
+              <p:ext uri="{D42A27DB-BD31-4B8C-83A1-F6EECF244321}">
                 <p14:modId xmlns:p14="http://schemas.microsoft.com/office/powerpoint/2010/main" val="3973069008"/>
               </p:ext>
             </p:extLst>
@@ -18590,7 +19437,7 @@
         </p:nvGraphicFramePr>
         <p:xfrm>
           <a:off x="827584" y="1844824"/>
-          <a:ext cx="7416824" cy="3860174"/>
+          <a:ext cx="7416824" cy="3908202"/>
         </p:xfrm>
         <a:graphic>
           <a:graphicData uri="http://schemas.openxmlformats.org/drawingml/2006/table">
@@ -21920,762 +22767,146 @@
         </p:nvSpPr>
         <p:spPr/>
         <p:txBody>
-          <a:bodyPr/>
-          <a:lstStyle/>
-          <a:p>
-            <a:r>
-              <a:rPr lang="en-US" altLang="ko-KR" dirty="0"/>
-              <a:t>&lt;</a:t>
-            </a:r>
-            <a:r>
-              <a:rPr lang="en-US" altLang="ko-KR" dirty="0" err="1"/>
-              <a:t>c:set</a:t>
-            </a:r>
-            <a:r>
-              <a:rPr lang="en-US" altLang="ko-KR" dirty="0"/>
-              <a:t>&gt; </a:t>
-            </a:r>
-            <a:r>
-              <a:rPr lang="ko-KR" altLang="en-US" dirty="0"/>
-              <a:t>태그 </a:t>
-            </a:r>
-            <a:endParaRPr lang="en-US" altLang="ko-KR" dirty="0" smtClean="0"/>
-          </a:p>
-          <a:p>
-            <a:pPr lvl="1"/>
-            <a:r>
-              <a:rPr lang="ko-KR" altLang="en-US" dirty="0" smtClean="0"/>
-              <a:t>기본 형식</a:t>
-            </a:r>
-            <a:endParaRPr lang="en-US" altLang="ko-KR" dirty="0" smtClean="0"/>
-          </a:p>
-          <a:p>
-            <a:pPr lvl="1"/>
-            <a:endParaRPr lang="en-US" altLang="ko-KR" dirty="0" smtClean="0"/>
-          </a:p>
-          <a:p>
-            <a:pPr lvl="1"/>
-            <a:endParaRPr lang="en-US" altLang="ko-KR" dirty="0" smtClean="0"/>
-          </a:p>
-          <a:p>
-            <a:pPr lvl="1"/>
-            <a:r>
-              <a:rPr lang="ko-KR" altLang="en-US" dirty="0" smtClean="0"/>
-              <a:t>속성</a:t>
-            </a:r>
-            <a:endParaRPr lang="en-US" altLang="ko-KR" dirty="0" smtClean="0"/>
-          </a:p>
-          <a:p>
-            <a:pPr lvl="1"/>
-            <a:endParaRPr lang="en-US" altLang="ko-KR" dirty="0"/>
-          </a:p>
-          <a:p>
-            <a:pPr lvl="1"/>
-            <a:endParaRPr lang="en-US" altLang="ko-KR" dirty="0" smtClean="0"/>
-          </a:p>
-          <a:p>
-            <a:pPr lvl="1"/>
-            <a:endParaRPr lang="en-US" altLang="ko-KR" dirty="0"/>
-          </a:p>
-          <a:p>
-            <a:pPr lvl="1"/>
-            <a:endParaRPr lang="en-US" altLang="ko-KR" dirty="0" smtClean="0"/>
-          </a:p>
-          <a:p>
-            <a:pPr lvl="1"/>
-            <a:endParaRPr lang="en-US" altLang="ko-KR" dirty="0"/>
-          </a:p>
-          <a:p>
-            <a:pPr lvl="1"/>
-            <a:r>
-              <a:rPr lang="ko-KR" altLang="en-US" dirty="0" smtClean="0"/>
-              <a:t>예시</a:t>
-            </a:r>
-            <a:endParaRPr lang="nn-NO" altLang="ko-KR" dirty="0" smtClean="0"/>
-          </a:p>
-          <a:p>
-            <a:pPr marL="594360" lvl="2" indent="0">
-              <a:buNone/>
-            </a:pPr>
-            <a:r>
-              <a:rPr lang="en-US" altLang="ko-KR" dirty="0" smtClean="0"/>
-              <a:t> &lt;</a:t>
-            </a:r>
-            <a:r>
-              <a:rPr lang="en-US" altLang="ko-KR" dirty="0" err="1"/>
-              <a:t>c:set</a:t>
-            </a:r>
-            <a:r>
-              <a:rPr lang="en-US" altLang="ko-KR" dirty="0"/>
-              <a:t> </a:t>
-            </a:r>
-            <a:r>
-              <a:rPr lang="en-US" altLang="ko-KR" dirty="0" err="1"/>
-              <a:t>var</a:t>
-            </a:r>
-            <a:r>
-              <a:rPr lang="en-US" altLang="ko-KR" dirty="0"/>
-              <a:t>="msg2" value="Hello2" scope="request</a:t>
-            </a:r>
-            <a:r>
-              <a:rPr lang="en-US" altLang="ko-KR" dirty="0" smtClean="0"/>
-              <a:t>"/&gt;</a:t>
-            </a:r>
-            <a:r>
-              <a:rPr lang="nn-NO" altLang="ko-KR" dirty="0" smtClean="0"/>
-              <a:t> </a:t>
-            </a:r>
-            <a:endParaRPr lang="nn-NO" altLang="ko-KR" dirty="0"/>
-          </a:p>
-        </p:txBody>
-      </p:sp>
-      <p:graphicFrame>
-        <p:nvGraphicFramePr>
-          <p:cNvPr id="8" name="Table 397"/>
-          <p:cNvGraphicFramePr/>
-          <p:nvPr>
-            <p:extLst>
-              <p:ext uri="{D42A27DB-BD31-4B8C-83A1-F6EECF244321}">
-                <p14:modId xmlns:p14="http://schemas.microsoft.com/office/powerpoint/2010/main" val="1809354581"/>
-              </p:ext>
-            </p:extLst>
-          </p:nvPr>
-        </p:nvGraphicFramePr>
-        <p:xfrm>
-          <a:off x="899592" y="3068960"/>
-          <a:ext cx="7632848" cy="1381760"/>
-        </p:xfrm>
-        <a:graphic>
-          <a:graphicData uri="http://schemas.openxmlformats.org/drawingml/2006/table">
-            <a:tbl>
-              <a:tblPr bandRow="1">
-                <a:tableStyleId>{3B4B98B0-60AC-42C2-AFA5-B58CD77FA1E5}</a:tableStyleId>
-              </a:tblPr>
-              <a:tblGrid>
-                <a:gridCol w="986204"/>
-                <a:gridCol w="6646644"/>
-              </a:tblGrid>
-              <a:tr h="330200">
-                <a:tc>
-                  <a:txBody>
-                    <a:bodyPr/>
-                    <a:lstStyle/>
-                    <a:p>
-                      <a:pPr>
-                        <a:defRPr sz="1600" b="1">
-                          <a:uFillTx/>
-                          <a:latin typeface="맑은 고딕"/>
-                          <a:ea typeface="맑은 고딕"/>
-                          <a:cs typeface="맑은 고딕"/>
-                          <a:sym typeface="맑은 고딕"/>
-                        </a:defRPr>
-                      </a:pPr>
-                      <a:r>
-                        <a:rPr spc="-44" dirty="0" err="1">
-                          <a:sym typeface="굴림"/>
-                        </a:rPr>
-                        <a:t>속성</a:t>
-                      </a:r>
-                      <a:endParaRPr spc="-44" dirty="0">
-                        <a:solidFill>
-                          <a:srgbClr val="401433"/>
-                        </a:solidFill>
-                        <a:latin typeface="굴림"/>
-                        <a:ea typeface="굴림"/>
-                        <a:cs typeface="굴림"/>
-                        <a:sym typeface="굴림"/>
-                      </a:endParaRPr>
-                    </a:p>
-                  </a:txBody>
-                  <a:tcPr marL="50800" marR="50800" marT="50800" marB="50800" anchor="ctr" horzOverflow="overflow">
-                    <a:lnR w="12700" cap="flat" cmpd="sng" algn="ctr">
-                      <a:solidFill>
-                        <a:schemeClr val="tx2"/>
-                      </a:solidFill>
-                      <a:prstDash val="solid"/>
-                      <a:round/>
-                      <a:headEnd type="none" w="med" len="med"/>
-                      <a:tailEnd type="none" w="med" len="med"/>
-                    </a:lnR>
-                    <a:lnT w="12700" cap="flat" cmpd="sng" algn="ctr">
-                      <a:solidFill>
-                        <a:schemeClr val="tx2"/>
-                      </a:solidFill>
-                      <a:prstDash val="solid"/>
-                      <a:round/>
-                      <a:headEnd type="none" w="med" len="med"/>
-                      <a:tailEnd type="none" w="med" len="med"/>
-                    </a:lnT>
-                    <a:lnB w="12700" cap="flat" cmpd="sng" algn="ctr">
-                      <a:solidFill>
-                        <a:schemeClr val="tx2"/>
-                      </a:solidFill>
-                      <a:prstDash val="solid"/>
-                      <a:round/>
-                      <a:headEnd type="none" w="med" len="med"/>
-                      <a:tailEnd type="none" w="med" len="med"/>
-                    </a:lnB>
-                    <a:solidFill>
-                      <a:schemeClr val="tx2">
-                        <a:alpha val="20000"/>
-                      </a:schemeClr>
-                    </a:solidFill>
-                  </a:tcPr>
-                </a:tc>
-                <a:tc>
-                  <a:txBody>
-                    <a:bodyPr/>
-                    <a:lstStyle/>
-                    <a:p>
-                      <a:pPr>
-                        <a:defRPr sz="1600" b="1">
-                          <a:uFillTx/>
-                          <a:latin typeface="맑은 고딕"/>
-                          <a:ea typeface="맑은 고딕"/>
-                          <a:cs typeface="맑은 고딕"/>
-                          <a:sym typeface="맑은 고딕"/>
-                        </a:defRPr>
-                      </a:pPr>
-                      <a:r>
-                        <a:rPr spc="-44" dirty="0" err="1">
-                          <a:sym typeface="굴림"/>
-                        </a:rPr>
-                        <a:t>설명</a:t>
-                      </a:r>
-                      <a:endParaRPr spc="-44" dirty="0">
-                        <a:solidFill>
-                          <a:srgbClr val="401433"/>
-                        </a:solidFill>
-                        <a:latin typeface="굴림"/>
-                        <a:ea typeface="굴림"/>
-                        <a:cs typeface="굴림"/>
-                        <a:sym typeface="굴림"/>
-                      </a:endParaRPr>
-                    </a:p>
-                  </a:txBody>
-                  <a:tcPr marL="50800" marR="50800" marT="50800" marB="50800" anchor="ctr" horzOverflow="overflow">
-                    <a:lnL w="12700" cap="flat" cmpd="sng" algn="ctr">
-                      <a:solidFill>
-                        <a:schemeClr val="tx2"/>
-                      </a:solidFill>
-                      <a:prstDash val="solid"/>
-                      <a:round/>
-                      <a:headEnd type="none" w="med" len="med"/>
-                      <a:tailEnd type="none" w="med" len="med"/>
-                    </a:lnL>
-                    <a:lnT w="12700" cap="flat" cmpd="sng" algn="ctr">
-                      <a:solidFill>
-                        <a:schemeClr val="tx2"/>
-                      </a:solidFill>
-                      <a:prstDash val="solid"/>
-                      <a:round/>
-                      <a:headEnd type="none" w="med" len="med"/>
-                      <a:tailEnd type="none" w="med" len="med"/>
-                    </a:lnT>
-                    <a:lnB w="12700" cap="flat" cmpd="sng" algn="ctr">
-                      <a:solidFill>
-                        <a:schemeClr val="tx2"/>
-                      </a:solidFill>
-                      <a:prstDash val="solid"/>
-                      <a:round/>
-                      <a:headEnd type="none" w="med" len="med"/>
-                      <a:tailEnd type="none" w="med" len="med"/>
-                    </a:lnB>
-                    <a:solidFill>
-                      <a:schemeClr val="tx2">
-                        <a:alpha val="20000"/>
-                      </a:schemeClr>
-                    </a:solidFill>
-                  </a:tcPr>
-                </a:tc>
-              </a:tr>
-              <a:tr h="330200">
-                <a:tc>
-                  <a:txBody>
-                    <a:bodyPr/>
-                    <a:lstStyle/>
-                    <a:p>
-                      <a:pPr>
-                        <a:defRPr sz="1600">
-                          <a:uFillTx/>
-                          <a:latin typeface="맑은 고딕"/>
-                          <a:ea typeface="맑은 고딕"/>
-                          <a:cs typeface="맑은 고딕"/>
-                          <a:sym typeface="맑은 고딕"/>
-                        </a:defRPr>
-                      </a:pPr>
-                      <a:r>
-                        <a:rPr dirty="0" err="1"/>
-                        <a:t>var</a:t>
-                      </a:r>
-                      <a:endParaRPr dirty="0"/>
-                    </a:p>
-                  </a:txBody>
-                  <a:tcPr marL="50800" marR="50800" marT="50800" marB="50800" anchor="ctr" horzOverflow="overflow">
-                    <a:lnR w="12700" cap="flat" cmpd="sng" algn="ctr">
-                      <a:solidFill>
-                        <a:schemeClr val="tx2"/>
-                      </a:solidFill>
-                      <a:prstDash val="solid"/>
-                      <a:round/>
-                      <a:headEnd type="none" w="med" len="med"/>
-                      <a:tailEnd type="none" w="med" len="med"/>
-                    </a:lnR>
-                    <a:lnT w="12700" cap="flat" cmpd="sng" algn="ctr">
-                      <a:solidFill>
-                        <a:schemeClr val="tx2"/>
-                      </a:solidFill>
-                      <a:prstDash val="solid"/>
-                      <a:round/>
-                      <a:headEnd type="none" w="med" len="med"/>
-                      <a:tailEnd type="none" w="med" len="med"/>
-                    </a:lnT>
-                  </a:tcPr>
-                </a:tc>
-                <a:tc>
-                  <a:txBody>
-                    <a:bodyPr/>
-                    <a:lstStyle/>
-                    <a:p>
-                      <a:pPr algn="just">
-                        <a:defRPr sz="1600">
-                          <a:uFillTx/>
-                          <a:latin typeface="맑은 고딕"/>
-                          <a:ea typeface="맑은 고딕"/>
-                          <a:cs typeface="맑은 고딕"/>
-                          <a:sym typeface="맑은 고딕"/>
-                        </a:defRPr>
-                      </a:pPr>
-                      <a:r>
-                        <a:t>변수 이름을 String 형으로 지정한다.</a:t>
-                      </a:r>
-                    </a:p>
-                  </a:txBody>
-                  <a:tcPr marL="50800" marR="50800" marT="50800" marB="50800" anchor="ctr" horzOverflow="overflow">
-                    <a:lnL w="12700" cap="flat" cmpd="sng" algn="ctr">
-                      <a:solidFill>
-                        <a:schemeClr val="tx2"/>
-                      </a:solidFill>
-                      <a:prstDash val="solid"/>
-                      <a:round/>
-                      <a:headEnd type="none" w="med" len="med"/>
-                      <a:tailEnd type="none" w="med" len="med"/>
-                    </a:lnL>
-                    <a:lnT w="12700" cap="flat" cmpd="sng" algn="ctr">
-                      <a:solidFill>
-                        <a:schemeClr val="tx2"/>
-                      </a:solidFill>
-                      <a:prstDash val="solid"/>
-                      <a:round/>
-                      <a:headEnd type="none" w="med" len="med"/>
-                      <a:tailEnd type="none" w="med" len="med"/>
-                    </a:lnT>
-                  </a:tcPr>
-                </a:tc>
-              </a:tr>
-              <a:tr h="330200">
-                <a:tc>
-                  <a:txBody>
-                    <a:bodyPr/>
-                    <a:lstStyle/>
-                    <a:p>
-                      <a:pPr>
-                        <a:defRPr sz="1600">
-                          <a:uFillTx/>
-                          <a:latin typeface="맑은 고딕"/>
-                          <a:ea typeface="맑은 고딕"/>
-                          <a:cs typeface="맑은 고딕"/>
-                          <a:sym typeface="맑은 고딕"/>
-                        </a:defRPr>
-                      </a:pPr>
-                      <a:r>
-                        <a:rPr dirty="0"/>
-                        <a:t>value </a:t>
-                      </a:r>
-                    </a:p>
-                  </a:txBody>
-                  <a:tcPr marL="50800" marR="50800" marT="50800" marB="50800" anchor="ctr" horzOverflow="overflow">
-                    <a:lnR w="12700" cap="flat" cmpd="sng" algn="ctr">
-                      <a:solidFill>
-                        <a:schemeClr val="tx2"/>
-                      </a:solidFill>
-                      <a:prstDash val="solid"/>
-                      <a:round/>
-                      <a:headEnd type="none" w="med" len="med"/>
-                      <a:tailEnd type="none" w="med" len="med"/>
-                    </a:lnR>
-                  </a:tcPr>
-                </a:tc>
-                <a:tc>
-                  <a:txBody>
-                    <a:bodyPr/>
-                    <a:lstStyle/>
-                    <a:p>
-                      <a:pPr algn="just">
-                        <a:defRPr sz="1600">
-                          <a:uFillTx/>
-                          <a:latin typeface="맑은 고딕"/>
-                          <a:ea typeface="맑은 고딕"/>
-                          <a:cs typeface="맑은 고딕"/>
-                          <a:sym typeface="맑은 고딕"/>
-                        </a:defRPr>
-                      </a:pPr>
-                      <a:r>
-                        <a:t>변수에 저장할 값을 지정한다.</a:t>
-                      </a:r>
-                    </a:p>
-                  </a:txBody>
-                  <a:tcPr marL="50800" marR="50800" marT="50800" marB="50800" anchor="ctr" horzOverflow="overflow">
-                    <a:lnL w="12700" cap="flat" cmpd="sng" algn="ctr">
-                      <a:solidFill>
-                        <a:schemeClr val="tx2"/>
-                      </a:solidFill>
-                      <a:prstDash val="solid"/>
-                      <a:round/>
-                      <a:headEnd type="none" w="med" len="med"/>
-                      <a:tailEnd type="none" w="med" len="med"/>
-                    </a:lnL>
-                  </a:tcPr>
-                </a:tc>
-              </a:tr>
-              <a:tr h="330200">
-                <a:tc>
-                  <a:txBody>
-                    <a:bodyPr/>
-                    <a:lstStyle/>
-                    <a:p>
-                      <a:pPr>
-                        <a:defRPr sz="1600">
-                          <a:uFillTx/>
-                          <a:latin typeface="맑은 고딕"/>
-                          <a:ea typeface="맑은 고딕"/>
-                          <a:cs typeface="맑은 고딕"/>
-                          <a:sym typeface="맑은 고딕"/>
-                        </a:defRPr>
-                      </a:pPr>
-                      <a:r>
-                        <a:rPr dirty="0"/>
-                        <a:t>scope</a:t>
-                      </a:r>
-                    </a:p>
-                  </a:txBody>
-                  <a:tcPr marL="50800" marR="50800" marT="50800" marB="50800" anchor="ctr" horzOverflow="overflow">
-                    <a:lnR w="12700" cap="flat" cmpd="sng" algn="ctr">
-                      <a:solidFill>
-                        <a:schemeClr val="tx2"/>
-                      </a:solidFill>
-                      <a:prstDash val="solid"/>
-                      <a:round/>
-                      <a:headEnd type="none" w="med" len="med"/>
-                      <a:tailEnd type="none" w="med" len="med"/>
-                    </a:lnR>
-                    <a:lnB w="12700" cap="flat" cmpd="sng" algn="ctr">
-                      <a:solidFill>
-                        <a:schemeClr val="tx2"/>
-                      </a:solidFill>
-                      <a:prstDash val="solid"/>
-                      <a:round/>
-                      <a:headEnd type="none" w="med" len="med"/>
-                      <a:tailEnd type="none" w="med" len="med"/>
-                    </a:lnB>
-                  </a:tcPr>
-                </a:tc>
-                <a:tc>
-                  <a:txBody>
-                    <a:bodyPr/>
-                    <a:lstStyle/>
-                    <a:p>
-                      <a:pPr algn="just">
-                        <a:defRPr sz="1600">
-                          <a:uFillTx/>
-                          <a:latin typeface="맑은 고딕"/>
-                          <a:ea typeface="맑은 고딕"/>
-                          <a:cs typeface="맑은 고딕"/>
-                          <a:sym typeface="맑은 고딕"/>
-                        </a:defRPr>
-                      </a:pPr>
-                      <a:r>
-                        <a:rPr dirty="0" err="1"/>
-                        <a:t>변수가</a:t>
-                      </a:r>
-                      <a:r>
-                        <a:rPr dirty="0"/>
-                        <a:t> </a:t>
-                      </a:r>
-                      <a:r>
-                        <a:rPr dirty="0" err="1"/>
-                        <a:t>효력을</a:t>
-                      </a:r>
-                      <a:r>
-                        <a:rPr dirty="0"/>
-                        <a:t> </a:t>
-                      </a:r>
-                      <a:r>
-                        <a:rPr dirty="0" err="1"/>
-                        <a:t>발휘할</a:t>
-                      </a:r>
-                      <a:r>
-                        <a:rPr dirty="0"/>
-                        <a:t> </a:t>
-                      </a:r>
-                      <a:r>
-                        <a:rPr dirty="0" err="1"/>
-                        <a:t>영역으로</a:t>
-                      </a:r>
-                      <a:r>
-                        <a:rPr dirty="0"/>
-                        <a:t> </a:t>
-                      </a:r>
-                      <a:r>
-                        <a:rPr dirty="0" err="1"/>
-                        <a:t>생략될</a:t>
-                      </a:r>
-                      <a:r>
-                        <a:rPr dirty="0"/>
-                        <a:t> </a:t>
-                      </a:r>
-                      <a:r>
-                        <a:rPr dirty="0" err="1"/>
-                        <a:t>경우</a:t>
-                      </a:r>
-                      <a:r>
-                        <a:rPr dirty="0"/>
-                        <a:t> </a:t>
-                      </a:r>
-                      <a:r>
-                        <a:rPr dirty="0" err="1"/>
-                        <a:t>기본</a:t>
-                      </a:r>
-                      <a:r>
-                        <a:rPr dirty="0"/>
-                        <a:t> </a:t>
-                      </a:r>
-                      <a:r>
-                        <a:rPr dirty="0" err="1"/>
-                        <a:t>값은</a:t>
-                      </a:r>
-                      <a:r>
-                        <a:rPr dirty="0"/>
-                        <a:t> </a:t>
-                      </a:r>
-                      <a:r>
-                        <a:rPr dirty="0" err="1"/>
-                        <a:t>page이다</a:t>
-                      </a:r>
-                      <a:r>
-                        <a:rPr dirty="0"/>
-                        <a:t>.</a:t>
-                      </a:r>
-                    </a:p>
-                  </a:txBody>
-                  <a:tcPr marL="50800" marR="50800" marT="50800" marB="50800" anchor="ctr" horzOverflow="overflow">
-                    <a:lnL w="12700" cap="flat" cmpd="sng" algn="ctr">
-                      <a:solidFill>
-                        <a:schemeClr val="tx2"/>
-                      </a:solidFill>
-                      <a:prstDash val="solid"/>
-                      <a:round/>
-                      <a:headEnd type="none" w="med" len="med"/>
-                      <a:tailEnd type="none" w="med" len="med"/>
-                    </a:lnL>
-                    <a:lnB w="12700" cap="flat" cmpd="sng" algn="ctr">
-                      <a:solidFill>
-                        <a:schemeClr val="tx2"/>
-                      </a:solidFill>
-                      <a:prstDash val="solid"/>
-                      <a:round/>
-                      <a:headEnd type="none" w="med" len="med"/>
-                      <a:tailEnd type="none" w="med" len="med"/>
-                    </a:lnB>
-                  </a:tcPr>
-                </a:tc>
-              </a:tr>
-            </a:tbl>
-          </a:graphicData>
-        </a:graphic>
-      </p:graphicFrame>
-      <p:sp>
-        <p:nvSpPr>
-          <p:cNvPr id="9" name="Shape 396"/>
-          <p:cNvSpPr/>
-          <p:nvPr/>
-        </p:nvSpPr>
-        <p:spPr>
-          <a:xfrm>
-            <a:off x="899592" y="1988840"/>
-            <a:ext cx="8064896" cy="323165"/>
-          </a:xfrm>
-          <a:prstGeom prst="rect">
-            <a:avLst/>
-          </a:prstGeom>
-          <a:ln>
-            <a:noFill/>
-          </a:ln>
-          <a:extLst>
-            <a:ext uri="{C572A759-6A51-4108-AA02-DFA0A04FC94B}">
-              <ma14:wrappingTextBoxFlag xmlns:ma14="http://schemas.microsoft.com/office/mac/drawingml/2011/main" xmlns="" val="1"/>
-            </a:ext>
-          </a:extLst>
-        </p:spPr>
-        <p:style>
-          <a:lnRef idx="2">
-            <a:schemeClr val="accent1"/>
-          </a:lnRef>
-          <a:fillRef idx="1">
-            <a:schemeClr val="lt1"/>
-          </a:fillRef>
-          <a:effectRef idx="0">
-            <a:schemeClr val="accent1"/>
-          </a:effectRef>
-          <a:fontRef idx="minor">
-            <a:schemeClr val="dk1"/>
-          </a:fontRef>
-        </p:style>
-        <p:txBody>
-          <a:bodyPr wrap="square" lIns="45719" rIns="45719">
-            <a:spAutoFit/>
+          <a:bodyPr>
+            <a:normAutofit fontScale="85000" lnSpcReduction="20000"/>
           </a:bodyPr>
           <a:lstStyle/>
           <a:p>
-            <a:pPr>
-              <a:spcBef>
-                <a:spcPts val="0"/>
-              </a:spcBef>
-              <a:buClrTx/>
-              <a:buFontTx/>
-              <a:defRPr sz="1600">
-                <a:uFillTx/>
-                <a:latin typeface="맑은 고딕"/>
-                <a:ea typeface="맑은 고딕"/>
-                <a:cs typeface="맑은 고딕"/>
-                <a:sym typeface="맑은 고딕"/>
-              </a:defRPr>
-            </a:pPr>
-            <a:r>
-              <a:rPr sz="1500" dirty="0"/>
-              <a:t>&lt;</a:t>
-            </a:r>
-            <a:r>
-              <a:rPr sz="1500" dirty="0" err="1"/>
-              <a:t>c:set</a:t>
-            </a:r>
-            <a:r>
-              <a:rPr sz="1500" dirty="0"/>
-              <a:t> </a:t>
-            </a:r>
-            <a:r>
-              <a:rPr sz="1500" dirty="0" err="1"/>
-              <a:t>var</a:t>
-            </a:r>
-            <a:r>
-              <a:rPr sz="1500" dirty="0"/>
-              <a:t>="</a:t>
-            </a:r>
-            <a:r>
-              <a:rPr sz="1500" dirty="0" err="1"/>
-              <a:t>변수</a:t>
-            </a:r>
-            <a:r>
-              <a:rPr sz="1500" dirty="0"/>
-              <a:t> </a:t>
-            </a:r>
-            <a:r>
-              <a:rPr sz="1500" dirty="0" err="1"/>
-              <a:t>이름</a:t>
-            </a:r>
-            <a:r>
-              <a:rPr sz="1500" dirty="0"/>
-              <a:t>" value="</a:t>
-            </a:r>
-            <a:r>
-              <a:rPr sz="1500" dirty="0" err="1"/>
-              <a:t>저장할</a:t>
-            </a:r>
-            <a:r>
-              <a:rPr sz="1500" dirty="0"/>
-              <a:t> 값" [scope=“{page | request | session | application}"]&gt;</a:t>
-            </a:r>
-          </a:p>
-        </p:txBody>
-      </p:sp>
-      <p:sp>
-        <p:nvSpPr>
-          <p:cNvPr id="10" name="Shape 477"/>
-          <p:cNvSpPr/>
-          <p:nvPr/>
-        </p:nvSpPr>
-        <p:spPr>
-          <a:xfrm>
-            <a:off x="1475656" y="5394704"/>
-            <a:ext cx="6264696" cy="338552"/>
-          </a:xfrm>
-          <a:prstGeom prst="rect">
-            <a:avLst/>
-          </a:prstGeom>
-          <a:noFill/>
-          <a:ln w="12700" cap="flat">
-            <a:noFill/>
-            <a:miter lim="400000"/>
-          </a:ln>
-          <a:effectLst/>
-          <a:extLst>
-            <a:ext uri="{C572A759-6A51-4108-AA02-DFA0A04FC94B}">
-              <ma14:wrappingTextBoxFlag xmlns:ma14="http://schemas.microsoft.com/office/mac/drawingml/2011/main" xmlns="" val="1"/>
-            </a:ext>
-          </a:extLst>
-        </p:spPr>
-        <p:txBody>
-          <a:bodyPr wrap="square" lIns="45719" tIns="45719" rIns="45719" bIns="45719" numCol="1" anchor="t">
-            <a:spAutoFit/>
-          </a:bodyPr>
-          <a:lstStyle>
-            <a:lvl1pPr>
-              <a:spcBef>
-                <a:spcPts val="0"/>
-              </a:spcBef>
-              <a:buClrTx/>
-              <a:buFontTx/>
-              <a:defRPr sz="1800">
-                <a:uFillTx/>
-                <a:latin typeface="맑은 고딕"/>
-                <a:ea typeface="맑은 고딕"/>
-                <a:cs typeface="맑은 고딕"/>
-                <a:sym typeface="맑은 고딕"/>
-              </a:defRPr>
-            </a:lvl1pPr>
-          </a:lstStyle>
-          <a:p>
-            <a:r>
-              <a:rPr lang="en-US" sz="1600" dirty="0" smtClean="0">
-                <a:sym typeface="Wingdings" panose="05000000000000000000" pitchFamily="2" charset="2"/>
-              </a:rPr>
-              <a:t>  </a:t>
-            </a:r>
-            <a:r>
-              <a:rPr sz="1600" dirty="0" err="1" smtClean="0"/>
-              <a:t>request.setAttribute</a:t>
-            </a:r>
-            <a:r>
-              <a:rPr sz="1600" dirty="0"/>
-              <a:t>("msg2", "Hello2</a:t>
-            </a:r>
-            <a:r>
-              <a:rPr sz="1600" dirty="0" smtClean="0"/>
-              <a:t>")</a:t>
-            </a:r>
-            <a:r>
-              <a:rPr lang="en-US" sz="1600" dirty="0" smtClean="0"/>
-              <a:t>; </a:t>
-            </a:r>
-            <a:r>
-              <a:rPr lang="ko-KR" altLang="en-US" sz="1600" dirty="0"/>
-              <a:t> </a:t>
-            </a:r>
-            <a:r>
-              <a:rPr lang="ko-KR" altLang="en-US" sz="1600" dirty="0" smtClean="0"/>
-              <a:t> 와 같은 기능</a:t>
-            </a:r>
-            <a:endParaRPr sz="1600" dirty="0"/>
+            <a:r>
+              <a:rPr lang="ko-KR" altLang="en-US" dirty="0"/>
+              <a:t>출력 태그 </a:t>
+            </a:r>
+            <a:r>
+              <a:rPr lang="en-US" altLang="ko-KR" dirty="0"/>
+              <a:t>: &lt;</a:t>
+            </a:r>
+            <a:r>
+              <a:rPr lang="nn-NO" altLang="ko-KR" dirty="0"/>
+              <a:t>c:out&gt;</a:t>
+            </a:r>
+          </a:p>
+          <a:p>
+            <a:endParaRPr lang="nn-NO" altLang="ko-KR" dirty="0"/>
+          </a:p>
+          <a:p>
+            <a:endParaRPr lang="nn-NO" altLang="ko-KR" dirty="0"/>
+          </a:p>
+          <a:p>
+            <a:r>
+              <a:rPr lang="ko-KR" altLang="en-US" dirty="0" smtClean="0"/>
+              <a:t>변수 </a:t>
+            </a:r>
+            <a:r>
+              <a:rPr lang="ko-KR" altLang="en-US" dirty="0"/>
+              <a:t>설정 및 삭제 태그 </a:t>
+            </a:r>
+            <a:r>
+              <a:rPr lang="en-US" altLang="ko-KR" dirty="0"/>
+              <a:t>: &lt;</a:t>
+            </a:r>
+            <a:r>
+              <a:rPr lang="nn-NO" altLang="ko-KR" dirty="0"/>
+              <a:t>c:set&gt;, &lt;c:remove&gt;</a:t>
+            </a:r>
+          </a:p>
+          <a:p>
+            <a:endParaRPr lang="nn-NO" altLang="ko-KR" dirty="0"/>
+          </a:p>
+          <a:p>
+            <a:endParaRPr lang="nn-NO" altLang="ko-KR" dirty="0"/>
+          </a:p>
+          <a:p>
+            <a:r>
+              <a:rPr lang="ko-KR" altLang="en-US" dirty="0" smtClean="0"/>
+              <a:t>예외 </a:t>
+            </a:r>
+            <a:r>
+              <a:rPr lang="ko-KR" altLang="en-US" dirty="0"/>
+              <a:t>처리 태그 </a:t>
+            </a:r>
+            <a:r>
+              <a:rPr lang="en-US" altLang="ko-KR" dirty="0"/>
+              <a:t>: &lt;</a:t>
+            </a:r>
+            <a:r>
+              <a:rPr lang="nn-NO" altLang="ko-KR" dirty="0"/>
+              <a:t>c:catch&gt;</a:t>
+            </a:r>
+          </a:p>
+          <a:p>
+            <a:endParaRPr lang="nn-NO" altLang="ko-KR" dirty="0"/>
+          </a:p>
+          <a:p>
+            <a:endParaRPr lang="nn-NO" altLang="ko-KR" dirty="0"/>
+          </a:p>
+          <a:p>
+            <a:r>
+              <a:rPr lang="ko-KR" altLang="en-US" dirty="0" smtClean="0"/>
+              <a:t>조건 </a:t>
+            </a:r>
+            <a:r>
+              <a:rPr lang="ko-KR" altLang="en-US" dirty="0"/>
+              <a:t>처리 태그 </a:t>
+            </a:r>
+            <a:r>
+              <a:rPr lang="en-US" altLang="ko-KR" dirty="0"/>
+              <a:t>: &lt;</a:t>
+            </a:r>
+            <a:r>
+              <a:rPr lang="nn-NO" altLang="ko-KR" dirty="0"/>
+              <a:t>c:if&gt;, &lt;c:choose&gt;, &lt;c:when&gt;, &lt;c:otherwise&gt;</a:t>
+            </a:r>
+          </a:p>
+          <a:p>
+            <a:endParaRPr lang="nn-NO" altLang="ko-KR" dirty="0"/>
+          </a:p>
+          <a:p>
+            <a:endParaRPr lang="nn-NO" altLang="ko-KR" dirty="0"/>
+          </a:p>
+          <a:p>
+            <a:r>
+              <a:rPr lang="ko-KR" altLang="en-US" dirty="0" smtClean="0"/>
+              <a:t>반복 </a:t>
+            </a:r>
+            <a:r>
+              <a:rPr lang="ko-KR" altLang="en-US" dirty="0"/>
+              <a:t>처리 태그 </a:t>
+            </a:r>
+            <a:r>
+              <a:rPr lang="en-US" altLang="ko-KR" dirty="0"/>
+              <a:t>: &lt;</a:t>
+            </a:r>
+            <a:r>
+              <a:rPr lang="nn-NO" altLang="ko-KR" dirty="0"/>
+              <a:t>c:forEach&gt;, &lt;c:forToken&gt;</a:t>
+            </a:r>
+          </a:p>
+          <a:p>
+            <a:endParaRPr lang="nn-NO" altLang="ko-KR" dirty="0"/>
+          </a:p>
+          <a:p>
+            <a:endParaRPr lang="nn-NO" altLang="ko-KR" dirty="0"/>
+          </a:p>
+          <a:p>
+            <a:r>
+              <a:rPr lang="ko-KR" altLang="en-US" smtClean="0"/>
+              <a:t>페이지 </a:t>
+            </a:r>
+            <a:r>
+              <a:rPr lang="ko-KR" altLang="en-US" dirty="0"/>
+              <a:t>처리 태그 </a:t>
+            </a:r>
+            <a:r>
+              <a:rPr lang="en-US" altLang="ko-KR" dirty="0"/>
+              <a:t>: &lt;</a:t>
+            </a:r>
+            <a:r>
+              <a:rPr lang="nn-NO" altLang="ko-KR" dirty="0"/>
+              <a:t>c:import&gt;, &lt;c:redirect&gt;, &lt;c:url&gt;, &lt;c:param&gt;</a:t>
+            </a:r>
+          </a:p>
+          <a:p>
+            <a:endParaRPr lang="nn-NO" altLang="ko-KR" dirty="0"/>
           </a:p>
         </p:txBody>
       </p:sp>
